--- a/MIMIC-III_NLP.pptx
+++ b/MIMIC-III_NLP.pptx
@@ -7792,66 +7792,45 @@
             </a:endParaRPr>
           </a:p>
           <a:p>
-            <a:endParaRPr lang="en-US" sz="2000" b="1" dirty="0">
-              <a:latin typeface="Bierstadt"/>
-            </a:endParaRPr>
-          </a:p>
-          <a:p>
-            <a:r>
-              <a:rPr lang="en-US" sz="2000" b="1" dirty="0">
-                <a:latin typeface="Bierstadt"/>
-              </a:rPr>
-              <a:t>​</a:t>
-            </a:r>
-            <a:r>
-              <a:rPr lang="en-US" sz="2000" dirty="0">
+            <a:endParaRPr lang="en-US" dirty="0"/>
+          </a:p>
+          <a:p>
+            <a:r>
+              <a:rPr lang="en-US" sz="2000">
                 <a:ea typeface="+mn-lt"/>
                 <a:cs typeface="+mn-lt"/>
                 <a:hlinkClick r:id="rId2"/>
               </a:rPr>
-              <a:t>https://colab.research.google.com/github/AnkitaSavaliya/AIH/blob/main/MIMIC-III_NLP.ipynb</a:t>
-            </a:r>
+              <a:t>https://colab.research.google.com/github/AnkitaSavaliya/AIH/blob/main/MIMIC_III_NLP.ipynb</a:t>
+            </a:r>
+          </a:p>
+          <a:p>
+            <a:endParaRPr lang="en-US" sz="2000" dirty="0">
+              <a:ea typeface="+mn-lt"/>
+              <a:cs typeface="+mn-lt"/>
+              <a:hlinkClick r:id="rId2"/>
+            </a:endParaRPr>
+          </a:p>
+          <a:p>
             <a:r>
               <a:rPr lang="en-US" sz="2000" dirty="0">
-                <a:ea typeface="+mn-lt"/>
-                <a:cs typeface="+mn-lt"/>
-              </a:rPr>
-              <a:t> </a:t>
-            </a:r>
-            <a:endParaRPr lang="en-US" dirty="0"/>
-          </a:p>
-          <a:p>
-            <a:endParaRPr lang="en-US" dirty="0"/>
+                <a:hlinkClick r:id="rId2"/>
+              </a:rPr>
+              <a:t>https://github.com/AnkitaSavaliya/AIH/blob/main/MIMIC_III_NLP.ipynb</a:t>
+            </a:r>
+            <a:endParaRPr lang="en-US" sz="2000" dirty="0"/>
+          </a:p>
+          <a:p>
+            <a:endParaRPr lang="en-US" sz="2000" dirty="0"/>
           </a:p>
           <a:p>
             <a:r>
               <a:rPr lang="en-US" sz="2000" dirty="0">
-                <a:ea typeface="+mn-lt"/>
-                <a:cs typeface="+mn-lt"/>
                 <a:hlinkClick r:id="rId3"/>
               </a:rPr>
-              <a:t>https://github.com/AnkitaSavaliya/AIH/blob/main/MIMIC-III_NLP.ipynb</a:t>
-            </a:r>
-            <a:r>
-              <a:rPr lang="en-US" sz="2000" dirty="0">
-                <a:ea typeface="+mn-lt"/>
-                <a:cs typeface="+mn-lt"/>
-              </a:rPr>
-              <a:t> </a:t>
-            </a:r>
-            <a:endParaRPr lang="en-US" dirty="0"/>
-          </a:p>
-          <a:p>
+              <a:t>https://github.com/AnkitaSavaliya/AIH/blob/main/MIMIC-III_NLP.pptx</a:t>
+            </a:r>
             <a:endParaRPr lang="en-US" sz="2000" dirty="0"/>
-          </a:p>
-          <a:p>
-            <a:r>
-              <a:rPr lang="en-US" sz="2000">
-                <a:hlinkClick r:id="rId4"/>
-              </a:rPr>
-              <a:t>https://github.com/AnkitaSavaliya/AIH/blob/main/MIMIC-III_NLP.pptx</a:t>
-            </a:r>
-            <a:endParaRPr lang="en-US" sz="2000"/>
           </a:p>
           <a:p>
             <a:endParaRPr lang="en-US" sz="2000" dirty="0"/>

--- a/MIMIC-III_NLP.pptx
+++ b/MIMIC-III_NLP.pptx
@@ -139,6 +139,7 @@
 <file path=ppt/revisionInfo.xml><?xml version="1.0" encoding="utf-8"?>
 <p1510:revInfo xmlns:a="http://schemas.openxmlformats.org/drawingml/2006/main" xmlns:r="http://schemas.openxmlformats.org/officeDocument/2006/relationships" xmlns:p1510="http://schemas.microsoft.com/office/powerpoint/2015/10/main">
   <p1510:revLst>
+    <p1510:client id="{003706AB-E9F4-B1BF-D4E4-18381BD1E5B0}" v="49" dt="2025-02-23T00:27:48.142"/>
     <p1510:client id="{13E13E35-7DE3-4FA9-2699-76794999827B}" v="1461" dt="2025-02-23T00:03:44.506"/>
   </p1510:revLst>
 </p1510:revInfo>
@@ -2134,6 +2135,30 @@
           </pc:sldLayoutMkLst>
         </pc:sldLayoutChg>
       </pc:sldMasterChg>
+    </pc:docChg>
+  </pc:docChgLst>
+  <pc:docChgLst>
+    <pc:chgData name="Ankita L Savaliya" userId="S::als8453@my.utexas.edu::45302890-fb20-4ef9-a20b-62d8ea27512f" providerId="AD" clId="Web-{003706AB-E9F4-B1BF-D4E4-18381BD1E5B0}"/>
+    <pc:docChg chg="modSld">
+      <pc:chgData name="Ankita L Savaliya" userId="S::als8453@my.utexas.edu::45302890-fb20-4ef9-a20b-62d8ea27512f" providerId="AD" clId="Web-{003706AB-E9F4-B1BF-D4E4-18381BD1E5B0}" dt="2025-02-23T00:27:48.142" v="37" actId="20577"/>
+      <pc:docMkLst>
+        <pc:docMk/>
+      </pc:docMkLst>
+      <pc:sldChg chg="modSp">
+        <pc:chgData name="Ankita L Savaliya" userId="S::als8453@my.utexas.edu::45302890-fb20-4ef9-a20b-62d8ea27512f" providerId="AD" clId="Web-{003706AB-E9F4-B1BF-D4E4-18381BD1E5B0}" dt="2025-02-23T00:27:48.142" v="37" actId="20577"/>
+        <pc:sldMkLst>
+          <pc:docMk/>
+          <pc:sldMk cId="4199585616" sldId="258"/>
+        </pc:sldMkLst>
+        <pc:spChg chg="mod">
+          <ac:chgData name="Ankita L Savaliya" userId="S::als8453@my.utexas.edu::45302890-fb20-4ef9-a20b-62d8ea27512f" providerId="AD" clId="Web-{003706AB-E9F4-B1BF-D4E4-18381BD1E5B0}" dt="2025-02-23T00:27:48.142" v="37" actId="20577"/>
+          <ac:spMkLst>
+            <pc:docMk/>
+            <pc:sldMk cId="4199585616" sldId="258"/>
+            <ac:spMk id="3" creationId="{365D6808-0F23-E60F-A048-148B0882B4BD}"/>
+          </ac:spMkLst>
+        </pc:spChg>
+      </pc:sldChg>
     </pc:docChg>
   </pc:docChgLst>
 </pc:chgInfo>
@@ -7700,7 +7725,7 @@
             <a:endParaRPr lang="en-US" dirty="0"/>
           </a:p>
           <a:p>
-            <a:endParaRPr lang="en-US" dirty="0"/>
+            <a:endParaRPr lang="en-US"/>
           </a:p>
           <a:p>
             <a:r>
@@ -7774,7 +7799,7 @@
               <a:t>GitHub and Google </a:t>
             </a:r>
             <a:r>
-              <a:rPr lang="en-US" sz="2000" b="1" dirty="0" err="1">
+              <a:rPr lang="en-US" sz="2000" b="1" err="1">
                 <a:ea typeface="+mn-lt"/>
                 <a:cs typeface="+mn-lt"/>
               </a:rPr>
@@ -7787,50 +7812,75 @@
               </a:rPr>
               <a:t> Links: </a:t>
             </a:r>
-            <a:endParaRPr lang="en-US" dirty="0">
+            <a:endParaRPr lang="en-US">
               <a:latin typeface="Aptos" panose="020B0004020202020204"/>
             </a:endParaRPr>
           </a:p>
           <a:p>
-            <a:endParaRPr lang="en-US" dirty="0"/>
-          </a:p>
-          <a:p>
-            <a:r>
-              <a:rPr lang="en-US" sz="2000">
+            <a:endParaRPr lang="en-US" sz="2000" b="1" dirty="0">
+              <a:ea typeface="+mn-lt"/>
+              <a:cs typeface="+mn-lt"/>
+            </a:endParaRPr>
+          </a:p>
+          <a:p>
+            <a:r>
+              <a:rPr lang="en-US" sz="2000" dirty="0">
                 <a:ea typeface="+mn-lt"/>
                 <a:cs typeface="+mn-lt"/>
                 <a:hlinkClick r:id="rId2"/>
               </a:rPr>
               <a:t>https://colab.research.google.com/github/AnkitaSavaliya/AIH/blob/main/MIMIC_III_NLP.ipynb</a:t>
             </a:r>
-          </a:p>
-          <a:p>
+            <a:endParaRPr lang="en-US"/>
+          </a:p>
+          <a:p>
+            <a:r>
+              <a:rPr lang="en-US" sz="2000" b="1" dirty="0">
+                <a:latin typeface="Bierstadt"/>
+                <a:ea typeface="+mn-lt"/>
+                <a:cs typeface="+mn-lt"/>
+              </a:rPr>
+              <a:t>​</a:t>
+            </a:r>
             <a:endParaRPr lang="en-US" sz="2000" dirty="0">
               <a:ea typeface="+mn-lt"/>
               <a:cs typeface="+mn-lt"/>
-              <a:hlinkClick r:id="rId2"/>
             </a:endParaRPr>
           </a:p>
           <a:p>
             <a:r>
               <a:rPr lang="en-US" sz="2000" dirty="0">
-                <a:hlinkClick r:id="rId2"/>
-              </a:rPr>
-              <a:t>https://github.com/AnkitaSavaliya/AIH/blob/main/MIMIC_III_NLP.ipynb</a:t>
-            </a:r>
-            <a:endParaRPr lang="en-US" sz="2000" dirty="0"/>
-          </a:p>
-          <a:p>
-            <a:endParaRPr lang="en-US" sz="2000" dirty="0"/>
-          </a:p>
-          <a:p>
+                <a:ea typeface="+mn-lt"/>
+                <a:cs typeface="+mn-lt"/>
+                <a:hlinkClick r:id="rId3"/>
+              </a:rPr>
+              <a:t>https://github.com/AnkitaSavaliya/AIH/blob/main/MIMIC-III_NLP.ipynb</a:t>
+            </a:r>
             <a:r>
               <a:rPr lang="en-US" sz="2000" dirty="0">
-                <a:hlinkClick r:id="rId3"/>
-              </a:rPr>
-              <a:t>https://github.com/AnkitaSavaliya/AIH/blob/main/MIMIC-III_NLP.pptx</a:t>
-            </a:r>
-            <a:endParaRPr lang="en-US" sz="2000" dirty="0"/>
+                <a:ea typeface="+mn-lt"/>
+                <a:cs typeface="+mn-lt"/>
+              </a:rPr>
+              <a:t> </a:t>
+            </a:r>
+            <a:endParaRPr lang="en-US"/>
+          </a:p>
+          <a:p>
+            <a:endParaRPr lang="en-US"/>
+          </a:p>
+          <a:p>
+            <a:r>
+              <a:rPr lang="en-US" sz="2000" dirty="0">
+                <a:ea typeface="+mn-lt"/>
+                <a:cs typeface="+mn-lt"/>
+                <a:hlinkClick r:id="rId4"/>
+              </a:rPr>
+              <a:t>https://github.com/AnkitaSavaliya/AIH/blob/main/MIMIC-III%20NLP.pptx</a:t>
+            </a:r>
+            <a:endParaRPr lang="en-US">
+              <a:ea typeface="+mn-lt"/>
+              <a:cs typeface="+mn-lt"/>
+            </a:endParaRPr>
           </a:p>
           <a:p>
             <a:endParaRPr lang="en-US" sz="2000" dirty="0"/>

--- a/MIMIC-III_NLP.pptx
+++ b/MIMIC-III_NLP.pptx
@@ -141,6 +141,7 @@
   <p1510:revLst>
     <p1510:client id="{003706AB-E9F4-B1BF-D4E4-18381BD1E5B0}" v="49" dt="2025-02-23T00:27:48.142"/>
     <p1510:client id="{13E13E35-7DE3-4FA9-2699-76794999827B}" v="1461" dt="2025-02-23T00:03:44.506"/>
+    <p1510:client id="{E661E9BE-FE19-7F82-3577-BC52DA2F55D2}" v="15" dt="2025-02-23T00:32:39.042"/>
   </p1510:revLst>
 </p1510:revInfo>
 </file>
@@ -2135,6 +2136,30 @@
           </pc:sldLayoutMkLst>
         </pc:sldLayoutChg>
       </pc:sldMasterChg>
+    </pc:docChg>
+  </pc:docChgLst>
+  <pc:docChgLst>
+    <pc:chgData name="Ankita L Savaliya" userId="S::als8453@my.utexas.edu::45302890-fb20-4ef9-a20b-62d8ea27512f" providerId="AD" clId="Web-{E661E9BE-FE19-7F82-3577-BC52DA2F55D2}"/>
+    <pc:docChg chg="modSld">
+      <pc:chgData name="Ankita L Savaliya" userId="S::als8453@my.utexas.edu::45302890-fb20-4ef9-a20b-62d8ea27512f" providerId="AD" clId="Web-{E661E9BE-FE19-7F82-3577-BC52DA2F55D2}" dt="2025-02-23T00:32:28.541" v="10" actId="20577"/>
+      <pc:docMkLst>
+        <pc:docMk/>
+      </pc:docMkLst>
+      <pc:sldChg chg="modSp">
+        <pc:chgData name="Ankita L Savaliya" userId="S::als8453@my.utexas.edu::45302890-fb20-4ef9-a20b-62d8ea27512f" providerId="AD" clId="Web-{E661E9BE-FE19-7F82-3577-BC52DA2F55D2}" dt="2025-02-23T00:32:28.541" v="10" actId="20577"/>
+        <pc:sldMkLst>
+          <pc:docMk/>
+          <pc:sldMk cId="4199585616" sldId="258"/>
+        </pc:sldMkLst>
+        <pc:spChg chg="mod">
+          <ac:chgData name="Ankita L Savaliya" userId="S::als8453@my.utexas.edu::45302890-fb20-4ef9-a20b-62d8ea27512f" providerId="AD" clId="Web-{E661E9BE-FE19-7F82-3577-BC52DA2F55D2}" dt="2025-02-23T00:32:28.541" v="10" actId="20577"/>
+          <ac:spMkLst>
+            <pc:docMk/>
+            <pc:sldMk cId="4199585616" sldId="258"/>
+            <ac:spMk id="3" creationId="{365D6808-0F23-E60F-A048-148B0882B4BD}"/>
+          </ac:spMkLst>
+        </pc:spChg>
+      </pc:sldChg>
     </pc:docChg>
   </pc:docChgLst>
   <pc:docChgLst>
@@ -7854,19 +7879,15 @@
                 <a:cs typeface="+mn-lt"/>
                 <a:hlinkClick r:id="rId3"/>
               </a:rPr>
-              <a:t>https://github.com/AnkitaSavaliya/AIH/blob/main/MIMIC-III_NLP.ipynb</a:t>
-            </a:r>
-            <a:r>
-              <a:rPr lang="en-US" sz="2000" dirty="0">
-                <a:ea typeface="+mn-lt"/>
-                <a:cs typeface="+mn-lt"/>
-              </a:rPr>
-              <a:t> </a:t>
+              <a:t>https://github.com/AnkitaSavaliya/AIH/blob/main/MIMIC_III_NLP.ipynb</a:t>
             </a:r>
             <a:endParaRPr lang="en-US"/>
           </a:p>
           <a:p>
-            <a:endParaRPr lang="en-US"/>
+            <a:endParaRPr lang="en-US">
+              <a:ea typeface="+mn-lt"/>
+              <a:cs typeface="+mn-lt"/>
+            </a:endParaRPr>
           </a:p>
           <a:p>
             <a:r>
@@ -7875,12 +7896,9 @@
                 <a:cs typeface="+mn-lt"/>
                 <a:hlinkClick r:id="rId4"/>
               </a:rPr>
-              <a:t>https://github.com/AnkitaSavaliya/AIH/blob/main/MIMIC-III%20NLP.pptx</a:t>
-            </a:r>
-            <a:endParaRPr lang="en-US">
-              <a:ea typeface="+mn-lt"/>
-              <a:cs typeface="+mn-lt"/>
-            </a:endParaRPr>
+              <a:t>https://github.com/AnkitaSavaliya/AIH/blob/main/MIMIC-III_NLP.pptx</a:t>
+            </a:r>
+            <a:endParaRPr lang="en-US"/>
           </a:p>
           <a:p>
             <a:endParaRPr lang="en-US" sz="2000" dirty="0"/>

--- a/MIMIC-III_NLP.pptx
+++ b/MIMIC-III_NLP.pptx
@@ -14,22 +14,28 @@
     <p:sldId id="263" r:id="rId8"/>
     <p:sldId id="265" r:id="rId9"/>
     <p:sldId id="266" r:id="rId10"/>
-    <p:sldId id="315" r:id="rId11"/>
-    <p:sldId id="267" r:id="rId12"/>
-    <p:sldId id="305" r:id="rId13"/>
-    <p:sldId id="306" r:id="rId14"/>
-    <p:sldId id="317" r:id="rId15"/>
-    <p:sldId id="308" r:id="rId16"/>
-    <p:sldId id="307" r:id="rId17"/>
-    <p:sldId id="309" r:id="rId18"/>
-    <p:sldId id="318" r:id="rId19"/>
-    <p:sldId id="311" r:id="rId20"/>
-    <p:sldId id="312" r:id="rId21"/>
-    <p:sldId id="319" r:id="rId22"/>
-    <p:sldId id="310" r:id="rId23"/>
-    <p:sldId id="314" r:id="rId24"/>
-    <p:sldId id="268" r:id="rId25"/>
-    <p:sldId id="269" r:id="rId26"/>
+    <p:sldId id="320" r:id="rId11"/>
+    <p:sldId id="321" r:id="rId12"/>
+    <p:sldId id="315" r:id="rId13"/>
+    <p:sldId id="267" r:id="rId14"/>
+    <p:sldId id="305" r:id="rId15"/>
+    <p:sldId id="306" r:id="rId16"/>
+    <p:sldId id="322" r:id="rId17"/>
+    <p:sldId id="317" r:id="rId18"/>
+    <p:sldId id="308" r:id="rId19"/>
+    <p:sldId id="307" r:id="rId20"/>
+    <p:sldId id="309" r:id="rId21"/>
+    <p:sldId id="323" r:id="rId22"/>
+    <p:sldId id="319" r:id="rId23"/>
+    <p:sldId id="310" r:id="rId24"/>
+    <p:sldId id="314" r:id="rId25"/>
+    <p:sldId id="268" r:id="rId26"/>
+    <p:sldId id="324" r:id="rId27"/>
+    <p:sldId id="318" r:id="rId28"/>
+    <p:sldId id="311" r:id="rId29"/>
+    <p:sldId id="312" r:id="rId30"/>
+    <p:sldId id="325" r:id="rId31"/>
+    <p:sldId id="269" r:id="rId32"/>
   </p:sldIdLst>
   <p:sldSz cx="12192000" cy="6858000"/>
   <p:notesSz cx="6858000" cy="9144000"/>
@@ -139,15 +145,857 @@
 <file path=ppt/revisionInfo.xml><?xml version="1.0" encoding="utf-8"?>
 <p1510:revInfo xmlns:a="http://schemas.openxmlformats.org/drawingml/2006/main" xmlns:r="http://schemas.openxmlformats.org/officeDocument/2006/relationships" xmlns:p1510="http://schemas.microsoft.com/office/powerpoint/2015/10/main">
   <p1510:revLst>
-    <p1510:client id="{003706AB-E9F4-B1BF-D4E4-18381BD1E5B0}" v="49" dt="2025-02-23T00:27:48.142"/>
-    <p1510:client id="{13E13E35-7DE3-4FA9-2699-76794999827B}" v="1461" dt="2025-02-23T00:03:44.506"/>
-    <p1510:client id="{E661E9BE-FE19-7F82-3577-BC52DA2F55D2}" v="15" dt="2025-02-23T00:32:39.042"/>
+    <p1510:client id="{5FEE7D92-E37A-CB70-568F-D4CA456A5E29}" v="983" dt="2025-03-02T21:00:08.071"/>
+    <p1510:client id="{600E16D1-0B00-5FA8-D7F6-673ACD376721}" v="11" dt="2025-03-02T21:05:06.135"/>
   </p1510:revLst>
 </p1510:revInfo>
 </file>
 
 <file path=ppt/changesInfos/changesInfo1.xml><?xml version="1.0" encoding="utf-8"?>
 <pc:chgInfo xmlns:a="http://schemas.openxmlformats.org/drawingml/2006/main" xmlns:r="http://schemas.openxmlformats.org/officeDocument/2006/relationships" xmlns:ac="http://schemas.microsoft.com/office/drawing/2013/main/command" xmlns:pc="http://schemas.microsoft.com/office/powerpoint/2013/main/command">
+  <pc:docChgLst>
+    <pc:chgData name="Ankita L Savaliya" userId="S::als8453@my.utexas.edu::45302890-fb20-4ef9-a20b-62d8ea27512f" providerId="AD" clId="Web-{5FEE7D92-E37A-CB70-568F-D4CA456A5E29}"/>
+    <pc:docChg chg="addSld modSld sldOrd">
+      <pc:chgData name="Ankita L Savaliya" userId="S::als8453@my.utexas.edu::45302890-fb20-4ef9-a20b-62d8ea27512f" providerId="AD" clId="Web-{5FEE7D92-E37A-CB70-568F-D4CA456A5E29}" dt="2025-03-02T21:00:08.071" v="636" actId="1076"/>
+      <pc:docMkLst>
+        <pc:docMk/>
+      </pc:docMkLst>
+      <pc:sldChg chg="modSp">
+        <pc:chgData name="Ankita L Savaliya" userId="S::als8453@my.utexas.edu::45302890-fb20-4ef9-a20b-62d8ea27512f" providerId="AD" clId="Web-{5FEE7D92-E37A-CB70-568F-D4CA456A5E29}" dt="2025-03-02T20:41:15.587" v="612" actId="1076"/>
+        <pc:sldMkLst>
+          <pc:docMk/>
+          <pc:sldMk cId="59720940" sldId="259"/>
+        </pc:sldMkLst>
+        <pc:spChg chg="mod">
+          <ac:chgData name="Ankita L Savaliya" userId="S::als8453@my.utexas.edu::45302890-fb20-4ef9-a20b-62d8ea27512f" providerId="AD" clId="Web-{5FEE7D92-E37A-CB70-568F-D4CA456A5E29}" dt="2025-03-02T20:23:39.832" v="321" actId="20577"/>
+          <ac:spMkLst>
+            <pc:docMk/>
+            <pc:sldMk cId="59720940" sldId="259"/>
+            <ac:spMk id="7" creationId="{6ECBC57D-86C0-AE9A-E7EB-0FBDFAEFF208}"/>
+          </ac:spMkLst>
+        </pc:spChg>
+        <pc:picChg chg="mod">
+          <ac:chgData name="Ankita L Savaliya" userId="S::als8453@my.utexas.edu::45302890-fb20-4ef9-a20b-62d8ea27512f" providerId="AD" clId="Web-{5FEE7D92-E37A-CB70-568F-D4CA456A5E29}" dt="2025-03-02T20:41:15.587" v="611" actId="1076"/>
+          <ac:picMkLst>
+            <pc:docMk/>
+            <pc:sldMk cId="59720940" sldId="259"/>
+            <ac:picMk id="5" creationId="{1F500007-C5C3-9B56-91F2-0DD18EE0F477}"/>
+          </ac:picMkLst>
+        </pc:picChg>
+        <pc:picChg chg="mod">
+          <ac:chgData name="Ankita L Savaliya" userId="S::als8453@my.utexas.edu::45302890-fb20-4ef9-a20b-62d8ea27512f" providerId="AD" clId="Web-{5FEE7D92-E37A-CB70-568F-D4CA456A5E29}" dt="2025-03-02T20:41:15.587" v="612" actId="1076"/>
+          <ac:picMkLst>
+            <pc:docMk/>
+            <pc:sldMk cId="59720940" sldId="259"/>
+            <ac:picMk id="6" creationId="{B919FF20-B260-6941-E73E-EE327D3CD4EA}"/>
+          </ac:picMkLst>
+        </pc:picChg>
+      </pc:sldChg>
+      <pc:sldChg chg="addSp delSp modSp">
+        <pc:chgData name="Ankita L Savaliya" userId="S::als8453@my.utexas.edu::45302890-fb20-4ef9-a20b-62d8ea27512f" providerId="AD" clId="Web-{5FEE7D92-E37A-CB70-568F-D4CA456A5E29}" dt="2025-03-02T20:29:11.354" v="469" actId="20577"/>
+        <pc:sldMkLst>
+          <pc:docMk/>
+          <pc:sldMk cId="3804497381" sldId="260"/>
+        </pc:sldMkLst>
+        <pc:spChg chg="add mod">
+          <ac:chgData name="Ankita L Savaliya" userId="S::als8453@my.utexas.edu::45302890-fb20-4ef9-a20b-62d8ea27512f" providerId="AD" clId="Web-{5FEE7D92-E37A-CB70-568F-D4CA456A5E29}" dt="2025-03-02T20:29:11.354" v="469" actId="20577"/>
+          <ac:spMkLst>
+            <pc:docMk/>
+            <pc:sldMk cId="3804497381" sldId="260"/>
+            <ac:spMk id="7" creationId="{51259C90-DD50-CA7C-7DBE-207B601B1E4C}"/>
+          </ac:spMkLst>
+        </pc:spChg>
+        <pc:picChg chg="add del mod">
+          <ac:chgData name="Ankita L Savaliya" userId="S::als8453@my.utexas.edu::45302890-fb20-4ef9-a20b-62d8ea27512f" providerId="AD" clId="Web-{5FEE7D92-E37A-CB70-568F-D4CA456A5E29}" dt="2025-03-02T19:41:34.703" v="4"/>
+          <ac:picMkLst>
+            <pc:docMk/>
+            <pc:sldMk cId="3804497381" sldId="260"/>
+            <ac:picMk id="4" creationId="{9EA3E42C-ECD3-C36C-6043-2A91CCB8A42B}"/>
+          </ac:picMkLst>
+        </pc:picChg>
+        <pc:picChg chg="add mod">
+          <ac:chgData name="Ankita L Savaliya" userId="S::als8453@my.utexas.edu::45302890-fb20-4ef9-a20b-62d8ea27512f" providerId="AD" clId="Web-{5FEE7D92-E37A-CB70-568F-D4CA456A5E29}" dt="2025-03-02T19:47:47.788" v="33" actId="1076"/>
+          <ac:picMkLst>
+            <pc:docMk/>
+            <pc:sldMk cId="3804497381" sldId="260"/>
+            <ac:picMk id="6" creationId="{33FC4ED7-F8DA-29C6-B5C4-8007D96C582C}"/>
+          </ac:picMkLst>
+        </pc:picChg>
+        <pc:picChg chg="del">
+          <ac:chgData name="Ankita L Savaliya" userId="S::als8453@my.utexas.edu::45302890-fb20-4ef9-a20b-62d8ea27512f" providerId="AD" clId="Web-{5FEE7D92-E37A-CB70-568F-D4CA456A5E29}" dt="2025-03-02T19:40:30.842" v="0"/>
+          <ac:picMkLst>
+            <pc:docMk/>
+            <pc:sldMk cId="3804497381" sldId="260"/>
+            <ac:picMk id="9" creationId="{4FA317E0-71AD-B49E-E098-9B753BEF5EAD}"/>
+          </ac:picMkLst>
+        </pc:picChg>
+      </pc:sldChg>
+      <pc:sldChg chg="addSp delSp modSp mod setBg">
+        <pc:chgData name="Ankita L Savaliya" userId="S::als8453@my.utexas.edu::45302890-fb20-4ef9-a20b-62d8ea27512f" providerId="AD" clId="Web-{5FEE7D92-E37A-CB70-568F-D4CA456A5E29}" dt="2025-03-02T21:00:08.071" v="636" actId="1076"/>
+        <pc:sldMkLst>
+          <pc:docMk/>
+          <pc:sldMk cId="2096031382" sldId="262"/>
+        </pc:sldMkLst>
+        <pc:spChg chg="add del">
+          <ac:chgData name="Ankita L Savaliya" userId="S::als8453@my.utexas.edu::45302890-fb20-4ef9-a20b-62d8ea27512f" providerId="AD" clId="Web-{5FEE7D92-E37A-CB70-568F-D4CA456A5E29}" dt="2025-03-02T19:46:49.287" v="29"/>
+          <ac:spMkLst>
+            <pc:docMk/>
+            <pc:sldMk cId="2096031382" sldId="262"/>
+            <ac:spMk id="7" creationId="{AB8C311F-7253-4AED-9701-7FC0708C41C7}"/>
+          </ac:spMkLst>
+        </pc:spChg>
+        <pc:spChg chg="add del">
+          <ac:chgData name="Ankita L Savaliya" userId="S::als8453@my.utexas.edu::45302890-fb20-4ef9-a20b-62d8ea27512f" providerId="AD" clId="Web-{5FEE7D92-E37A-CB70-568F-D4CA456A5E29}" dt="2025-03-02T19:46:49.287" v="29"/>
+          <ac:spMkLst>
+            <pc:docMk/>
+            <pc:sldMk cId="2096031382" sldId="262"/>
+            <ac:spMk id="8" creationId="{E2384209-CB15-4CDF-9D31-C44FD9A3F20D}"/>
+          </ac:spMkLst>
+        </pc:spChg>
+        <pc:spChg chg="add del">
+          <ac:chgData name="Ankita L Savaliya" userId="S::als8453@my.utexas.edu::45302890-fb20-4ef9-a20b-62d8ea27512f" providerId="AD" clId="Web-{5FEE7D92-E37A-CB70-568F-D4CA456A5E29}" dt="2025-03-02T19:46:49.287" v="29"/>
+          <ac:spMkLst>
+            <pc:docMk/>
+            <pc:sldMk cId="2096031382" sldId="262"/>
+            <ac:spMk id="9" creationId="{2633B3B5-CC90-43F0-8714-D31D1F3F0209}"/>
+          </ac:spMkLst>
+        </pc:spChg>
+        <pc:spChg chg="add del">
+          <ac:chgData name="Ankita L Savaliya" userId="S::als8453@my.utexas.edu::45302890-fb20-4ef9-a20b-62d8ea27512f" providerId="AD" clId="Web-{5FEE7D92-E37A-CB70-568F-D4CA456A5E29}" dt="2025-03-02T19:46:38.896" v="21"/>
+          <ac:spMkLst>
+            <pc:docMk/>
+            <pc:sldMk cId="2096031382" sldId="262"/>
+            <ac:spMk id="10" creationId="{42A4FC2C-047E-45A5-965D-8E1E3BF09BC6}"/>
+          </ac:spMkLst>
+        </pc:spChg>
+        <pc:spChg chg="add del">
+          <ac:chgData name="Ankita L Savaliya" userId="S::als8453@my.utexas.edu::45302890-fb20-4ef9-a20b-62d8ea27512f" providerId="AD" clId="Web-{5FEE7D92-E37A-CB70-568F-D4CA456A5E29}" dt="2025-03-02T19:46:49.287" v="29"/>
+          <ac:spMkLst>
+            <pc:docMk/>
+            <pc:sldMk cId="2096031382" sldId="262"/>
+            <ac:spMk id="11" creationId="{A8D57A06-A426-446D-B02C-A2DC6B62E45E}"/>
+          </ac:spMkLst>
+        </pc:spChg>
+        <pc:spChg chg="add del">
+          <ac:chgData name="Ankita L Savaliya" userId="S::als8453@my.utexas.edu::45302890-fb20-4ef9-a20b-62d8ea27512f" providerId="AD" clId="Web-{5FEE7D92-E37A-CB70-568F-D4CA456A5E29}" dt="2025-03-02T19:46:39.568" v="23"/>
+          <ac:spMkLst>
+            <pc:docMk/>
+            <pc:sldMk cId="2096031382" sldId="262"/>
+            <ac:spMk id="12" creationId="{83C98ABE-055B-441F-B07E-44F97F083C39}"/>
+          </ac:spMkLst>
+        </pc:spChg>
+        <pc:spChg chg="add del">
+          <ac:chgData name="Ankita L Savaliya" userId="S::als8453@my.utexas.edu::45302890-fb20-4ef9-a20b-62d8ea27512f" providerId="AD" clId="Web-{5FEE7D92-E37A-CB70-568F-D4CA456A5E29}" dt="2025-03-02T19:46:39.568" v="23"/>
+          <ac:spMkLst>
+            <pc:docMk/>
+            <pc:sldMk cId="2096031382" sldId="262"/>
+            <ac:spMk id="13" creationId="{F3060C83-F051-4F0E-ABAD-AA0DFC48B218}"/>
+          </ac:spMkLst>
+        </pc:spChg>
+        <pc:spChg chg="add del">
+          <ac:chgData name="Ankita L Savaliya" userId="S::als8453@my.utexas.edu::45302890-fb20-4ef9-a20b-62d8ea27512f" providerId="AD" clId="Web-{5FEE7D92-E37A-CB70-568F-D4CA456A5E29}" dt="2025-03-02T19:46:39.568" v="23"/>
+          <ac:spMkLst>
+            <pc:docMk/>
+            <pc:sldMk cId="2096031382" sldId="262"/>
+            <ac:spMk id="14" creationId="{29FDB030-9B49-4CED-8CCD-4D99382388AC}"/>
+          </ac:spMkLst>
+        </pc:spChg>
+        <pc:spChg chg="add mod">
+          <ac:chgData name="Ankita L Savaliya" userId="S::als8453@my.utexas.edu::45302890-fb20-4ef9-a20b-62d8ea27512f" providerId="AD" clId="Web-{5FEE7D92-E37A-CB70-568F-D4CA456A5E29}" dt="2025-03-02T21:00:08.071" v="636" actId="1076"/>
+          <ac:spMkLst>
+            <pc:docMk/>
+            <pc:sldMk cId="2096031382" sldId="262"/>
+            <ac:spMk id="15" creationId="{ECAC93BE-19AE-6DB7-8EDF-B2CBC81F0BB6}"/>
+          </ac:spMkLst>
+        </pc:spChg>
+        <pc:spChg chg="add del">
+          <ac:chgData name="Ankita L Savaliya" userId="S::als8453@my.utexas.edu::45302890-fb20-4ef9-a20b-62d8ea27512f" providerId="AD" clId="Web-{5FEE7D92-E37A-CB70-568F-D4CA456A5E29}" dt="2025-03-02T19:46:39.568" v="23"/>
+          <ac:spMkLst>
+            <pc:docMk/>
+            <pc:sldMk cId="2096031382" sldId="262"/>
+            <ac:spMk id="16" creationId="{3783CA14-24A1-485C-8B30-D6A5D87987AD}"/>
+          </ac:spMkLst>
+        </pc:spChg>
+        <pc:spChg chg="add del">
+          <ac:chgData name="Ankita L Savaliya" userId="S::als8453@my.utexas.edu::45302890-fb20-4ef9-a20b-62d8ea27512f" providerId="AD" clId="Web-{5FEE7D92-E37A-CB70-568F-D4CA456A5E29}" dt="2025-03-02T19:46:39.568" v="23"/>
+          <ac:spMkLst>
+            <pc:docMk/>
+            <pc:sldMk cId="2096031382" sldId="262"/>
+            <ac:spMk id="18" creationId="{9A97C86A-04D6-40F7-AE84-31AB43E6A846}"/>
+          </ac:spMkLst>
+        </pc:spChg>
+        <pc:spChg chg="add del">
+          <ac:chgData name="Ankita L Savaliya" userId="S::als8453@my.utexas.edu::45302890-fb20-4ef9-a20b-62d8ea27512f" providerId="AD" clId="Web-{5FEE7D92-E37A-CB70-568F-D4CA456A5E29}" dt="2025-03-02T19:46:39.568" v="23"/>
+          <ac:spMkLst>
+            <pc:docMk/>
+            <pc:sldMk cId="2096031382" sldId="262"/>
+            <ac:spMk id="20" creationId="{FF9F2414-84E8-453E-B1F3-389FDE8192D9}"/>
+          </ac:spMkLst>
+        </pc:spChg>
+        <pc:spChg chg="add del">
+          <ac:chgData name="Ankita L Savaliya" userId="S::als8453@my.utexas.edu::45302890-fb20-4ef9-a20b-62d8ea27512f" providerId="AD" clId="Web-{5FEE7D92-E37A-CB70-568F-D4CA456A5E29}" dt="2025-03-02T19:46:39.568" v="23"/>
+          <ac:spMkLst>
+            <pc:docMk/>
+            <pc:sldMk cId="2096031382" sldId="262"/>
+            <ac:spMk id="22" creationId="{3ECA69A1-7536-43AC-85EF-C7106179F5ED}"/>
+          </ac:spMkLst>
+        </pc:spChg>
+        <pc:picChg chg="del">
+          <ac:chgData name="Ankita L Savaliya" userId="S::als8453@my.utexas.edu::45302890-fb20-4ef9-a20b-62d8ea27512f" providerId="AD" clId="Web-{5FEE7D92-E37A-CB70-568F-D4CA456A5E29}" dt="2025-03-02T19:43:41.955" v="8"/>
+          <ac:picMkLst>
+            <pc:docMk/>
+            <pc:sldMk cId="2096031382" sldId="262"/>
+            <ac:picMk id="2" creationId="{89571B8B-9DE9-CF30-E185-93819B405560}"/>
+          </ac:picMkLst>
+        </pc:picChg>
+        <pc:picChg chg="add del mod">
+          <ac:chgData name="Ankita L Savaliya" userId="S::als8453@my.utexas.edu::45302890-fb20-4ef9-a20b-62d8ea27512f" providerId="AD" clId="Web-{5FEE7D92-E37A-CB70-568F-D4CA456A5E29}" dt="2025-03-02T19:45:32.708" v="13"/>
+          <ac:picMkLst>
+            <pc:docMk/>
+            <pc:sldMk cId="2096031382" sldId="262"/>
+            <ac:picMk id="3" creationId="{DDC796AD-A4F3-C34B-129B-C23A73706F6D}"/>
+          </ac:picMkLst>
+        </pc:picChg>
+        <pc:picChg chg="add del mod">
+          <ac:chgData name="Ankita L Savaliya" userId="S::als8453@my.utexas.edu::45302890-fb20-4ef9-a20b-62d8ea27512f" providerId="AD" clId="Web-{5FEE7D92-E37A-CB70-568F-D4CA456A5E29}" dt="2025-03-02T19:46:30.177" v="18"/>
+          <ac:picMkLst>
+            <pc:docMk/>
+            <pc:sldMk cId="2096031382" sldId="262"/>
+            <ac:picMk id="4" creationId="{568A7CCE-3057-102B-2BE0-DFB3CD259E6B}"/>
+          </ac:picMkLst>
+        </pc:picChg>
+        <pc:picChg chg="add del mod">
+          <ac:chgData name="Ankita L Savaliya" userId="S::als8453@my.utexas.edu::45302890-fb20-4ef9-a20b-62d8ea27512f" providerId="AD" clId="Web-{5FEE7D92-E37A-CB70-568F-D4CA456A5E29}" dt="2025-03-02T19:46:50.069" v="30"/>
+          <ac:picMkLst>
+            <pc:docMk/>
+            <pc:sldMk cId="2096031382" sldId="262"/>
+            <ac:picMk id="5" creationId="{06527A62-E943-47DA-A0CF-0CFF53746A42}"/>
+          </ac:picMkLst>
+        </pc:picChg>
+        <pc:picChg chg="add mod">
+          <ac:chgData name="Ankita L Savaliya" userId="S::als8453@my.utexas.edu::45302890-fb20-4ef9-a20b-62d8ea27512f" providerId="AD" clId="Web-{5FEE7D92-E37A-CB70-568F-D4CA456A5E29}" dt="2025-03-02T19:46:52.209" v="31"/>
+          <ac:picMkLst>
+            <pc:docMk/>
+            <pc:sldMk cId="2096031382" sldId="262"/>
+            <ac:picMk id="6" creationId="{F03D4E13-644A-E62D-F81B-E01FCA09A91D}"/>
+          </ac:picMkLst>
+        </pc:picChg>
+      </pc:sldChg>
+      <pc:sldChg chg="addSp delSp modSp">
+        <pc:chgData name="Ankita L Savaliya" userId="S::als8453@my.utexas.edu::45302890-fb20-4ef9-a20b-62d8ea27512f" providerId="AD" clId="Web-{5FEE7D92-E37A-CB70-568F-D4CA456A5E29}" dt="2025-03-02T19:49:56.666" v="57" actId="1076"/>
+        <pc:sldMkLst>
+          <pc:docMk/>
+          <pc:sldMk cId="894723951" sldId="263"/>
+        </pc:sldMkLst>
+        <pc:picChg chg="del">
+          <ac:chgData name="Ankita L Savaliya" userId="S::als8453@my.utexas.edu::45302890-fb20-4ef9-a20b-62d8ea27512f" providerId="AD" clId="Web-{5FEE7D92-E37A-CB70-568F-D4CA456A5E29}" dt="2025-03-02T19:49:30.353" v="51"/>
+          <ac:picMkLst>
+            <pc:docMk/>
+            <pc:sldMk cId="894723951" sldId="263"/>
+            <ac:picMk id="3" creationId="{00176746-2248-7BEE-8695-2881AEF15642}"/>
+          </ac:picMkLst>
+        </pc:picChg>
+        <pc:picChg chg="add mod">
+          <ac:chgData name="Ankita L Savaliya" userId="S::als8453@my.utexas.edu::45302890-fb20-4ef9-a20b-62d8ea27512f" providerId="AD" clId="Web-{5FEE7D92-E37A-CB70-568F-D4CA456A5E29}" dt="2025-03-02T19:49:56.666" v="57" actId="1076"/>
+          <ac:picMkLst>
+            <pc:docMk/>
+            <pc:sldMk cId="894723951" sldId="263"/>
+            <ac:picMk id="6" creationId="{CC98ADBD-69CD-3850-EE51-3F286F571117}"/>
+          </ac:picMkLst>
+        </pc:picChg>
+      </pc:sldChg>
+      <pc:sldChg chg="addSp delSp modSp">
+        <pc:chgData name="Ankita L Savaliya" userId="S::als8453@my.utexas.edu::45302890-fb20-4ef9-a20b-62d8ea27512f" providerId="AD" clId="Web-{5FEE7D92-E37A-CB70-568F-D4CA456A5E29}" dt="2025-03-02T20:35:48.612" v="525" actId="20577"/>
+        <pc:sldMkLst>
+          <pc:docMk/>
+          <pc:sldMk cId="93960123" sldId="266"/>
+        </pc:sldMkLst>
+        <pc:spChg chg="mod">
+          <ac:chgData name="Ankita L Savaliya" userId="S::als8453@my.utexas.edu::45302890-fb20-4ef9-a20b-62d8ea27512f" providerId="AD" clId="Web-{5FEE7D92-E37A-CB70-568F-D4CA456A5E29}" dt="2025-03-02T20:35:48.612" v="525" actId="20577"/>
+          <ac:spMkLst>
+            <pc:docMk/>
+            <pc:sldMk cId="93960123" sldId="266"/>
+            <ac:spMk id="5" creationId="{6083922A-5BA3-8CDD-67E8-B56603E60602}"/>
+          </ac:spMkLst>
+        </pc:spChg>
+        <pc:picChg chg="add mod">
+          <ac:chgData name="Ankita L Savaliya" userId="S::als8453@my.utexas.edu::45302890-fb20-4ef9-a20b-62d8ea27512f" providerId="AD" clId="Web-{5FEE7D92-E37A-CB70-568F-D4CA456A5E29}" dt="2025-03-02T19:59:53.490" v="133" actId="1076"/>
+          <ac:picMkLst>
+            <pc:docMk/>
+            <pc:sldMk cId="93960123" sldId="266"/>
+            <ac:picMk id="2" creationId="{557FD450-B763-D6DC-0387-C6C0E467D74E}"/>
+          </ac:picMkLst>
+        </pc:picChg>
+        <pc:picChg chg="del">
+          <ac:chgData name="Ankita L Savaliya" userId="S::als8453@my.utexas.edu::45302890-fb20-4ef9-a20b-62d8ea27512f" providerId="AD" clId="Web-{5FEE7D92-E37A-CB70-568F-D4CA456A5E29}" dt="2025-03-02T19:59:32.427" v="128"/>
+          <ac:picMkLst>
+            <pc:docMk/>
+            <pc:sldMk cId="93960123" sldId="266"/>
+            <ac:picMk id="3" creationId="{0472BD60-BAD6-553C-620D-CAB0AF6C6172}"/>
+          </ac:picMkLst>
+        </pc:picChg>
+      </pc:sldChg>
+      <pc:sldChg chg="addSp delSp modSp">
+        <pc:chgData name="Ankita L Savaliya" userId="S::als8453@my.utexas.edu::45302890-fb20-4ef9-a20b-62d8ea27512f" providerId="AD" clId="Web-{5FEE7D92-E37A-CB70-568F-D4CA456A5E29}" dt="2025-03-02T19:57:30.472" v="123" actId="14100"/>
+        <pc:sldMkLst>
+          <pc:docMk/>
+          <pc:sldMk cId="2364196448" sldId="267"/>
+        </pc:sldMkLst>
+        <pc:picChg chg="add mod">
+          <ac:chgData name="Ankita L Savaliya" userId="S::als8453@my.utexas.edu::45302890-fb20-4ef9-a20b-62d8ea27512f" providerId="AD" clId="Web-{5FEE7D92-E37A-CB70-568F-D4CA456A5E29}" dt="2025-03-02T19:54:42.046" v="102" actId="1076"/>
+          <ac:picMkLst>
+            <pc:docMk/>
+            <pc:sldMk cId="2364196448" sldId="267"/>
+            <ac:picMk id="3" creationId="{05639348-ACCE-FFF3-C429-FA7D038EC49D}"/>
+          </ac:picMkLst>
+        </pc:picChg>
+        <pc:picChg chg="add del mod">
+          <ac:chgData name="Ankita L Savaliya" userId="S::als8453@my.utexas.edu::45302890-fb20-4ef9-a20b-62d8ea27512f" providerId="AD" clId="Web-{5FEE7D92-E37A-CB70-568F-D4CA456A5E29}" dt="2025-03-02T19:55:18.578" v="106"/>
+          <ac:picMkLst>
+            <pc:docMk/>
+            <pc:sldMk cId="2364196448" sldId="267"/>
+            <ac:picMk id="5" creationId="{7FB4E716-A8FD-86E1-75EB-4BC30B69F599}"/>
+          </ac:picMkLst>
+        </pc:picChg>
+        <pc:picChg chg="add del mod">
+          <ac:chgData name="Ankita L Savaliya" userId="S::als8453@my.utexas.edu::45302890-fb20-4ef9-a20b-62d8ea27512f" providerId="AD" clId="Web-{5FEE7D92-E37A-CB70-568F-D4CA456A5E29}" dt="2025-03-02T19:56:10.361" v="111"/>
+          <ac:picMkLst>
+            <pc:docMk/>
+            <pc:sldMk cId="2364196448" sldId="267"/>
+            <ac:picMk id="6" creationId="{81704F8F-6B75-AE26-42A6-CCFCF6B73C5C}"/>
+          </ac:picMkLst>
+        </pc:picChg>
+        <pc:picChg chg="add del mod">
+          <ac:chgData name="Ankita L Savaliya" userId="S::als8453@my.utexas.edu::45302890-fb20-4ef9-a20b-62d8ea27512f" providerId="AD" clId="Web-{5FEE7D92-E37A-CB70-568F-D4CA456A5E29}" dt="2025-03-02T19:56:25.002" v="113"/>
+          <ac:picMkLst>
+            <pc:docMk/>
+            <pc:sldMk cId="2364196448" sldId="267"/>
+            <ac:picMk id="7" creationId="{B8E17415-59A2-0239-9774-2348C1C18A82}"/>
+          </ac:picMkLst>
+        </pc:picChg>
+        <pc:picChg chg="del">
+          <ac:chgData name="Ankita L Savaliya" userId="S::als8453@my.utexas.edu::45302890-fb20-4ef9-a20b-62d8ea27512f" providerId="AD" clId="Web-{5FEE7D92-E37A-CB70-568F-D4CA456A5E29}" dt="2025-03-02T19:54:26.421" v="99"/>
+          <ac:picMkLst>
+            <pc:docMk/>
+            <pc:sldMk cId="2364196448" sldId="267"/>
+            <ac:picMk id="8" creationId="{C79FC16A-5F33-052F-319C-5191A403109F}"/>
+          </ac:picMkLst>
+        </pc:picChg>
+        <pc:picChg chg="del">
+          <ac:chgData name="Ankita L Savaliya" userId="S::als8453@my.utexas.edu::45302890-fb20-4ef9-a20b-62d8ea27512f" providerId="AD" clId="Web-{5FEE7D92-E37A-CB70-568F-D4CA456A5E29}" dt="2025-03-02T19:55:10.703" v="103"/>
+          <ac:picMkLst>
+            <pc:docMk/>
+            <pc:sldMk cId="2364196448" sldId="267"/>
+            <ac:picMk id="9" creationId="{D9ED7883-B8F2-8752-F446-BABE7BEC4352}"/>
+          </ac:picMkLst>
+        </pc:picChg>
+        <pc:picChg chg="add mod">
+          <ac:chgData name="Ankita L Savaliya" userId="S::als8453@my.utexas.edu::45302890-fb20-4ef9-a20b-62d8ea27512f" providerId="AD" clId="Web-{5FEE7D92-E37A-CB70-568F-D4CA456A5E29}" dt="2025-03-02T19:57:30.472" v="123" actId="14100"/>
+          <ac:picMkLst>
+            <pc:docMk/>
+            <pc:sldMk cId="2364196448" sldId="267"/>
+            <ac:picMk id="10" creationId="{5F4B0799-5876-323F-1506-B1C6EC07AA12}"/>
+          </ac:picMkLst>
+        </pc:picChg>
+      </pc:sldChg>
+      <pc:sldChg chg="addSp delSp modSp ord">
+        <pc:chgData name="Ankita L Savaliya" userId="S::als8453@my.utexas.edu::45302890-fb20-4ef9-a20b-62d8ea27512f" providerId="AD" clId="Web-{5FEE7D92-E37A-CB70-568F-D4CA456A5E29}" dt="2025-03-02T20:54:13.560" v="632" actId="1076"/>
+        <pc:sldMkLst>
+          <pc:docMk/>
+          <pc:sldMk cId="545229355" sldId="268"/>
+        </pc:sldMkLst>
+        <pc:spChg chg="mod">
+          <ac:chgData name="Ankita L Savaliya" userId="S::als8453@my.utexas.edu::45302890-fb20-4ef9-a20b-62d8ea27512f" providerId="AD" clId="Web-{5FEE7D92-E37A-CB70-568F-D4CA456A5E29}" dt="2025-03-02T20:40:01.835" v="585" actId="20577"/>
+          <ac:spMkLst>
+            <pc:docMk/>
+            <pc:sldMk cId="545229355" sldId="268"/>
+            <ac:spMk id="7" creationId="{5A9EF556-D477-5E15-BF60-9A68238E173D}"/>
+          </ac:spMkLst>
+        </pc:spChg>
+        <pc:spChg chg="mod">
+          <ac:chgData name="Ankita L Savaliya" userId="S::als8453@my.utexas.edu::45302890-fb20-4ef9-a20b-62d8ea27512f" providerId="AD" clId="Web-{5FEE7D92-E37A-CB70-568F-D4CA456A5E29}" dt="2025-03-02T20:54:13.560" v="632" actId="1076"/>
+          <ac:spMkLst>
+            <pc:docMk/>
+            <pc:sldMk cId="545229355" sldId="268"/>
+            <ac:spMk id="8" creationId="{A8A4F6F9-7363-1DCA-93D8-DFF5A81B0A0D}"/>
+          </ac:spMkLst>
+        </pc:spChg>
+        <pc:picChg chg="add mod">
+          <ac:chgData name="Ankita L Savaliya" userId="S::als8453@my.utexas.edu::45302890-fb20-4ef9-a20b-62d8ea27512f" providerId="AD" clId="Web-{5FEE7D92-E37A-CB70-568F-D4CA456A5E29}" dt="2025-03-02T20:12:11.473" v="224" actId="14100"/>
+          <ac:picMkLst>
+            <pc:docMk/>
+            <pc:sldMk cId="545229355" sldId="268"/>
+            <ac:picMk id="2" creationId="{F3A9AF89-4DB1-7E9E-21A1-D04976810492}"/>
+          </ac:picMkLst>
+        </pc:picChg>
+        <pc:picChg chg="add mod">
+          <ac:chgData name="Ankita L Savaliya" userId="S::als8453@my.utexas.edu::45302890-fb20-4ef9-a20b-62d8ea27512f" providerId="AD" clId="Web-{5FEE7D92-E37A-CB70-568F-D4CA456A5E29}" dt="2025-03-02T20:12:17.333" v="225" actId="14100"/>
+          <ac:picMkLst>
+            <pc:docMk/>
+            <pc:sldMk cId="545229355" sldId="268"/>
+            <ac:picMk id="3" creationId="{AD3A7F33-7869-4634-9491-0459A1F742C4}"/>
+          </ac:picMkLst>
+        </pc:picChg>
+        <pc:picChg chg="del">
+          <ac:chgData name="Ankita L Savaliya" userId="S::als8453@my.utexas.edu::45302890-fb20-4ef9-a20b-62d8ea27512f" providerId="AD" clId="Web-{5FEE7D92-E37A-CB70-568F-D4CA456A5E29}" dt="2025-03-02T20:11:39.160" v="217"/>
+          <ac:picMkLst>
+            <pc:docMk/>
+            <pc:sldMk cId="545229355" sldId="268"/>
+            <ac:picMk id="4" creationId="{6915D7B8-94D5-E430-270F-5C0C0810A7C3}"/>
+          </ac:picMkLst>
+        </pc:picChg>
+        <pc:picChg chg="del">
+          <ac:chgData name="Ankita L Savaliya" userId="S::als8453@my.utexas.edu::45302890-fb20-4ef9-a20b-62d8ea27512f" providerId="AD" clId="Web-{5FEE7D92-E37A-CB70-568F-D4CA456A5E29}" dt="2025-03-02T20:11:03.081" v="211"/>
+          <ac:picMkLst>
+            <pc:docMk/>
+            <pc:sldMk cId="545229355" sldId="268"/>
+            <ac:picMk id="5" creationId="{DEC870B2-D6AD-5FA1-C568-D74FA75A367F}"/>
+          </ac:picMkLst>
+        </pc:picChg>
+      </pc:sldChg>
+      <pc:sldChg chg="addSp delSp modSp">
+        <pc:chgData name="Ankita L Savaliya" userId="S::als8453@my.utexas.edu::45302890-fb20-4ef9-a20b-62d8ea27512f" providerId="AD" clId="Web-{5FEE7D92-E37A-CB70-568F-D4CA456A5E29}" dt="2025-03-02T19:58:17.707" v="127" actId="1076"/>
+        <pc:sldMkLst>
+          <pc:docMk/>
+          <pc:sldMk cId="2859482394" sldId="305"/>
+        </pc:sldMkLst>
+        <pc:picChg chg="add mod">
+          <ac:chgData name="Ankita L Savaliya" userId="S::als8453@my.utexas.edu::45302890-fb20-4ef9-a20b-62d8ea27512f" providerId="AD" clId="Web-{5FEE7D92-E37A-CB70-568F-D4CA456A5E29}" dt="2025-03-02T19:58:17.707" v="127" actId="1076"/>
+          <ac:picMkLst>
+            <pc:docMk/>
+            <pc:sldMk cId="2859482394" sldId="305"/>
+            <ac:picMk id="2" creationId="{4F22E7D8-BAAF-FC11-DE43-108652983B2C}"/>
+          </ac:picMkLst>
+        </pc:picChg>
+        <pc:picChg chg="del">
+          <ac:chgData name="Ankita L Savaliya" userId="S::als8453@my.utexas.edu::45302890-fb20-4ef9-a20b-62d8ea27512f" providerId="AD" clId="Web-{5FEE7D92-E37A-CB70-568F-D4CA456A5E29}" dt="2025-03-02T19:58:07.238" v="124"/>
+          <ac:picMkLst>
+            <pc:docMk/>
+            <pc:sldMk cId="2859482394" sldId="305"/>
+            <ac:picMk id="3" creationId="{41E89925-9317-DA98-0F33-4D275892A2D5}"/>
+          </ac:picMkLst>
+        </pc:picChg>
+      </pc:sldChg>
+      <pc:sldChg chg="addSp delSp modSp">
+        <pc:chgData name="Ankita L Savaliya" userId="S::als8453@my.utexas.edu::45302890-fb20-4ef9-a20b-62d8ea27512f" providerId="AD" clId="Web-{5FEE7D92-E37A-CB70-568F-D4CA456A5E29}" dt="2025-03-02T20:36:49.675" v="531" actId="20577"/>
+        <pc:sldMkLst>
+          <pc:docMk/>
+          <pc:sldMk cId="23521278" sldId="306"/>
+        </pc:sldMkLst>
+        <pc:spChg chg="mod">
+          <ac:chgData name="Ankita L Savaliya" userId="S::als8453@my.utexas.edu::45302890-fb20-4ef9-a20b-62d8ea27512f" providerId="AD" clId="Web-{5FEE7D92-E37A-CB70-568F-D4CA456A5E29}" dt="2025-03-02T20:36:49.675" v="531" actId="20577"/>
+          <ac:spMkLst>
+            <pc:docMk/>
+            <pc:sldMk cId="23521278" sldId="306"/>
+            <ac:spMk id="6" creationId="{1D1B0057-99AF-584C-7354-19FFBC4FA493}"/>
+          </ac:spMkLst>
+        </pc:spChg>
+        <pc:picChg chg="add mod">
+          <ac:chgData name="Ankita L Savaliya" userId="S::als8453@my.utexas.edu::45302890-fb20-4ef9-a20b-62d8ea27512f" providerId="AD" clId="Web-{5FEE7D92-E37A-CB70-568F-D4CA456A5E29}" dt="2025-03-02T20:00:44.085" v="139" actId="1076"/>
+          <ac:picMkLst>
+            <pc:docMk/>
+            <pc:sldMk cId="23521278" sldId="306"/>
+            <ac:picMk id="2" creationId="{B88B2AD4-2CAA-9C28-0B3D-8B0D87248E98}"/>
+          </ac:picMkLst>
+        </pc:picChg>
+        <pc:picChg chg="del">
+          <ac:chgData name="Ankita L Savaliya" userId="S::als8453@my.utexas.edu::45302890-fb20-4ef9-a20b-62d8ea27512f" providerId="AD" clId="Web-{5FEE7D92-E37A-CB70-568F-D4CA456A5E29}" dt="2025-03-02T20:00:05.881" v="134"/>
+          <ac:picMkLst>
+            <pc:docMk/>
+            <pc:sldMk cId="23521278" sldId="306"/>
+            <ac:picMk id="3" creationId="{22858B44-3DB2-EA01-0276-93672175D48D}"/>
+          </ac:picMkLst>
+        </pc:picChg>
+      </pc:sldChg>
+      <pc:sldChg chg="addSp delSp modSp">
+        <pc:chgData name="Ankita L Savaliya" userId="S::als8453@my.utexas.edu::45302890-fb20-4ef9-a20b-62d8ea27512f" providerId="AD" clId="Web-{5FEE7D92-E37A-CB70-568F-D4CA456A5E29}" dt="2025-03-02T20:04:43.449" v="163" actId="1076"/>
+        <pc:sldMkLst>
+          <pc:docMk/>
+          <pc:sldMk cId="4129924267" sldId="307"/>
+        </pc:sldMkLst>
+        <pc:picChg chg="del">
+          <ac:chgData name="Ankita L Savaliya" userId="S::als8453@my.utexas.edu::45302890-fb20-4ef9-a20b-62d8ea27512f" providerId="AD" clId="Web-{5FEE7D92-E37A-CB70-568F-D4CA456A5E29}" dt="2025-03-02T20:04:35.980" v="160"/>
+          <ac:picMkLst>
+            <pc:docMk/>
+            <pc:sldMk cId="4129924267" sldId="307"/>
+            <ac:picMk id="3" creationId="{ECF1F8FB-9819-4E24-C15C-A538D00E4AC8}"/>
+          </ac:picMkLst>
+        </pc:picChg>
+        <pc:picChg chg="add mod">
+          <ac:chgData name="Ankita L Savaliya" userId="S::als8453@my.utexas.edu::45302890-fb20-4ef9-a20b-62d8ea27512f" providerId="AD" clId="Web-{5FEE7D92-E37A-CB70-568F-D4CA456A5E29}" dt="2025-03-02T20:04:43.449" v="163" actId="1076"/>
+          <ac:picMkLst>
+            <pc:docMk/>
+            <pc:sldMk cId="4129924267" sldId="307"/>
+            <ac:picMk id="4" creationId="{9F585CF6-1148-EDB8-ED0D-A040C252374E}"/>
+          </ac:picMkLst>
+        </pc:picChg>
+      </pc:sldChg>
+      <pc:sldChg chg="addSp delSp modSp">
+        <pc:chgData name="Ankita L Savaliya" userId="S::als8453@my.utexas.edu::45302890-fb20-4ef9-a20b-62d8ea27512f" providerId="AD" clId="Web-{5FEE7D92-E37A-CB70-568F-D4CA456A5E29}" dt="2025-03-02T20:03:45.276" v="159" actId="1076"/>
+        <pc:sldMkLst>
+          <pc:docMk/>
+          <pc:sldMk cId="24445698" sldId="308"/>
+        </pc:sldMkLst>
+        <pc:spChg chg="mod">
+          <ac:chgData name="Ankita L Savaliya" userId="S::als8453@my.utexas.edu::45302890-fb20-4ef9-a20b-62d8ea27512f" providerId="AD" clId="Web-{5FEE7D92-E37A-CB70-568F-D4CA456A5E29}" dt="2025-03-02T20:03:45.276" v="159" actId="1076"/>
+          <ac:spMkLst>
+            <pc:docMk/>
+            <pc:sldMk cId="24445698" sldId="308"/>
+            <ac:spMk id="5" creationId="{BD5472EC-EA6F-8723-7560-21D003CF9F87}"/>
+          </ac:spMkLst>
+        </pc:spChg>
+        <pc:picChg chg="del">
+          <ac:chgData name="Ankita L Savaliya" userId="S::als8453@my.utexas.edu::45302890-fb20-4ef9-a20b-62d8ea27512f" providerId="AD" clId="Web-{5FEE7D92-E37A-CB70-568F-D4CA456A5E29}" dt="2025-03-02T20:02:43.728" v="150"/>
+          <ac:picMkLst>
+            <pc:docMk/>
+            <pc:sldMk cId="24445698" sldId="308"/>
+            <ac:picMk id="3" creationId="{1006915E-B698-E917-03D4-47C1DF869387}"/>
+          </ac:picMkLst>
+        </pc:picChg>
+        <pc:picChg chg="add mod">
+          <ac:chgData name="Ankita L Savaliya" userId="S::als8453@my.utexas.edu::45302890-fb20-4ef9-a20b-62d8ea27512f" providerId="AD" clId="Web-{5FEE7D92-E37A-CB70-568F-D4CA456A5E29}" dt="2025-03-02T20:03:41.416" v="158" actId="1076"/>
+          <ac:picMkLst>
+            <pc:docMk/>
+            <pc:sldMk cId="24445698" sldId="308"/>
+            <ac:picMk id="4" creationId="{A478C594-9116-91D4-95E6-0BB78B9C1F4B}"/>
+          </ac:picMkLst>
+        </pc:picChg>
+        <pc:picChg chg="del">
+          <ac:chgData name="Ankita L Savaliya" userId="S::als8453@my.utexas.edu::45302890-fb20-4ef9-a20b-62d8ea27512f" providerId="AD" clId="Web-{5FEE7D92-E37A-CB70-568F-D4CA456A5E29}" dt="2025-03-02T20:02:58.634" v="155"/>
+          <ac:picMkLst>
+            <pc:docMk/>
+            <pc:sldMk cId="24445698" sldId="308"/>
+            <ac:picMk id="6" creationId="{65DE6B6D-716F-B918-8ABD-8D4454E64207}"/>
+          </ac:picMkLst>
+        </pc:picChg>
+        <pc:picChg chg="add mod">
+          <ac:chgData name="Ankita L Savaliya" userId="S::als8453@my.utexas.edu::45302890-fb20-4ef9-a20b-62d8ea27512f" providerId="AD" clId="Web-{5FEE7D92-E37A-CB70-568F-D4CA456A5E29}" dt="2025-03-02T20:03:28.479" v="157" actId="1076"/>
+          <ac:picMkLst>
+            <pc:docMk/>
+            <pc:sldMk cId="24445698" sldId="308"/>
+            <ac:picMk id="7" creationId="{05640550-784B-744A-BB0C-BA0ED8DA9078}"/>
+          </ac:picMkLst>
+        </pc:picChg>
+      </pc:sldChg>
+      <pc:sldChg chg="addSp delSp modSp">
+        <pc:chgData name="Ankita L Savaliya" userId="S::als8453@my.utexas.edu::45302890-fb20-4ef9-a20b-62d8ea27512f" providerId="AD" clId="Web-{5FEE7D92-E37A-CB70-568F-D4CA456A5E29}" dt="2025-03-02T20:49:59.113" v="620" actId="20577"/>
+        <pc:sldMkLst>
+          <pc:docMk/>
+          <pc:sldMk cId="3448998823" sldId="309"/>
+        </pc:sldMkLst>
+        <pc:spChg chg="mod">
+          <ac:chgData name="Ankita L Savaliya" userId="S::als8453@my.utexas.edu::45302890-fb20-4ef9-a20b-62d8ea27512f" providerId="AD" clId="Web-{5FEE7D92-E37A-CB70-568F-D4CA456A5E29}" dt="2025-03-02T20:49:59.113" v="620" actId="20577"/>
+          <ac:spMkLst>
+            <pc:docMk/>
+            <pc:sldMk cId="3448998823" sldId="309"/>
+            <ac:spMk id="4" creationId="{E5D960CE-C49C-891D-2540-B3135263F9D9}"/>
+          </ac:spMkLst>
+        </pc:spChg>
+        <pc:spChg chg="mod">
+          <ac:chgData name="Ankita L Savaliya" userId="S::als8453@my.utexas.edu::45302890-fb20-4ef9-a20b-62d8ea27512f" providerId="AD" clId="Web-{5FEE7D92-E37A-CB70-568F-D4CA456A5E29}" dt="2025-03-02T20:39:42.335" v="573" actId="20577"/>
+          <ac:spMkLst>
+            <pc:docMk/>
+            <pc:sldMk cId="3448998823" sldId="309"/>
+            <ac:spMk id="6" creationId="{ACB7DEF3-36F2-B230-37BA-51622C3AA474}"/>
+          </ac:spMkLst>
+        </pc:spChg>
+        <pc:picChg chg="add mod">
+          <ac:chgData name="Ankita L Savaliya" userId="S::als8453@my.utexas.edu::45302890-fb20-4ef9-a20b-62d8ea27512f" providerId="AD" clId="Web-{5FEE7D92-E37A-CB70-568F-D4CA456A5E29}" dt="2025-03-02T20:05:38.684" v="168" actId="1076"/>
+          <ac:picMkLst>
+            <pc:docMk/>
+            <pc:sldMk cId="3448998823" sldId="309"/>
+            <ac:picMk id="2" creationId="{EBA64F53-F2C7-2C25-2068-F1C0F106720A}"/>
+          </ac:picMkLst>
+        </pc:picChg>
+        <pc:picChg chg="del">
+          <ac:chgData name="Ankita L Savaliya" userId="S::als8453@my.utexas.edu::45302890-fb20-4ef9-a20b-62d8ea27512f" providerId="AD" clId="Web-{5FEE7D92-E37A-CB70-568F-D4CA456A5E29}" dt="2025-03-02T20:04:51.980" v="164"/>
+          <ac:picMkLst>
+            <pc:docMk/>
+            <pc:sldMk cId="3448998823" sldId="309"/>
+            <ac:picMk id="3" creationId="{28B8AC47-3A3C-9B69-C20D-44435C1431AD}"/>
+          </ac:picMkLst>
+        </pc:picChg>
+      </pc:sldChg>
+      <pc:sldChg chg="addSp delSp modSp ord">
+        <pc:chgData name="Ankita L Savaliya" userId="S::als8453@my.utexas.edu::45302890-fb20-4ef9-a20b-62d8ea27512f" providerId="AD" clId="Web-{5FEE7D92-E37A-CB70-568F-D4CA456A5E29}" dt="2025-03-02T20:08:36.828" v="197" actId="14100"/>
+        <pc:sldMkLst>
+          <pc:docMk/>
+          <pc:sldMk cId="1163406790" sldId="310"/>
+        </pc:sldMkLst>
+        <pc:picChg chg="del">
+          <ac:chgData name="Ankita L Savaliya" userId="S::als8453@my.utexas.edu::45302890-fb20-4ef9-a20b-62d8ea27512f" providerId="AD" clId="Web-{5FEE7D92-E37A-CB70-568F-D4CA456A5E29}" dt="2025-03-02T20:08:17.219" v="192"/>
+          <ac:picMkLst>
+            <pc:docMk/>
+            <pc:sldMk cId="1163406790" sldId="310"/>
+            <ac:picMk id="3" creationId="{D23EE623-FF6D-98D8-3F69-157B2403DFF2}"/>
+          </ac:picMkLst>
+        </pc:picChg>
+        <pc:picChg chg="add mod">
+          <ac:chgData name="Ankita L Savaliya" userId="S::als8453@my.utexas.edu::45302890-fb20-4ef9-a20b-62d8ea27512f" providerId="AD" clId="Web-{5FEE7D92-E37A-CB70-568F-D4CA456A5E29}" dt="2025-03-02T20:08:36.828" v="197" actId="14100"/>
+          <ac:picMkLst>
+            <pc:docMk/>
+            <pc:sldMk cId="1163406790" sldId="310"/>
+            <ac:picMk id="4" creationId="{6CD83FFA-A9D3-D8AD-3DC4-B38298D689FA}"/>
+          </ac:picMkLst>
+        </pc:picChg>
+      </pc:sldChg>
+      <pc:sldChg chg="addSp delSp modSp">
+        <pc:chgData name="Ankita L Savaliya" userId="S::als8453@my.utexas.edu::45302890-fb20-4ef9-a20b-62d8ea27512f" providerId="AD" clId="Web-{5FEE7D92-E37A-CB70-568F-D4CA456A5E29}" dt="2025-03-02T20:57:52.252" v="635" actId="20577"/>
+        <pc:sldMkLst>
+          <pc:docMk/>
+          <pc:sldMk cId="4089274463" sldId="312"/>
+        </pc:sldMkLst>
+        <pc:spChg chg="mod">
+          <ac:chgData name="Ankita L Savaliya" userId="S::als8453@my.utexas.edu::45302890-fb20-4ef9-a20b-62d8ea27512f" providerId="AD" clId="Web-{5FEE7D92-E37A-CB70-568F-D4CA456A5E29}" dt="2025-03-02T20:40:36.867" v="610" actId="20577"/>
+          <ac:spMkLst>
+            <pc:docMk/>
+            <pc:sldMk cId="4089274463" sldId="312"/>
+            <ac:spMk id="5" creationId="{DCA8D939-737F-0B31-0F8F-1BAB13A91E83}"/>
+          </ac:spMkLst>
+        </pc:spChg>
+        <pc:spChg chg="mod">
+          <ac:chgData name="Ankita L Savaliya" userId="S::als8453@my.utexas.edu::45302890-fb20-4ef9-a20b-62d8ea27512f" providerId="AD" clId="Web-{5FEE7D92-E37A-CB70-568F-D4CA456A5E29}" dt="2025-03-02T20:57:52.252" v="635" actId="20577"/>
+          <ac:spMkLst>
+            <pc:docMk/>
+            <pc:sldMk cId="4089274463" sldId="312"/>
+            <ac:spMk id="6" creationId="{4C9C151D-039A-42C2-C56A-22A625617EA3}"/>
+          </ac:spMkLst>
+        </pc:spChg>
+        <pc:picChg chg="add mod">
+          <ac:chgData name="Ankita L Savaliya" userId="S::als8453@my.utexas.edu::45302890-fb20-4ef9-a20b-62d8ea27512f" providerId="AD" clId="Web-{5FEE7D92-E37A-CB70-568F-D4CA456A5E29}" dt="2025-03-02T20:14:44.242" v="245" actId="1076"/>
+          <ac:picMkLst>
+            <pc:docMk/>
+            <pc:sldMk cId="4089274463" sldId="312"/>
+            <ac:picMk id="2" creationId="{A539F0B4-409C-9318-02E1-E048B859F44A}"/>
+          </ac:picMkLst>
+        </pc:picChg>
+        <pc:picChg chg="del">
+          <ac:chgData name="Ankita L Savaliya" userId="S::als8453@my.utexas.edu::45302890-fb20-4ef9-a20b-62d8ea27512f" providerId="AD" clId="Web-{5FEE7D92-E37A-CB70-568F-D4CA456A5E29}" dt="2025-03-02T20:14:32.054" v="240"/>
+          <ac:picMkLst>
+            <pc:docMk/>
+            <pc:sldMk cId="4089274463" sldId="312"/>
+            <ac:picMk id="3" creationId="{4DE2A480-073F-868F-7B8B-87CC59EF8D4D}"/>
+          </ac:picMkLst>
+        </pc:picChg>
+      </pc:sldChg>
+      <pc:sldChg chg="addSp delSp modSp ord">
+        <pc:chgData name="Ankita L Savaliya" userId="S::als8453@my.utexas.edu::45302890-fb20-4ef9-a20b-62d8ea27512f" providerId="AD" clId="Web-{5FEE7D92-E37A-CB70-568F-D4CA456A5E29}" dt="2025-03-02T20:10:29.534" v="210" actId="1076"/>
+        <pc:sldMkLst>
+          <pc:docMk/>
+          <pc:sldMk cId="3419507497" sldId="314"/>
+        </pc:sldMkLst>
+        <pc:picChg chg="del">
+          <ac:chgData name="Ankita L Savaliya" userId="S::als8453@my.utexas.edu::45302890-fb20-4ef9-a20b-62d8ea27512f" providerId="AD" clId="Web-{5FEE7D92-E37A-CB70-568F-D4CA456A5E29}" dt="2025-03-02T20:09:38.142" v="203"/>
+          <ac:picMkLst>
+            <pc:docMk/>
+            <pc:sldMk cId="3419507497" sldId="314"/>
+            <ac:picMk id="2" creationId="{7F55D85F-9108-8225-4814-44BECD537ABE}"/>
+          </ac:picMkLst>
+        </pc:picChg>
+        <pc:picChg chg="add mod">
+          <ac:chgData name="Ankita L Savaliya" userId="S::als8453@my.utexas.edu::45302890-fb20-4ef9-a20b-62d8ea27512f" providerId="AD" clId="Web-{5FEE7D92-E37A-CB70-568F-D4CA456A5E29}" dt="2025-03-02T20:09:31.251" v="202" actId="1076"/>
+          <ac:picMkLst>
+            <pc:docMk/>
+            <pc:sldMk cId="3419507497" sldId="314"/>
+            <ac:picMk id="3" creationId="{F5085DC3-17B8-AD50-4F4C-D1C3D549F90E}"/>
+          </ac:picMkLst>
+        </pc:picChg>
+        <pc:picChg chg="del">
+          <ac:chgData name="Ankita L Savaliya" userId="S::als8453@my.utexas.edu::45302890-fb20-4ef9-a20b-62d8ea27512f" providerId="AD" clId="Web-{5FEE7D92-E37A-CB70-568F-D4CA456A5E29}" dt="2025-03-02T20:09:21.032" v="198"/>
+          <ac:picMkLst>
+            <pc:docMk/>
+            <pc:sldMk cId="3419507497" sldId="314"/>
+            <ac:picMk id="4" creationId="{56A155E0-0B4D-1044-092D-1B88C3FB4821}"/>
+          </ac:picMkLst>
+        </pc:picChg>
+        <pc:picChg chg="add mod">
+          <ac:chgData name="Ankita L Savaliya" userId="S::als8453@my.utexas.edu::45302890-fb20-4ef9-a20b-62d8ea27512f" providerId="AD" clId="Web-{5FEE7D92-E37A-CB70-568F-D4CA456A5E29}" dt="2025-03-02T20:10:29.534" v="210" actId="1076"/>
+          <ac:picMkLst>
+            <pc:docMk/>
+            <pc:sldMk cId="3419507497" sldId="314"/>
+            <ac:picMk id="5" creationId="{CB4A5358-14ED-527D-F661-2CD7C800E862}"/>
+          </ac:picMkLst>
+        </pc:picChg>
+      </pc:sldChg>
+      <pc:sldChg chg="ord">
+        <pc:chgData name="Ankita L Savaliya" userId="S::als8453@my.utexas.edu::45302890-fb20-4ef9-a20b-62d8ea27512f" providerId="AD" clId="Web-{5FEE7D92-E37A-CB70-568F-D4CA456A5E29}" dt="2025-03-02T20:07:42.062" v="191"/>
+        <pc:sldMkLst>
+          <pc:docMk/>
+          <pc:sldMk cId="3667471596" sldId="319"/>
+        </pc:sldMkLst>
+      </pc:sldChg>
+      <pc:sldChg chg="addSp delSp modSp new">
+        <pc:chgData name="Ankita L Savaliya" userId="S::als8453@my.utexas.edu::45302890-fb20-4ef9-a20b-62d8ea27512f" providerId="AD" clId="Web-{5FEE7D92-E37A-CB70-568F-D4CA456A5E29}" dt="2025-03-02T20:43:00.604" v="616" actId="1076"/>
+        <pc:sldMkLst>
+          <pc:docMk/>
+          <pc:sldMk cId="3468264543" sldId="320"/>
+        </pc:sldMkLst>
+        <pc:spChg chg="add mod">
+          <ac:chgData name="Ankita L Savaliya" userId="S::als8453@my.utexas.edu::45302890-fb20-4ef9-a20b-62d8ea27512f" providerId="AD" clId="Web-{5FEE7D92-E37A-CB70-568F-D4CA456A5E29}" dt="2025-03-02T20:32:27.905" v="482" actId="20577"/>
+          <ac:spMkLst>
+            <pc:docMk/>
+            <pc:sldMk cId="3468264543" sldId="320"/>
+            <ac:spMk id="4" creationId="{9FEDBA35-75C5-53D4-8AFF-DE092795945D}"/>
+          </ac:spMkLst>
+        </pc:spChg>
+        <pc:picChg chg="add del mod">
+          <ac:chgData name="Ankita L Savaliya" userId="S::als8453@my.utexas.edu::45302890-fb20-4ef9-a20b-62d8ea27512f" providerId="AD" clId="Web-{5FEE7D92-E37A-CB70-568F-D4CA456A5E29}" dt="2025-03-02T20:42:37.588" v="613"/>
+          <ac:picMkLst>
+            <pc:docMk/>
+            <pc:sldMk cId="3468264543" sldId="320"/>
+            <ac:picMk id="2" creationId="{08384206-CE53-DFD3-9B78-EDE828DE8997}"/>
+          </ac:picMkLst>
+        </pc:picChg>
+        <pc:picChg chg="add mod">
+          <ac:chgData name="Ankita L Savaliya" userId="S::als8453@my.utexas.edu::45302890-fb20-4ef9-a20b-62d8ea27512f" providerId="AD" clId="Web-{5FEE7D92-E37A-CB70-568F-D4CA456A5E29}" dt="2025-03-02T20:43:00.604" v="616" actId="1076"/>
+          <ac:picMkLst>
+            <pc:docMk/>
+            <pc:sldMk cId="3468264543" sldId="320"/>
+            <ac:picMk id="5" creationId="{AFFDD2AA-A99F-7E7B-3BCD-57D251E3884F}"/>
+          </ac:picMkLst>
+        </pc:picChg>
+      </pc:sldChg>
+      <pc:sldChg chg="addSp modSp new">
+        <pc:chgData name="Ankita L Savaliya" userId="S::als8453@my.utexas.edu::45302890-fb20-4ef9-a20b-62d8ea27512f" providerId="AD" clId="Web-{5FEE7D92-E37A-CB70-568F-D4CA456A5E29}" dt="2025-03-02T20:34:53.173" v="494" actId="20577"/>
+        <pc:sldMkLst>
+          <pc:docMk/>
+          <pc:sldMk cId="2873752884" sldId="321"/>
+        </pc:sldMkLst>
+        <pc:spChg chg="add mod">
+          <ac:chgData name="Ankita L Savaliya" userId="S::als8453@my.utexas.edu::45302890-fb20-4ef9-a20b-62d8ea27512f" providerId="AD" clId="Web-{5FEE7D92-E37A-CB70-568F-D4CA456A5E29}" dt="2025-03-02T20:34:53.173" v="494" actId="20577"/>
+          <ac:spMkLst>
+            <pc:docMk/>
+            <pc:sldMk cId="2873752884" sldId="321"/>
+            <ac:spMk id="4" creationId="{3DE2771E-4E39-9CE7-7C79-16FCDB573F44}"/>
+          </ac:spMkLst>
+        </pc:spChg>
+        <pc:picChg chg="add mod">
+          <ac:chgData name="Ankita L Savaliya" userId="S::als8453@my.utexas.edu::45302890-fb20-4ef9-a20b-62d8ea27512f" providerId="AD" clId="Web-{5FEE7D92-E37A-CB70-568F-D4CA456A5E29}" dt="2025-03-02T19:53:37.389" v="90" actId="1076"/>
+          <ac:picMkLst>
+            <pc:docMk/>
+            <pc:sldMk cId="2873752884" sldId="321"/>
+            <ac:picMk id="2" creationId="{28CBF1BC-1E02-9971-4DAC-5836F7B549D8}"/>
+          </ac:picMkLst>
+        </pc:picChg>
+      </pc:sldChg>
+      <pc:sldChg chg="addSp modSp new">
+        <pc:chgData name="Ankita L Savaliya" userId="S::als8453@my.utexas.edu::45302890-fb20-4ef9-a20b-62d8ea27512f" providerId="AD" clId="Web-{5FEE7D92-E37A-CB70-568F-D4CA456A5E29}" dt="2025-03-02T20:37:08.707" v="535" actId="20577"/>
+        <pc:sldMkLst>
+          <pc:docMk/>
+          <pc:sldMk cId="1102297446" sldId="322"/>
+        </pc:sldMkLst>
+        <pc:spChg chg="add mod">
+          <ac:chgData name="Ankita L Savaliya" userId="S::als8453@my.utexas.edu::45302890-fb20-4ef9-a20b-62d8ea27512f" providerId="AD" clId="Web-{5FEE7D92-E37A-CB70-568F-D4CA456A5E29}" dt="2025-03-02T20:37:08.707" v="535" actId="20577"/>
+          <ac:spMkLst>
+            <pc:docMk/>
+            <pc:sldMk cId="1102297446" sldId="322"/>
+            <ac:spMk id="4" creationId="{5187C177-8AE7-5851-A127-6DE13592C83E}"/>
+          </ac:spMkLst>
+        </pc:spChg>
+        <pc:picChg chg="add mod">
+          <ac:chgData name="Ankita L Savaliya" userId="S::als8453@my.utexas.edu::45302890-fb20-4ef9-a20b-62d8ea27512f" providerId="AD" clId="Web-{5FEE7D92-E37A-CB70-568F-D4CA456A5E29}" dt="2025-03-02T20:01:30.351" v="145" actId="1076"/>
+          <ac:picMkLst>
+            <pc:docMk/>
+            <pc:sldMk cId="1102297446" sldId="322"/>
+            <ac:picMk id="2" creationId="{D13892BC-84C8-1E06-BA98-B82D80B1FAA6}"/>
+          </ac:picMkLst>
+        </pc:picChg>
+      </pc:sldChg>
+      <pc:sldChg chg="addSp delSp modSp new">
+        <pc:chgData name="Ankita L Savaliya" userId="S::als8453@my.utexas.edu::45302890-fb20-4ef9-a20b-62d8ea27512f" providerId="AD" clId="Web-{5FEE7D92-E37A-CB70-568F-D4CA456A5E29}" dt="2025-03-02T20:37:22.598" v="541" actId="20577"/>
+        <pc:sldMkLst>
+          <pc:docMk/>
+          <pc:sldMk cId="1651048556" sldId="323"/>
+        </pc:sldMkLst>
+        <pc:spChg chg="add mod">
+          <ac:chgData name="Ankita L Savaliya" userId="S::als8453@my.utexas.edu::45302890-fb20-4ef9-a20b-62d8ea27512f" providerId="AD" clId="Web-{5FEE7D92-E37A-CB70-568F-D4CA456A5E29}" dt="2025-03-02T20:37:22.598" v="541" actId="20577"/>
+          <ac:spMkLst>
+            <pc:docMk/>
+            <pc:sldMk cId="1651048556" sldId="323"/>
+            <ac:spMk id="5" creationId="{6C0DB8FB-DB2D-3D23-0054-7151C8DD169E}"/>
+          </ac:spMkLst>
+        </pc:spChg>
+        <pc:picChg chg="add mod">
+          <ac:chgData name="Ankita L Savaliya" userId="S::als8453@my.utexas.edu::45302890-fb20-4ef9-a20b-62d8ea27512f" providerId="AD" clId="Web-{5FEE7D92-E37A-CB70-568F-D4CA456A5E29}" dt="2025-03-02T20:06:25.295" v="174" actId="14100"/>
+          <ac:picMkLst>
+            <pc:docMk/>
+            <pc:sldMk cId="1651048556" sldId="323"/>
+            <ac:picMk id="2" creationId="{E1B8295E-F6CC-1AC9-2CEC-EE05CF50BD9F}"/>
+          </ac:picMkLst>
+        </pc:picChg>
+        <pc:picChg chg="add del mod">
+          <ac:chgData name="Ankita L Savaliya" userId="S::als8453@my.utexas.edu::45302890-fb20-4ef9-a20b-62d8ea27512f" providerId="AD" clId="Web-{5FEE7D92-E37A-CB70-568F-D4CA456A5E29}" dt="2025-03-02T20:06:47.123" v="176"/>
+          <ac:picMkLst>
+            <pc:docMk/>
+            <pc:sldMk cId="1651048556" sldId="323"/>
+            <ac:picMk id="3" creationId="{AD05D75F-CC34-957A-BA5C-70524129E0C9}"/>
+          </ac:picMkLst>
+        </pc:picChg>
+      </pc:sldChg>
+      <pc:sldChg chg="addSp delSp modSp new">
+        <pc:chgData name="Ankita L Savaliya" userId="S::als8453@my.utexas.edu::45302890-fb20-4ef9-a20b-62d8ea27512f" providerId="AD" clId="Web-{5FEE7D92-E37A-CB70-568F-D4CA456A5E29}" dt="2025-03-02T20:38:32.443" v="551" actId="20577"/>
+        <pc:sldMkLst>
+          <pc:docMk/>
+          <pc:sldMk cId="4049443693" sldId="324"/>
+        </pc:sldMkLst>
+        <pc:spChg chg="add mod">
+          <ac:chgData name="Ankita L Savaliya" userId="S::als8453@my.utexas.edu::45302890-fb20-4ef9-a20b-62d8ea27512f" providerId="AD" clId="Web-{5FEE7D92-E37A-CB70-568F-D4CA456A5E29}" dt="2025-03-02T20:38:32.443" v="551" actId="20577"/>
+          <ac:spMkLst>
+            <pc:docMk/>
+            <pc:sldMk cId="4049443693" sldId="324"/>
+            <ac:spMk id="5" creationId="{173C785B-6646-7DC5-3998-57C06E85A6F3}"/>
+          </ac:spMkLst>
+        </pc:spChg>
+        <pc:picChg chg="add del mod">
+          <ac:chgData name="Ankita L Savaliya" userId="S::als8453@my.utexas.edu::45302890-fb20-4ef9-a20b-62d8ea27512f" providerId="AD" clId="Web-{5FEE7D92-E37A-CB70-568F-D4CA456A5E29}" dt="2025-03-02T20:13:12.521" v="228"/>
+          <ac:picMkLst>
+            <pc:docMk/>
+            <pc:sldMk cId="4049443693" sldId="324"/>
+            <ac:picMk id="2" creationId="{DC84425E-2517-6E47-5EDD-954333D5AE97}"/>
+          </ac:picMkLst>
+        </pc:picChg>
+        <pc:picChg chg="add mod">
+          <ac:chgData name="Ankita L Savaliya" userId="S::als8453@my.utexas.edu::45302890-fb20-4ef9-a20b-62d8ea27512f" providerId="AD" clId="Web-{5FEE7D92-E37A-CB70-568F-D4CA456A5E29}" dt="2025-03-02T20:13:23.522" v="232" actId="1076"/>
+          <ac:picMkLst>
+            <pc:docMk/>
+            <pc:sldMk cId="4049443693" sldId="324"/>
+            <ac:picMk id="3" creationId="{F6EFB754-2A0F-8DF4-5B42-B4C7E09EC555}"/>
+          </ac:picMkLst>
+        </pc:picChg>
+      </pc:sldChg>
+      <pc:sldChg chg="addSp delSp modSp new">
+        <pc:chgData name="Ankita L Savaliya" userId="S::als8453@my.utexas.edu::45302890-fb20-4ef9-a20b-62d8ea27512f" providerId="AD" clId="Web-{5FEE7D92-E37A-CB70-568F-D4CA456A5E29}" dt="2025-03-02T20:38:54.303" v="561" actId="20577"/>
+        <pc:sldMkLst>
+          <pc:docMk/>
+          <pc:sldMk cId="3649066908" sldId="325"/>
+        </pc:sldMkLst>
+        <pc:spChg chg="add del mod">
+          <ac:chgData name="Ankita L Savaliya" userId="S::als8453@my.utexas.edu::45302890-fb20-4ef9-a20b-62d8ea27512f" providerId="AD" clId="Web-{5FEE7D92-E37A-CB70-568F-D4CA456A5E29}" dt="2025-03-02T20:38:42.896" v="557"/>
+          <ac:spMkLst>
+            <pc:docMk/>
+            <pc:sldMk cId="3649066908" sldId="325"/>
+            <ac:spMk id="3" creationId="{3E368678-0FFF-ACBD-219C-A34AB5B0596E}"/>
+          </ac:spMkLst>
+        </pc:spChg>
+        <pc:spChg chg="add mod">
+          <ac:chgData name="Ankita L Savaliya" userId="S::als8453@my.utexas.edu::45302890-fb20-4ef9-a20b-62d8ea27512f" providerId="AD" clId="Web-{5FEE7D92-E37A-CB70-568F-D4CA456A5E29}" dt="2025-03-02T20:38:54.303" v="561" actId="20577"/>
+          <ac:spMkLst>
+            <pc:docMk/>
+            <pc:sldMk cId="3649066908" sldId="325"/>
+            <ac:spMk id="4" creationId="{F8ECBF3E-990E-4412-69AE-050DFFB9290C}"/>
+          </ac:spMkLst>
+        </pc:spChg>
+        <pc:picChg chg="add mod">
+          <ac:chgData name="Ankita L Savaliya" userId="S::als8453@my.utexas.edu::45302890-fb20-4ef9-a20b-62d8ea27512f" providerId="AD" clId="Web-{5FEE7D92-E37A-CB70-568F-D4CA456A5E29}" dt="2025-03-02T20:38:40.224" v="555" actId="1076"/>
+          <ac:picMkLst>
+            <pc:docMk/>
+            <pc:sldMk cId="3649066908" sldId="325"/>
+            <ac:picMk id="2" creationId="{B2324BBB-FEB3-BFBC-2595-5A2273F91E3A}"/>
+          </ac:picMkLst>
+        </pc:picChg>
+      </pc:sldChg>
+    </pc:docChg>
+  </pc:docChgLst>
   <pc:docChgLst>
     <pc:chgData name="Ankita L Savaliya" userId="S::als8453@my.utexas.edu::45302890-fb20-4ef9-a20b-62d8ea27512f" providerId="AD" clId="Web-{13E13E35-7DE3-4FA9-2699-76794999827B}"/>
     <pc:docChg chg="addSld delSld modSld sldOrd addMainMaster delMainMaster">
@@ -2139,6 +2987,93 @@
     </pc:docChg>
   </pc:docChgLst>
   <pc:docChgLst>
+    <pc:chgData name="Ankita L Savaliya" userId="S::als8453@my.utexas.edu::45302890-fb20-4ef9-a20b-62d8ea27512f" providerId="AD" clId="Web-{600E16D1-0B00-5FA8-D7F6-673ACD376721}"/>
+    <pc:docChg chg="modSld">
+      <pc:chgData name="Ankita L Savaliya" userId="S::als8453@my.utexas.edu::45302890-fb20-4ef9-a20b-62d8ea27512f" providerId="AD" clId="Web-{600E16D1-0B00-5FA8-D7F6-673ACD376721}" dt="2025-03-02T21:05:06.135" v="10" actId="14100"/>
+      <pc:docMkLst>
+        <pc:docMk/>
+      </pc:docMkLst>
+      <pc:sldChg chg="addSp delSp">
+        <pc:chgData name="Ankita L Savaliya" userId="S::als8453@my.utexas.edu::45302890-fb20-4ef9-a20b-62d8ea27512f" providerId="AD" clId="Web-{600E16D1-0B00-5FA8-D7F6-673ACD376721}" dt="2025-03-02T21:03:47.740" v="1"/>
+        <pc:sldMkLst>
+          <pc:docMk/>
+          <pc:sldMk cId="2364196448" sldId="267"/>
+        </pc:sldMkLst>
+        <pc:picChg chg="add del">
+          <ac:chgData name="Ankita L Savaliya" userId="S::als8453@my.utexas.edu::45302890-fb20-4ef9-a20b-62d8ea27512f" providerId="AD" clId="Web-{600E16D1-0B00-5FA8-D7F6-673ACD376721}" dt="2025-03-02T21:03:47.740" v="1"/>
+          <ac:picMkLst>
+            <pc:docMk/>
+            <pc:sldMk cId="2364196448" sldId="267"/>
+            <ac:picMk id="10" creationId="{5F4B0799-5876-323F-1506-B1C6EC07AA12}"/>
+          </ac:picMkLst>
+        </pc:picChg>
+      </pc:sldChg>
+      <pc:sldChg chg="addSp delSp modSp mod setBg">
+        <pc:chgData name="Ankita L Savaliya" userId="S::als8453@my.utexas.edu::45302890-fb20-4ef9-a20b-62d8ea27512f" providerId="AD" clId="Web-{600E16D1-0B00-5FA8-D7F6-673ACD376721}" dt="2025-03-02T21:05:06.135" v="10" actId="14100"/>
+        <pc:sldMkLst>
+          <pc:docMk/>
+          <pc:sldMk cId="24445698" sldId="308"/>
+        </pc:sldMkLst>
+        <pc:spChg chg="mod">
+          <ac:chgData name="Ankita L Savaliya" userId="S::als8453@my.utexas.edu::45302890-fb20-4ef9-a20b-62d8ea27512f" providerId="AD" clId="Web-{600E16D1-0B00-5FA8-D7F6-673ACD376721}" dt="2025-03-02T21:04:49.603" v="5"/>
+          <ac:spMkLst>
+            <pc:docMk/>
+            <pc:sldMk cId="24445698" sldId="308"/>
+            <ac:spMk id="2" creationId="{03DEF240-C7B8-2EBA-6C1E-48C3552A384E}"/>
+          </ac:spMkLst>
+        </pc:spChg>
+        <pc:spChg chg="mod">
+          <ac:chgData name="Ankita L Savaliya" userId="S::als8453@my.utexas.edu::45302890-fb20-4ef9-a20b-62d8ea27512f" providerId="AD" clId="Web-{600E16D1-0B00-5FA8-D7F6-673ACD376721}" dt="2025-03-02T21:04:49.603" v="5"/>
+          <ac:spMkLst>
+            <pc:docMk/>
+            <pc:sldMk cId="24445698" sldId="308"/>
+            <ac:spMk id="5" creationId="{BD5472EC-EA6F-8723-7560-21D003CF9F87}"/>
+          </ac:spMkLst>
+        </pc:spChg>
+        <pc:spChg chg="add del">
+          <ac:chgData name="Ankita L Savaliya" userId="S::als8453@my.utexas.edu::45302890-fb20-4ef9-a20b-62d8ea27512f" providerId="AD" clId="Web-{600E16D1-0B00-5FA8-D7F6-673ACD376721}" dt="2025-03-02T21:04:49.603" v="5"/>
+          <ac:spMkLst>
+            <pc:docMk/>
+            <pc:sldMk cId="24445698" sldId="308"/>
+            <ac:spMk id="10" creationId="{352BEC0E-22F8-46D0-9632-375DB541B06C}"/>
+          </ac:spMkLst>
+        </pc:spChg>
+        <pc:spChg chg="add del">
+          <ac:chgData name="Ankita L Savaliya" userId="S::als8453@my.utexas.edu::45302890-fb20-4ef9-a20b-62d8ea27512f" providerId="AD" clId="Web-{600E16D1-0B00-5FA8-D7F6-673ACD376721}" dt="2025-03-02T21:04:49.603" v="5"/>
+          <ac:spMkLst>
+            <pc:docMk/>
+            <pc:sldMk cId="24445698" sldId="308"/>
+            <ac:spMk id="12" creationId="{3FCFB1DE-0B7E-48CC-BA90-B2AB0889F9D6}"/>
+          </ac:spMkLst>
+        </pc:spChg>
+        <pc:picChg chg="add mod">
+          <ac:chgData name="Ankita L Savaliya" userId="S::als8453@my.utexas.edu::45302890-fb20-4ef9-a20b-62d8ea27512f" providerId="AD" clId="Web-{600E16D1-0B00-5FA8-D7F6-673ACD376721}" dt="2025-03-02T21:05:06.135" v="10" actId="14100"/>
+          <ac:picMkLst>
+            <pc:docMk/>
+            <pc:sldMk cId="24445698" sldId="308"/>
+            <ac:picMk id="3" creationId="{3C2ED05B-CBBD-389F-6C75-95D8FD0E936F}"/>
+          </ac:picMkLst>
+        </pc:picChg>
+        <pc:picChg chg="mod ord">
+          <ac:chgData name="Ankita L Savaliya" userId="S::als8453@my.utexas.edu::45302890-fb20-4ef9-a20b-62d8ea27512f" providerId="AD" clId="Web-{600E16D1-0B00-5FA8-D7F6-673ACD376721}" dt="2025-03-02T21:04:49.603" v="5"/>
+          <ac:picMkLst>
+            <pc:docMk/>
+            <pc:sldMk cId="24445698" sldId="308"/>
+            <ac:picMk id="4" creationId="{A478C594-9116-91D4-95E6-0BB78B9C1F4B}"/>
+          </ac:picMkLst>
+        </pc:picChg>
+        <pc:picChg chg="del">
+          <ac:chgData name="Ankita L Savaliya" userId="S::als8453@my.utexas.edu::45302890-fb20-4ef9-a20b-62d8ea27512f" providerId="AD" clId="Web-{600E16D1-0B00-5FA8-D7F6-673ACD376721}" dt="2025-03-02T21:04:42.602" v="2"/>
+          <ac:picMkLst>
+            <pc:docMk/>
+            <pc:sldMk cId="24445698" sldId="308"/>
+            <ac:picMk id="7" creationId="{05640550-784B-744A-BB0C-BA0ED8DA9078}"/>
+          </ac:picMkLst>
+        </pc:picChg>
+      </pc:sldChg>
+    </pc:docChg>
+  </pc:docChgLst>
+  <pc:docChgLst>
     <pc:chgData name="Ankita L Savaliya" userId="S::als8453@my.utexas.edu::45302890-fb20-4ef9-a20b-62d8ea27512f" providerId="AD" clId="Web-{E661E9BE-FE19-7F82-3577-BC52DA2F55D2}"/>
     <pc:docChg chg="modSld">
       <pc:chgData name="Ankita L Savaliya" userId="S::als8453@my.utexas.edu::45302890-fb20-4ef9-a20b-62d8ea27512f" providerId="AD" clId="Web-{E661E9BE-FE19-7F82-3577-BC52DA2F55D2}" dt="2025-02-23T00:32:28.541" v="10" actId="20577"/>
@@ -2320,7 +3255,7 @@
           <a:p>
             <a:fld id="{846CE7D5-CF57-46EF-B807-FDD0502418D4}" type="datetimeFigureOut">
               <a:rPr lang="en-US" smtClean="0"/>
-              <a:t>2/22/2025</a:t>
+              <a:t>3/2/2025</a:t>
             </a:fld>
             <a:endParaRPr lang="en-US"/>
           </a:p>
@@ -2490,7 +3425,7 @@
           <a:p>
             <a:fld id="{846CE7D5-CF57-46EF-B807-FDD0502418D4}" type="datetimeFigureOut">
               <a:rPr lang="en-US" smtClean="0"/>
-              <a:t>2/22/2025</a:t>
+              <a:t>3/2/2025</a:t>
             </a:fld>
             <a:endParaRPr lang="en-US"/>
           </a:p>
@@ -2670,7 +3605,7 @@
           <a:p>
             <a:fld id="{846CE7D5-CF57-46EF-B807-FDD0502418D4}" type="datetimeFigureOut">
               <a:rPr lang="en-US" smtClean="0"/>
-              <a:t>2/22/2025</a:t>
+              <a:t>3/2/2025</a:t>
             </a:fld>
             <a:endParaRPr lang="en-US"/>
           </a:p>
@@ -2840,7 +3775,7 @@
           <a:p>
             <a:fld id="{846CE7D5-CF57-46EF-B807-FDD0502418D4}" type="datetimeFigureOut">
               <a:rPr lang="en-US" smtClean="0"/>
-              <a:t>2/22/2025</a:t>
+              <a:t>3/2/2025</a:t>
             </a:fld>
             <a:endParaRPr lang="en-US"/>
           </a:p>
@@ -3086,7 +4021,7 @@
           <a:p>
             <a:fld id="{846CE7D5-CF57-46EF-B807-FDD0502418D4}" type="datetimeFigureOut">
               <a:rPr lang="en-US" smtClean="0"/>
-              <a:t>2/22/2025</a:t>
+              <a:t>3/2/2025</a:t>
             </a:fld>
             <a:endParaRPr lang="en-US"/>
           </a:p>
@@ -3318,7 +4253,7 @@
           <a:p>
             <a:fld id="{846CE7D5-CF57-46EF-B807-FDD0502418D4}" type="datetimeFigureOut">
               <a:rPr lang="en-US" smtClean="0"/>
-              <a:t>2/22/2025</a:t>
+              <a:t>3/2/2025</a:t>
             </a:fld>
             <a:endParaRPr lang="en-US"/>
           </a:p>
@@ -3685,7 +4620,7 @@
           <a:p>
             <a:fld id="{846CE7D5-CF57-46EF-B807-FDD0502418D4}" type="datetimeFigureOut">
               <a:rPr lang="en-US" smtClean="0"/>
-              <a:t>2/22/2025</a:t>
+              <a:t>3/2/2025</a:t>
             </a:fld>
             <a:endParaRPr lang="en-US"/>
           </a:p>
@@ -3803,7 +4738,7 @@
           <a:p>
             <a:fld id="{846CE7D5-CF57-46EF-B807-FDD0502418D4}" type="datetimeFigureOut">
               <a:rPr lang="en-US" smtClean="0"/>
-              <a:t>2/22/2025</a:t>
+              <a:t>3/2/2025</a:t>
             </a:fld>
             <a:endParaRPr lang="en-US"/>
           </a:p>
@@ -3898,7 +4833,7 @@
           <a:p>
             <a:fld id="{846CE7D5-CF57-46EF-B807-FDD0502418D4}" type="datetimeFigureOut">
               <a:rPr lang="en-US" smtClean="0"/>
-              <a:t>2/22/2025</a:t>
+              <a:t>3/2/2025</a:t>
             </a:fld>
             <a:endParaRPr lang="en-US"/>
           </a:p>
@@ -4175,7 +5110,7 @@
           <a:p>
             <a:fld id="{846CE7D5-CF57-46EF-B807-FDD0502418D4}" type="datetimeFigureOut">
               <a:rPr lang="en-US" smtClean="0"/>
-              <a:t>2/22/2025</a:t>
+              <a:t>3/2/2025</a:t>
             </a:fld>
             <a:endParaRPr lang="en-US"/>
           </a:p>
@@ -4432,7 +5367,7 @@
           <a:p>
             <a:fld id="{846CE7D5-CF57-46EF-B807-FDD0502418D4}" type="datetimeFigureOut">
               <a:rPr lang="en-US" smtClean="0"/>
-              <a:t>2/22/2025</a:t>
+              <a:t>3/2/2025</a:t>
             </a:fld>
             <a:endParaRPr lang="en-US"/>
           </a:p>
@@ -4645,7 +5580,7 @@
           <a:p>
             <a:fld id="{846CE7D5-CF57-46EF-B807-FDD0502418D4}" type="datetimeFigureOut">
               <a:rPr lang="en-US" smtClean="0"/>
-              <a:t>2/22/2025</a:t>
+              <a:t>3/2/2025</a:t>
             </a:fld>
             <a:endParaRPr lang="en-US"/>
           </a:p>
@@ -5386,6 +6321,296 @@
 <file path=ppt/slides/slide10.xml><?xml version="1.0" encoding="utf-8"?>
 <p:sld xmlns:a="http://schemas.openxmlformats.org/drawingml/2006/main" xmlns:r="http://schemas.openxmlformats.org/officeDocument/2006/relationships" xmlns:p="http://schemas.openxmlformats.org/presentationml/2006/main">
   <p:cSld>
+    <p:spTree>
+      <p:nvGrpSpPr>
+        <p:cNvPr id="1" name=""/>
+        <p:cNvGrpSpPr/>
+        <p:nvPr/>
+      </p:nvGrpSpPr>
+      <p:grpSpPr>
+        <a:xfrm>
+          <a:off x="0" y="0"/>
+          <a:ext cx="0" cy="0"/>
+          <a:chOff x="0" y="0"/>
+          <a:chExt cx="0" cy="0"/>
+        </a:xfrm>
+      </p:grpSpPr>
+      <p:sp>
+        <p:nvSpPr>
+          <p:cNvPr id="4" name="TextBox 3">
+            <a:extLst>
+              <a:ext uri="{FF2B5EF4-FFF2-40B4-BE49-F238E27FC236}">
+                <a16:creationId xmlns:a16="http://schemas.microsoft.com/office/drawing/2014/main" id="{9FEDBA35-75C5-53D4-8AFF-DE092795945D}"/>
+              </a:ext>
+            </a:extLst>
+          </p:cNvPr>
+          <p:cNvSpPr txBox="1"/>
+          <p:nvPr/>
+        </p:nvSpPr>
+        <p:spPr>
+          <a:xfrm>
+            <a:off x="8018129" y="159964"/>
+            <a:ext cx="3170814" cy="2062103"/>
+          </a:xfrm>
+          <a:prstGeom prst="rect">
+            <a:avLst/>
+          </a:prstGeom>
+          <a:noFill/>
+        </p:spPr>
+        <p:txBody>
+          <a:bodyPr rot="0" spcFirstLastPara="0" vertOverflow="overflow" horzOverflow="overflow" vert="horz" wrap="square" lIns="91440" tIns="45720" rIns="91440" bIns="45720" numCol="1" spcCol="0" rtlCol="0" fromWordArt="0" anchor="t" anchorCtr="0" forceAA="0" compatLnSpc="1">
+            <a:prstTxWarp prst="textNoShape">
+              <a:avLst/>
+            </a:prstTxWarp>
+            <a:spAutoFit/>
+          </a:bodyPr>
+          <a:lstStyle/>
+          <a:p>
+            <a:pPr marL="285750" indent="-285750">
+              <a:buFont typeface="Arial"/>
+              <a:buChar char="•"/>
+            </a:pPr>
+            <a:r>
+              <a:rPr lang="en-US" sz="1600" dirty="0">
+                <a:solidFill>
+                  <a:schemeClr val="dk1"/>
+                </a:solidFill>
+                <a:latin typeface="Bierstadt"/>
+                <a:ea typeface="+mn-lt"/>
+                <a:cs typeface="+mn-lt"/>
+              </a:rPr>
+              <a:t>Defined common function to</a:t>
+            </a:r>
+            <a:r>
+              <a:rPr lang="en-US" sz="1600" dirty="0">
+                <a:solidFill>
+                  <a:schemeClr val="dk1"/>
+                </a:solidFill>
+                <a:ea typeface="+mn-lt"/>
+                <a:cs typeface="+mn-lt"/>
+              </a:rPr>
+              <a:t> generates a t-SNE scatter plot of word embeddings, coloring points based on their distance from the origin.</a:t>
+            </a:r>
+            <a:endParaRPr lang="en-US" dirty="0">
+              <a:solidFill>
+                <a:schemeClr val="dk1"/>
+              </a:solidFill>
+              <a:latin typeface="Aptos" panose="020B0004020202020204"/>
+              <a:ea typeface="+mn-lt"/>
+              <a:cs typeface="+mn-lt"/>
+            </a:endParaRPr>
+          </a:p>
+          <a:p>
+            <a:pPr marL="285750" indent="-285750">
+              <a:buFont typeface="Arial"/>
+              <a:buChar char="•"/>
+            </a:pPr>
+            <a:r>
+              <a:rPr lang="en-US" sz="1600" dirty="0">
+                <a:solidFill>
+                  <a:schemeClr val="dk1"/>
+                </a:solidFill>
+                <a:latin typeface="Bierstadt"/>
+                <a:ea typeface="+mn-lt"/>
+                <a:cs typeface="+mn-lt"/>
+              </a:rPr>
+              <a:t>Call</a:t>
+            </a:r>
+            <a:r>
+              <a:rPr lang="en-US" sz="1600" dirty="0">
+                <a:solidFill>
+                  <a:schemeClr val="dk1"/>
+                </a:solidFill>
+                <a:latin typeface="Bierstadt"/>
+              </a:rPr>
+              <a:t> function using corpus built using Spacy processed text.</a:t>
+            </a:r>
+            <a:endParaRPr lang="en-US">
+              <a:solidFill>
+                <a:schemeClr val="dk1"/>
+              </a:solidFill>
+            </a:endParaRPr>
+          </a:p>
+        </p:txBody>
+      </p:sp>
+      <p:pic>
+        <p:nvPicPr>
+          <p:cNvPr id="5" name="Picture 4" descr="A screenshot of a computer program&#10;&#10;AI-generated content may be incorrect.">
+            <a:extLst>
+              <a:ext uri="{FF2B5EF4-FFF2-40B4-BE49-F238E27FC236}">
+                <a16:creationId xmlns:a16="http://schemas.microsoft.com/office/drawing/2014/main" id="{AFFDD2AA-A99F-7E7B-3BCD-57D251E3884F}"/>
+              </a:ext>
+            </a:extLst>
+          </p:cNvPr>
+          <p:cNvPicPr>
+            <a:picLocks noChangeAspect="1"/>
+          </p:cNvPicPr>
+          <p:nvPr/>
+        </p:nvPicPr>
+        <p:blipFill>
+          <a:blip r:embed="rId2"/>
+          <a:stretch>
+            <a:fillRect/>
+          </a:stretch>
+        </p:blipFill>
+        <p:spPr>
+          <a:xfrm>
+            <a:off x="428560" y="156835"/>
+            <a:ext cx="7587511" cy="5333479"/>
+          </a:xfrm>
+          <a:prstGeom prst="rect">
+            <a:avLst/>
+          </a:prstGeom>
+        </p:spPr>
+      </p:pic>
+    </p:spTree>
+    <p:extLst>
+      <p:ext uri="{BB962C8B-B14F-4D97-AF65-F5344CB8AC3E}">
+        <p14:creationId xmlns:p14="http://schemas.microsoft.com/office/powerpoint/2010/main" val="3468264543"/>
+      </p:ext>
+    </p:extLst>
+  </p:cSld>
+  <p:clrMapOvr>
+    <a:masterClrMapping/>
+  </p:clrMapOvr>
+</p:sld>
+</file>
+
+<file path=ppt/slides/slide11.xml><?xml version="1.0" encoding="utf-8"?>
+<p:sld xmlns:a="http://schemas.openxmlformats.org/drawingml/2006/main" xmlns:r="http://schemas.openxmlformats.org/officeDocument/2006/relationships" xmlns:p="http://schemas.openxmlformats.org/presentationml/2006/main">
+  <p:cSld>
+    <p:spTree>
+      <p:nvGrpSpPr>
+        <p:cNvPr id="1" name=""/>
+        <p:cNvGrpSpPr/>
+        <p:nvPr/>
+      </p:nvGrpSpPr>
+      <p:grpSpPr>
+        <a:xfrm>
+          <a:off x="0" y="0"/>
+          <a:ext cx="0" cy="0"/>
+          <a:chOff x="0" y="0"/>
+          <a:chExt cx="0" cy="0"/>
+        </a:xfrm>
+      </p:grpSpPr>
+      <p:pic>
+        <p:nvPicPr>
+          <p:cNvPr id="2" name="Picture 1" descr="A screen shot of a graph&#10;&#10;AI-generated content may be incorrect.">
+            <a:extLst>
+              <a:ext uri="{FF2B5EF4-FFF2-40B4-BE49-F238E27FC236}">
+                <a16:creationId xmlns:a16="http://schemas.microsoft.com/office/drawing/2014/main" id="{28CBF1BC-1E02-9971-4DAC-5836F7B549D8}"/>
+              </a:ext>
+            </a:extLst>
+          </p:cNvPr>
+          <p:cNvPicPr>
+            <a:picLocks noChangeAspect="1"/>
+          </p:cNvPicPr>
+          <p:nvPr/>
+        </p:nvPicPr>
+        <p:blipFill>
+          <a:blip r:embed="rId2"/>
+          <a:stretch>
+            <a:fillRect/>
+          </a:stretch>
+        </p:blipFill>
+        <p:spPr>
+          <a:xfrm>
+            <a:off x="4337002" y="396657"/>
+            <a:ext cx="7578518" cy="6064685"/>
+          </a:xfrm>
+          <a:prstGeom prst="rect">
+            <a:avLst/>
+          </a:prstGeom>
+        </p:spPr>
+      </p:pic>
+      <p:sp>
+        <p:nvSpPr>
+          <p:cNvPr id="4" name="TextBox 3">
+            <a:extLst>
+              <a:ext uri="{FF2B5EF4-FFF2-40B4-BE49-F238E27FC236}">
+                <a16:creationId xmlns:a16="http://schemas.microsoft.com/office/drawing/2014/main" id="{3DE2771E-4E39-9CE7-7C79-16FCDB573F44}"/>
+              </a:ext>
+            </a:extLst>
+          </p:cNvPr>
+          <p:cNvSpPr txBox="1"/>
+          <p:nvPr/>
+        </p:nvSpPr>
+        <p:spPr>
+          <a:xfrm>
+            <a:off x="782073" y="232149"/>
+            <a:ext cx="2598762" cy="1477328"/>
+          </a:xfrm>
+          <a:prstGeom prst="rect">
+            <a:avLst/>
+          </a:prstGeom>
+          <a:noFill/>
+        </p:spPr>
+        <p:txBody>
+          <a:bodyPr rot="0" spcFirstLastPara="0" vertOverflow="overflow" horzOverflow="overflow" vert="horz" wrap="square" lIns="91440" tIns="45720" rIns="91440" bIns="45720" numCol="1" spcCol="0" rtlCol="0" fromWordArt="0" anchor="t" anchorCtr="0" forceAA="0" compatLnSpc="1">
+            <a:prstTxWarp prst="textNoShape">
+              <a:avLst/>
+            </a:prstTxWarp>
+            <a:spAutoFit/>
+          </a:bodyPr>
+          <a:lstStyle/>
+          <a:p>
+            <a:r>
+              <a:rPr lang="en-US" b="1" dirty="0">
+                <a:solidFill>
+                  <a:srgbClr val="000000"/>
+                </a:solidFill>
+                <a:latin typeface="Bierstadt"/>
+                <a:ea typeface="+mn-lt"/>
+                <a:cs typeface="+mn-lt"/>
+              </a:rPr>
+              <a:t>t-SNE Visualization with Distance-Based Coloring </a:t>
+            </a:r>
+            <a:r>
+              <a:rPr lang="en-US" b="1" dirty="0">
+                <a:latin typeface="Bierstadt"/>
+                <a:ea typeface="+mn-lt"/>
+                <a:cs typeface="+mn-lt"/>
+              </a:rPr>
+              <a:t>Of  All Words from Word2Vec (</a:t>
+            </a:r>
+            <a:r>
+              <a:rPr lang="en-US" b="1" dirty="0" err="1">
+                <a:latin typeface="Bierstadt"/>
+                <a:ea typeface="+mn-lt"/>
+                <a:cs typeface="+mn-lt"/>
+              </a:rPr>
+              <a:t>SpaCy</a:t>
+            </a:r>
+            <a:r>
+              <a:rPr lang="en-US" b="1" dirty="0">
+                <a:latin typeface="Bierstadt"/>
+                <a:ea typeface="+mn-lt"/>
+                <a:cs typeface="+mn-lt"/>
+              </a:rPr>
+              <a:t>)</a:t>
+            </a:r>
+            <a:endParaRPr lang="en-US" b="1">
+              <a:latin typeface="Bierstadt"/>
+            </a:endParaRPr>
+          </a:p>
+        </p:txBody>
+      </p:sp>
+    </p:spTree>
+    <p:extLst>
+      <p:ext uri="{BB962C8B-B14F-4D97-AF65-F5344CB8AC3E}">
+        <p14:creationId xmlns:p14="http://schemas.microsoft.com/office/powerpoint/2010/main" val="2873752884"/>
+      </p:ext>
+    </p:extLst>
+  </p:cSld>
+  <p:clrMapOvr>
+    <a:masterClrMapping/>
+  </p:clrMapOvr>
+</p:sld>
+</file>
+
+<file path=ppt/slides/slide12.xml><?xml version="1.0" encoding="utf-8"?>
+<p:sld xmlns:a="http://schemas.openxmlformats.org/drawingml/2006/main" xmlns:r="http://schemas.openxmlformats.org/officeDocument/2006/relationships" xmlns:p="http://schemas.openxmlformats.org/presentationml/2006/main">
+  <p:cSld>
     <p:bg>
       <p:bgPr>
         <a:solidFill>
@@ -5691,7 +6916,7 @@
 </p:sld>
 </file>
 
-<file path=ppt/slides/slide11.xml><?xml version="1.0" encoding="utf-8"?>
+<file path=ppt/slides/slide13.xml><?xml version="1.0" encoding="utf-8"?>
 <p:sld xmlns:a="http://schemas.openxmlformats.org/drawingml/2006/main" xmlns:r="http://schemas.openxmlformats.org/officeDocument/2006/relationships" xmlns:p="http://schemas.openxmlformats.org/presentationml/2006/main">
   <p:cSld>
     <p:spTree>
@@ -5796,10 +7021,10 @@
       </p:pic>
       <p:pic>
         <p:nvPicPr>
-          <p:cNvPr id="8" name="Picture 7">
+          <p:cNvPr id="3" name="Picture 2" descr="A black text with red and black stars&#10;&#10;AI-generated content may be incorrect.">
             <a:extLst>
               <a:ext uri="{FF2B5EF4-FFF2-40B4-BE49-F238E27FC236}">
-                <a16:creationId xmlns:a16="http://schemas.microsoft.com/office/drawing/2014/main" id="{C79FC16A-5F33-052F-319C-5191A403109F}"/>
+                <a16:creationId xmlns:a16="http://schemas.microsoft.com/office/drawing/2014/main" id="{05639348-ACCE-FFF3-C429-FA7D038EC49D}"/>
               </a:ext>
             </a:extLst>
           </p:cNvPr>
@@ -5816,8 +7041,8 @@
         </p:blipFill>
         <p:spPr>
           <a:xfrm>
-            <a:off x="341850" y="1844862"/>
-            <a:ext cx="4882774" cy="559392"/>
+            <a:off x="355948" y="1754557"/>
+            <a:ext cx="5029200" cy="781050"/>
           </a:xfrm>
           <a:prstGeom prst="rect">
             <a:avLst/>
@@ -5826,10 +7051,10 @@
       </p:pic>
       <p:pic>
         <p:nvPicPr>
-          <p:cNvPr id="9" name="Picture 8" descr="A screenshot of a computer&#10;&#10;AI-generated content may be incorrect.">
+          <p:cNvPr id="10" name="Picture 9" descr="SciSpaCy Entities">
             <a:extLst>
               <a:ext uri="{FF2B5EF4-FFF2-40B4-BE49-F238E27FC236}">
-                <a16:creationId xmlns:a16="http://schemas.microsoft.com/office/drawing/2014/main" id="{D9ED7883-B8F2-8752-F446-BABE7BEC4352}"/>
+                <a16:creationId xmlns:a16="http://schemas.microsoft.com/office/drawing/2014/main" id="{5F4B0799-5876-323F-1506-B1C6EC07AA12}"/>
               </a:ext>
             </a:extLst>
           </p:cNvPr>
@@ -5846,8 +7071,8 @@
         </p:blipFill>
         <p:spPr>
           <a:xfrm>
-            <a:off x="348712" y="2533286"/>
-            <a:ext cx="11404169" cy="4322818"/>
+            <a:off x="135699" y="2538227"/>
+            <a:ext cx="12056302" cy="4338943"/>
           </a:xfrm>
           <a:prstGeom prst="rect">
             <a:avLst/>
@@ -5867,7 +7092,7 @@
 </p:sld>
 </file>
 
-<file path=ppt/slides/slide12.xml><?xml version="1.0" encoding="utf-8"?>
+<file path=ppt/slides/slide14.xml><?xml version="1.0" encoding="utf-8"?>
 <p:sld xmlns:a="http://schemas.openxmlformats.org/drawingml/2006/main" xmlns:r="http://schemas.openxmlformats.org/officeDocument/2006/relationships" xmlns:p="http://schemas.openxmlformats.org/presentationml/2006/main">
   <p:cSld>
     <p:spTree>
@@ -5890,36 +7115,6 @@
           <a:chExt cx="0" cy="0"/>
         </a:xfrm>
       </p:grpSpPr>
-      <p:pic>
-        <p:nvPicPr>
-          <p:cNvPr id="3" name="Picture 2" descr="A screenshot of a computer program&#10;&#10;AI-generated content may be incorrect.">
-            <a:extLst>
-              <a:ext uri="{FF2B5EF4-FFF2-40B4-BE49-F238E27FC236}">
-                <a16:creationId xmlns:a16="http://schemas.microsoft.com/office/drawing/2014/main" id="{41E89925-9317-DA98-0F33-4D275892A2D5}"/>
-              </a:ext>
-            </a:extLst>
-          </p:cNvPr>
-          <p:cNvPicPr>
-            <a:picLocks noChangeAspect="1"/>
-          </p:cNvPicPr>
-          <p:nvPr/>
-        </p:nvPicPr>
-        <p:blipFill>
-          <a:blip r:embed="rId2"/>
-          <a:stretch>
-            <a:fillRect/>
-          </a:stretch>
-        </p:blipFill>
-        <p:spPr>
-          <a:xfrm>
-            <a:off x="421683" y="977362"/>
-            <a:ext cx="8610600" cy="5600700"/>
-          </a:xfrm>
-          <a:prstGeom prst="rect">
-            <a:avLst/>
-          </a:prstGeom>
-        </p:spPr>
-      </p:pic>
       <p:sp>
         <p:nvSpPr>
           <p:cNvPr id="5" name="Title 1">
@@ -5970,6 +7165,36 @@
           </a:p>
         </p:txBody>
       </p:sp>
+      <p:pic>
+        <p:nvPicPr>
+          <p:cNvPr id="2" name="Picture 1" descr="A screenshot of a computer program&#10;&#10;AI-generated content may be incorrect.">
+            <a:extLst>
+              <a:ext uri="{FF2B5EF4-FFF2-40B4-BE49-F238E27FC236}">
+                <a16:creationId xmlns:a16="http://schemas.microsoft.com/office/drawing/2014/main" id="{4F22E7D8-BAAF-FC11-DE43-108652983B2C}"/>
+              </a:ext>
+            </a:extLst>
+          </p:cNvPr>
+          <p:cNvPicPr>
+            <a:picLocks noChangeAspect="1"/>
+          </p:cNvPicPr>
+          <p:nvPr/>
+        </p:nvPicPr>
+        <p:blipFill>
+          <a:blip r:embed="rId2"/>
+          <a:stretch>
+            <a:fillRect/>
+          </a:stretch>
+        </p:blipFill>
+        <p:spPr>
+          <a:xfrm>
+            <a:off x="393982" y="846159"/>
+            <a:ext cx="8136830" cy="5718915"/>
+          </a:xfrm>
+          <a:prstGeom prst="rect">
+            <a:avLst/>
+          </a:prstGeom>
+        </p:spPr>
+      </p:pic>
     </p:spTree>
     <p:extLst>
       <p:ext uri="{BB962C8B-B14F-4D97-AF65-F5344CB8AC3E}">
@@ -5983,7 +7208,7 @@
 </p:sld>
 </file>
 
-<file path=ppt/slides/slide13.xml><?xml version="1.0" encoding="utf-8"?>
+<file path=ppt/slides/slide15.xml><?xml version="1.0" encoding="utf-8"?>
 <p:sld xmlns:a="http://schemas.openxmlformats.org/drawingml/2006/main" xmlns:r="http://schemas.openxmlformats.org/officeDocument/2006/relationships" xmlns:p="http://schemas.openxmlformats.org/presentationml/2006/main">
   <p:cSld>
     <p:spTree>
@@ -6006,36 +7231,6 @@
           <a:chExt cx="0" cy="0"/>
         </a:xfrm>
       </p:grpSpPr>
-      <p:pic>
-        <p:nvPicPr>
-          <p:cNvPr id="3" name="Picture 2" descr="A map of different colored dots&#10;&#10;AI-generated content may be incorrect.">
-            <a:extLst>
-              <a:ext uri="{FF2B5EF4-FFF2-40B4-BE49-F238E27FC236}">
-                <a16:creationId xmlns:a16="http://schemas.microsoft.com/office/drawing/2014/main" id="{22858B44-3DB2-EA01-0276-93672175D48D}"/>
-              </a:ext>
-            </a:extLst>
-          </p:cNvPr>
-          <p:cNvPicPr>
-            <a:picLocks noChangeAspect="1"/>
-          </p:cNvPicPr>
-          <p:nvPr/>
-        </p:nvPicPr>
-        <p:blipFill>
-          <a:blip r:embed="rId2"/>
-          <a:stretch>
-            <a:fillRect/>
-          </a:stretch>
-        </p:blipFill>
-        <p:spPr>
-          <a:xfrm>
-            <a:off x="3695641" y="-1"/>
-            <a:ext cx="7280447" cy="5488984"/>
-          </a:xfrm>
-          <a:prstGeom prst="rect">
-            <a:avLst/>
-          </a:prstGeom>
-        </p:spPr>
-      </p:pic>
       <p:sp>
         <p:nvSpPr>
           <p:cNvPr id="4" name="TextBox 3">
@@ -6112,7 +7307,7 @@
         <p:spPr>
           <a:xfrm>
             <a:off x="782073" y="232149"/>
-            <a:ext cx="2598762" cy="934888"/>
+            <a:ext cx="2598762" cy="1754326"/>
           </a:xfrm>
           <a:prstGeom prst="rect">
             <a:avLst/>
@@ -6130,15 +7325,13 @@
           <a:p>
             <a:r>
               <a:rPr lang="en-US" b="1" dirty="0">
-                <a:latin typeface="Bierstadt"/>
                 <a:ea typeface="+mn-lt"/>
                 <a:cs typeface="+mn-lt"/>
               </a:rPr>
-              <a:t>t-SNE Visualization of Top 100 Words from Word2Vec (</a:t>
+              <a:t>t-SNE visualization of the top 100 words from Word2Vec (</a:t>
             </a:r>
             <a:r>
               <a:rPr lang="en-US" b="1" dirty="0" err="1">
-                <a:latin typeface="Bierstadt"/>
                 <a:ea typeface="+mn-lt"/>
                 <a:cs typeface="+mn-lt"/>
               </a:rPr>
@@ -6146,18 +7339,45 @@
             </a:r>
             <a:r>
               <a:rPr lang="en-US" b="1" dirty="0">
-                <a:latin typeface="Bierstadt"/>
                 <a:ea typeface="+mn-lt"/>
                 <a:cs typeface="+mn-lt"/>
               </a:rPr>
-              <a:t>)</a:t>
-            </a:r>
-            <a:endParaRPr lang="en-US" b="1" dirty="0">
-              <a:latin typeface="Bierstadt"/>
-            </a:endParaRPr>
+              <a:t>), with a limited word count for better label clarity.</a:t>
+            </a:r>
+            <a:endParaRPr lang="en-US" b="1" dirty="0"/>
           </a:p>
         </p:txBody>
       </p:sp>
+      <p:pic>
+        <p:nvPicPr>
+          <p:cNvPr id="2" name="Picture 1">
+            <a:extLst>
+              <a:ext uri="{FF2B5EF4-FFF2-40B4-BE49-F238E27FC236}">
+                <a16:creationId xmlns:a16="http://schemas.microsoft.com/office/drawing/2014/main" id="{B88B2AD4-2CAA-9C28-0B3D-8B0D87248E98}"/>
+              </a:ext>
+            </a:extLst>
+          </p:cNvPr>
+          <p:cNvPicPr>
+            <a:picLocks noChangeAspect="1"/>
+          </p:cNvPicPr>
+          <p:nvPr/>
+        </p:nvPicPr>
+        <p:blipFill>
+          <a:blip r:embed="rId2"/>
+          <a:stretch>
+            <a:fillRect/>
+          </a:stretch>
+        </p:blipFill>
+        <p:spPr>
+          <a:xfrm>
+            <a:off x="3819422" y="229642"/>
+            <a:ext cx="7152306" cy="5302686"/>
+          </a:xfrm>
+          <a:prstGeom prst="rect">
+            <a:avLst/>
+          </a:prstGeom>
+        </p:spPr>
+      </p:pic>
     </p:spTree>
     <p:extLst>
       <p:ext uri="{BB962C8B-B14F-4D97-AF65-F5344CB8AC3E}">
@@ -6171,7 +7391,126 @@
 </p:sld>
 </file>
 
-<file path=ppt/slides/slide14.xml><?xml version="1.0" encoding="utf-8"?>
+<file path=ppt/slides/slide16.xml><?xml version="1.0" encoding="utf-8"?>
+<p:sld xmlns:a="http://schemas.openxmlformats.org/drawingml/2006/main" xmlns:r="http://schemas.openxmlformats.org/officeDocument/2006/relationships" xmlns:p="http://schemas.openxmlformats.org/presentationml/2006/main">
+  <p:cSld>
+    <p:spTree>
+      <p:nvGrpSpPr>
+        <p:cNvPr id="1" name=""/>
+        <p:cNvGrpSpPr/>
+        <p:nvPr/>
+      </p:nvGrpSpPr>
+      <p:grpSpPr>
+        <a:xfrm>
+          <a:off x="0" y="0"/>
+          <a:ext cx="0" cy="0"/>
+          <a:chOff x="0" y="0"/>
+          <a:chExt cx="0" cy="0"/>
+        </a:xfrm>
+      </p:grpSpPr>
+      <p:pic>
+        <p:nvPicPr>
+          <p:cNvPr id="2" name="Picture 1" descr="A screen shot of a computer screen&#10;&#10;AI-generated content may be incorrect.">
+            <a:extLst>
+              <a:ext uri="{FF2B5EF4-FFF2-40B4-BE49-F238E27FC236}">
+                <a16:creationId xmlns:a16="http://schemas.microsoft.com/office/drawing/2014/main" id="{D13892BC-84C8-1E06-BA98-B82D80B1FAA6}"/>
+              </a:ext>
+            </a:extLst>
+          </p:cNvPr>
+          <p:cNvPicPr>
+            <a:picLocks noChangeAspect="1"/>
+          </p:cNvPicPr>
+          <p:nvPr/>
+        </p:nvPicPr>
+        <p:blipFill>
+          <a:blip r:embed="rId2"/>
+          <a:stretch>
+            <a:fillRect/>
+          </a:stretch>
+        </p:blipFill>
+        <p:spPr>
+          <a:xfrm>
+            <a:off x="3657796" y="233493"/>
+            <a:ext cx="8258436" cy="6036110"/>
+          </a:xfrm>
+          <a:prstGeom prst="rect">
+            <a:avLst/>
+          </a:prstGeom>
+        </p:spPr>
+      </p:pic>
+      <p:sp>
+        <p:nvSpPr>
+          <p:cNvPr id="4" name="TextBox 3">
+            <a:extLst>
+              <a:ext uri="{FF2B5EF4-FFF2-40B4-BE49-F238E27FC236}">
+                <a16:creationId xmlns:a16="http://schemas.microsoft.com/office/drawing/2014/main" id="{5187C177-8AE7-5851-A127-6DE13592C83E}"/>
+              </a:ext>
+            </a:extLst>
+          </p:cNvPr>
+          <p:cNvSpPr txBox="1"/>
+          <p:nvPr/>
+        </p:nvSpPr>
+        <p:spPr>
+          <a:xfrm>
+            <a:off x="782073" y="232149"/>
+            <a:ext cx="2598762" cy="1477328"/>
+          </a:xfrm>
+          <a:prstGeom prst="rect">
+            <a:avLst/>
+          </a:prstGeom>
+          <a:noFill/>
+        </p:spPr>
+        <p:txBody>
+          <a:bodyPr rot="0" spcFirstLastPara="0" vertOverflow="overflow" horzOverflow="overflow" vert="horz" wrap="square" lIns="91440" tIns="45720" rIns="91440" bIns="45720" numCol="1" spcCol="0" rtlCol="0" fromWordArt="0" anchor="t" anchorCtr="0" forceAA="0" compatLnSpc="1">
+            <a:prstTxWarp prst="textNoShape">
+              <a:avLst/>
+            </a:prstTxWarp>
+            <a:spAutoFit/>
+          </a:bodyPr>
+          <a:lstStyle/>
+          <a:p>
+            <a:r>
+              <a:rPr lang="en-US" b="1" dirty="0">
+                <a:latin typeface="Bierstadt"/>
+                <a:ea typeface="+mn-lt"/>
+                <a:cs typeface="+mn-lt"/>
+              </a:rPr>
+              <a:t>t-SNE Visualization with Distance-Based Coloring Of  All Words from Word2Vec (</a:t>
+            </a:r>
+            <a:r>
+              <a:rPr lang="en-US" b="1" dirty="0" err="1">
+                <a:latin typeface="Bierstadt"/>
+                <a:ea typeface="+mn-lt"/>
+                <a:cs typeface="+mn-lt"/>
+              </a:rPr>
+              <a:t>SciSpaCy</a:t>
+            </a:r>
+            <a:r>
+              <a:rPr lang="en-US" b="1" dirty="0">
+                <a:latin typeface="Bierstadt"/>
+                <a:ea typeface="+mn-lt"/>
+                <a:cs typeface="+mn-lt"/>
+              </a:rPr>
+              <a:t>)</a:t>
+            </a:r>
+            <a:endParaRPr lang="en-US" dirty="0"/>
+          </a:p>
+        </p:txBody>
+      </p:sp>
+    </p:spTree>
+    <p:extLst>
+      <p:ext uri="{BB962C8B-B14F-4D97-AF65-F5344CB8AC3E}">
+        <p14:creationId xmlns:p14="http://schemas.microsoft.com/office/powerpoint/2010/main" val="1102297446"/>
+      </p:ext>
+    </p:extLst>
+  </p:cSld>
+  <p:clrMapOvr>
+    <a:masterClrMapping/>
+  </p:clrMapOvr>
+</p:sld>
+</file>
+
+<file path=ppt/slides/slide17.xml><?xml version="1.0" encoding="utf-8"?>
 <p:sld xmlns:a="http://schemas.openxmlformats.org/drawingml/2006/main" xmlns:r="http://schemas.openxmlformats.org/officeDocument/2006/relationships" xmlns:p="http://schemas.openxmlformats.org/presentationml/2006/main">
   <p:cSld>
     <p:bg>
@@ -6494,7 +7833,7 @@
 </p:sld>
 </file>
 
-<file path=ppt/slides/slide15.xml><?xml version="1.0" encoding="utf-8"?>
+<file path=ppt/slides/slide18.xml><?xml version="1.0" encoding="utf-8"?>
 <p:sld xmlns:a="http://schemas.openxmlformats.org/drawingml/2006/main" xmlns:r="http://schemas.openxmlformats.org/officeDocument/2006/relationships" xmlns:p="http://schemas.openxmlformats.org/presentationml/2006/main">
   <p:cSld>
     <p:spTree>
@@ -6569,12 +7908,89 @@
           </a:p>
         </p:txBody>
       </p:sp>
+      <p:sp>
+        <p:nvSpPr>
+          <p:cNvPr id="5" name="TextBox 4">
+            <a:extLst>
+              <a:ext uri="{FF2B5EF4-FFF2-40B4-BE49-F238E27FC236}">
+                <a16:creationId xmlns:a16="http://schemas.microsoft.com/office/drawing/2014/main" id="{BD5472EC-EA6F-8723-7560-21D003CF9F87}"/>
+              </a:ext>
+            </a:extLst>
+          </p:cNvPr>
+          <p:cNvSpPr txBox="1"/>
+          <p:nvPr/>
+        </p:nvSpPr>
+        <p:spPr>
+          <a:xfrm>
+            <a:off x="6568895" y="976981"/>
+            <a:ext cx="4244765" cy="1113645"/>
+          </a:xfrm>
+          <a:prstGeom prst="rect">
+            <a:avLst/>
+          </a:prstGeom>
+          <a:noFill/>
+        </p:spPr>
+        <p:txBody>
+          <a:bodyPr rot="0" spcFirstLastPara="0" vertOverflow="overflow" horzOverflow="overflow" vert="horz" wrap="square" lIns="91440" tIns="45720" rIns="91440" bIns="45720" numCol="1" spcCol="0" rtlCol="0" fromWordArt="0" anchor="t" anchorCtr="0" forceAA="0" compatLnSpc="1">
+            <a:prstTxWarp prst="textNoShape">
+              <a:avLst/>
+            </a:prstTxWarp>
+            <a:spAutoFit/>
+          </a:bodyPr>
+          <a:lstStyle/>
+          <a:p>
+            <a:r>
+              <a:rPr lang="en-US" sz="1600" dirty="0">
+                <a:latin typeface="Bierstadt"/>
+              </a:rPr>
+              <a:t>en_ner_bc5cdr_md is a Named Entity Recognition (NER) model from </a:t>
+            </a:r>
+            <a:r>
+              <a:rPr lang="en-US" sz="1600" dirty="0" err="1">
+                <a:latin typeface="Bierstadt"/>
+              </a:rPr>
+              <a:t>SciSpaCy</a:t>
+            </a:r>
+            <a:r>
+              <a:rPr lang="en-US" sz="1600" dirty="0">
+                <a:latin typeface="Bierstadt"/>
+              </a:rPr>
+              <a:t> that specializes in identifying </a:t>
+            </a:r>
+            <a:r>
+              <a:rPr lang="en-US" sz="1600" b="1" dirty="0">
+                <a:latin typeface="Bierstadt"/>
+              </a:rPr>
+              <a:t>diseases</a:t>
+            </a:r>
+            <a:r>
+              <a:rPr lang="en-US" sz="1600" dirty="0">
+                <a:latin typeface="Bierstadt"/>
+              </a:rPr>
+              <a:t> and </a:t>
+            </a:r>
+            <a:r>
+              <a:rPr lang="en-US" sz="1600" b="1" dirty="0">
+                <a:latin typeface="Bierstadt"/>
+              </a:rPr>
+              <a:t>chemicals</a:t>
+            </a:r>
+            <a:r>
+              <a:rPr lang="en-US" sz="1600" dirty="0">
+                <a:latin typeface="Bierstadt"/>
+              </a:rPr>
+              <a:t> in text </a:t>
+            </a:r>
+            <a:endParaRPr lang="en-US" dirty="0"/>
+          </a:p>
+        </p:txBody>
+      </p:sp>
       <p:pic>
         <p:nvPicPr>
-          <p:cNvPr id="3" name="Picture 2" descr="A screen shot of a computer code&#10;&#10;AI-generated content may be incorrect.">
+          <p:cNvPr id="4" name="Picture 3">
             <a:extLst>
               <a:ext uri="{FF2B5EF4-FFF2-40B4-BE49-F238E27FC236}">
-                <a16:creationId xmlns:a16="http://schemas.microsoft.com/office/drawing/2014/main" id="{1006915E-B698-E917-03D4-47C1DF869387}"/>
+                <a16:creationId xmlns:a16="http://schemas.microsoft.com/office/drawing/2014/main" id="{A478C594-9116-91D4-95E6-0BB78B9C1F4B}"/>
               </a:ext>
             </a:extLst>
           </p:cNvPr>
@@ -6591,97 +8007,20 @@
         </p:blipFill>
         <p:spPr>
           <a:xfrm>
-            <a:off x="842478" y="1082621"/>
-            <a:ext cx="5495925" cy="1257300"/>
+            <a:off x="806168" y="976900"/>
+            <a:ext cx="5757146" cy="1323844"/>
           </a:xfrm>
           <a:prstGeom prst="rect">
             <a:avLst/>
           </a:prstGeom>
         </p:spPr>
       </p:pic>
-      <p:sp>
-        <p:nvSpPr>
-          <p:cNvPr id="5" name="TextBox 4">
+      <p:pic>
+        <p:nvPicPr>
+          <p:cNvPr id="3" name="Picture 2" descr="A screenshot of a medical report&#10;&#10;AI-generated content may be incorrect.">
             <a:extLst>
               <a:ext uri="{FF2B5EF4-FFF2-40B4-BE49-F238E27FC236}">
-                <a16:creationId xmlns:a16="http://schemas.microsoft.com/office/drawing/2014/main" id="{BD5472EC-EA6F-8723-7560-21D003CF9F87}"/>
-              </a:ext>
-            </a:extLst>
-          </p:cNvPr>
-          <p:cNvSpPr txBox="1"/>
-          <p:nvPr/>
-        </p:nvSpPr>
-        <p:spPr>
-          <a:xfrm>
-            <a:off x="6568895" y="1081365"/>
-            <a:ext cx="4244765" cy="1113645"/>
-          </a:xfrm>
-          <a:prstGeom prst="rect">
-            <a:avLst/>
-          </a:prstGeom>
-          <a:noFill/>
-        </p:spPr>
-        <p:txBody>
-          <a:bodyPr rot="0" spcFirstLastPara="0" vertOverflow="overflow" horzOverflow="overflow" vert="horz" wrap="square" lIns="91440" tIns="45720" rIns="91440" bIns="45720" numCol="1" spcCol="0" rtlCol="0" fromWordArt="0" anchor="t" anchorCtr="0" forceAA="0" compatLnSpc="1">
-            <a:prstTxWarp prst="textNoShape">
-              <a:avLst/>
-            </a:prstTxWarp>
-            <a:spAutoFit/>
-          </a:bodyPr>
-          <a:lstStyle/>
-          <a:p>
-            <a:r>
-              <a:rPr lang="en-US" sz="1600" dirty="0">
-                <a:latin typeface="Bierstadt"/>
-              </a:rPr>
-              <a:t>en_ner_bc5cdr_md is a Named Entity Recognition (NER) model from </a:t>
-            </a:r>
-            <a:r>
-              <a:rPr lang="en-US" sz="1600" dirty="0" err="1">
-                <a:latin typeface="Bierstadt"/>
-              </a:rPr>
-              <a:t>SciSpaCy</a:t>
-            </a:r>
-            <a:r>
-              <a:rPr lang="en-US" sz="1600" dirty="0">
-                <a:latin typeface="Bierstadt"/>
-              </a:rPr>
-              <a:t> that specializes in identifying </a:t>
-            </a:r>
-            <a:r>
-              <a:rPr lang="en-US" sz="1600" b="1" dirty="0">
-                <a:latin typeface="Bierstadt"/>
-              </a:rPr>
-              <a:t>diseases</a:t>
-            </a:r>
-            <a:r>
-              <a:rPr lang="en-US" sz="1600" dirty="0">
-                <a:latin typeface="Bierstadt"/>
-              </a:rPr>
-              <a:t> and </a:t>
-            </a:r>
-            <a:r>
-              <a:rPr lang="en-US" sz="1600" b="1" dirty="0">
-                <a:latin typeface="Bierstadt"/>
-              </a:rPr>
-              <a:t>chemicals</a:t>
-            </a:r>
-            <a:r>
-              <a:rPr lang="en-US" sz="1600" dirty="0">
-                <a:latin typeface="Bierstadt"/>
-              </a:rPr>
-              <a:t> in text </a:t>
-            </a:r>
-            <a:endParaRPr lang="en-US" dirty="0"/>
-          </a:p>
-        </p:txBody>
-      </p:sp>
-      <p:pic>
-        <p:nvPicPr>
-          <p:cNvPr id="6" name="Picture 5" descr="A screenshot of a computer&#10;&#10;AI-generated content may be incorrect.">
-            <a:extLst>
-              <a:ext uri="{FF2B5EF4-FFF2-40B4-BE49-F238E27FC236}">
-                <a16:creationId xmlns:a16="http://schemas.microsoft.com/office/drawing/2014/main" id="{65DE6B6D-716F-B918-8ABD-8D4454E64207}"/>
+                <a16:creationId xmlns:a16="http://schemas.microsoft.com/office/drawing/2014/main" id="{3C2ED05B-CBBD-389F-6C75-95D8FD0E936F}"/>
               </a:ext>
             </a:extLst>
           </p:cNvPr>
@@ -6698,8 +8037,8 @@
         </p:blipFill>
         <p:spPr>
           <a:xfrm>
-            <a:off x="839491" y="2560783"/>
-            <a:ext cx="10345119" cy="4151585"/>
+            <a:off x="824629" y="2324758"/>
+            <a:ext cx="9091810" cy="4525798"/>
           </a:xfrm>
           <a:prstGeom prst="rect">
             <a:avLst/>
@@ -6719,7 +8058,7 @@
 </p:sld>
 </file>
 
-<file path=ppt/slides/slide16.xml><?xml version="1.0" encoding="utf-8"?>
+<file path=ppt/slides/slide19.xml><?xml version="1.0" encoding="utf-8"?>
 <p:sld xmlns:a="http://schemas.openxmlformats.org/drawingml/2006/main" xmlns:r="http://schemas.openxmlformats.org/officeDocument/2006/relationships" xmlns:p="http://schemas.openxmlformats.org/presentationml/2006/main">
   <p:cSld>
     <p:spTree>
@@ -6784,10 +8123,10 @@
       </p:sp>
       <p:pic>
         <p:nvPicPr>
-          <p:cNvPr id="3" name="Picture 2" descr="A screenshot of a computer program&#10;&#10;AI-generated content may be incorrect.">
+          <p:cNvPr id="4" name="Picture 3" descr="A screenshot of a computer program&#10;&#10;AI-generated content may be incorrect.">
             <a:extLst>
               <a:ext uri="{FF2B5EF4-FFF2-40B4-BE49-F238E27FC236}">
-                <a16:creationId xmlns:a16="http://schemas.microsoft.com/office/drawing/2014/main" id="{ECF1F8FB-9819-4E24-C15C-A538D00E4AC8}"/>
+                <a16:creationId xmlns:a16="http://schemas.microsoft.com/office/drawing/2014/main" id="{9F585CF6-1148-EDB8-ED0D-A040C252374E}"/>
               </a:ext>
             </a:extLst>
           </p:cNvPr>
@@ -6804,8 +8143,8 @@
         </p:blipFill>
         <p:spPr>
           <a:xfrm>
-            <a:off x="841267" y="1145340"/>
-            <a:ext cx="8210550" cy="5419725"/>
+            <a:off x="759195" y="888826"/>
+            <a:ext cx="8105775" cy="6019800"/>
           </a:xfrm>
           <a:prstGeom prst="rect">
             <a:avLst/>
@@ -6816,807 +8155,6 @@
     <p:extLst>
       <p:ext uri="{BB962C8B-B14F-4D97-AF65-F5344CB8AC3E}">
         <p14:creationId xmlns:p14="http://schemas.microsoft.com/office/powerpoint/2010/main" val="4129924267"/>
-      </p:ext>
-    </p:extLst>
-  </p:cSld>
-  <p:clrMapOvr>
-    <a:masterClrMapping/>
-  </p:clrMapOvr>
-</p:sld>
-</file>
-
-<file path=ppt/slides/slide17.xml><?xml version="1.0" encoding="utf-8"?>
-<p:sld xmlns:a="http://schemas.openxmlformats.org/drawingml/2006/main" xmlns:r="http://schemas.openxmlformats.org/officeDocument/2006/relationships" xmlns:p="http://schemas.openxmlformats.org/presentationml/2006/main">
-  <p:cSld>
-    <p:spTree>
-      <p:nvGrpSpPr>
-        <p:cNvPr id="1" name="">
-          <a:extLst>
-            <a:ext uri="{FF2B5EF4-FFF2-40B4-BE49-F238E27FC236}">
-              <a16:creationId xmlns:a16="http://schemas.microsoft.com/office/drawing/2014/main" id="{3C8685B8-E134-D22B-4CB4-CFA355B70D1E}"/>
-            </a:ext>
-          </a:extLst>
-        </p:cNvPr>
-        <p:cNvGrpSpPr/>
-        <p:nvPr/>
-      </p:nvGrpSpPr>
-      <p:grpSpPr>
-        <a:xfrm>
-          <a:off x="0" y="0"/>
-          <a:ext cx="0" cy="0"/>
-          <a:chOff x="0" y="0"/>
-          <a:chExt cx="0" cy="0"/>
-        </a:xfrm>
-      </p:grpSpPr>
-      <p:pic>
-        <p:nvPicPr>
-          <p:cNvPr id="3" name="Picture 2">
-            <a:extLst>
-              <a:ext uri="{FF2B5EF4-FFF2-40B4-BE49-F238E27FC236}">
-                <a16:creationId xmlns:a16="http://schemas.microsoft.com/office/drawing/2014/main" id="{28B8AC47-3A3C-9B69-C20D-44435C1431AD}"/>
-              </a:ext>
-            </a:extLst>
-          </p:cNvPr>
-          <p:cNvPicPr>
-            <a:picLocks noChangeAspect="1"/>
-          </p:cNvPicPr>
-          <p:nvPr/>
-        </p:nvPicPr>
-        <p:blipFill>
-          <a:blip r:embed="rId2"/>
-          <a:stretch>
-            <a:fillRect/>
-          </a:stretch>
-        </p:blipFill>
-        <p:spPr>
-          <a:xfrm>
-            <a:off x="4032158" y="129152"/>
-            <a:ext cx="7072361" cy="5411493"/>
-          </a:xfrm>
-          <a:prstGeom prst="rect">
-            <a:avLst/>
-          </a:prstGeom>
-        </p:spPr>
-      </p:pic>
-      <p:sp>
-        <p:nvSpPr>
-          <p:cNvPr id="4" name="TextBox 3">
-            <a:extLst>
-              <a:ext uri="{FF2B5EF4-FFF2-40B4-BE49-F238E27FC236}">
-                <a16:creationId xmlns:a16="http://schemas.microsoft.com/office/drawing/2014/main" id="{E5D960CE-C49C-891D-2540-B3135263F9D9}"/>
-              </a:ext>
-            </a:extLst>
-          </p:cNvPr>
-          <p:cNvSpPr txBox="1"/>
-          <p:nvPr/>
-        </p:nvSpPr>
-        <p:spPr>
-          <a:xfrm>
-            <a:off x="1016738" y="5661757"/>
-            <a:ext cx="10087438" cy="923330"/>
-          </a:xfrm>
-          <a:prstGeom prst="rect">
-            <a:avLst/>
-          </a:prstGeom>
-          <a:noFill/>
-        </p:spPr>
-        <p:txBody>
-          <a:bodyPr rot="0" spcFirstLastPara="0" vertOverflow="overflow" horzOverflow="overflow" vert="horz" wrap="square" lIns="91440" tIns="45720" rIns="91440" bIns="45720" numCol="1" spcCol="0" rtlCol="0" fromWordArt="0" anchor="t" anchorCtr="0" forceAA="0" compatLnSpc="1">
-            <a:prstTxWarp prst="textNoShape">
-              <a:avLst/>
-            </a:prstTxWarp>
-            <a:spAutoFit/>
-          </a:bodyPr>
-          <a:lstStyle/>
-          <a:p>
-            <a:r>
-              <a:rPr lang="en-US" dirty="0">
-                <a:latin typeface="Bierstadt"/>
-                <a:ea typeface="+mn-lt"/>
-                <a:cs typeface="+mn-lt"/>
-              </a:rPr>
-              <a:t>Based on Word2Vec similarity and the above plot, BC5CDR appears to capture disease and medication entities well, with a strong emphasis on hypertension-related terms (e.g., Labetalol, hypertension, headache).</a:t>
-            </a:r>
-            <a:endParaRPr lang="en-US" dirty="0">
-              <a:latin typeface="Bierstadt"/>
-            </a:endParaRPr>
-          </a:p>
-        </p:txBody>
-      </p:sp>
-      <p:sp>
-        <p:nvSpPr>
-          <p:cNvPr id="6" name="TextBox 5">
-            <a:extLst>
-              <a:ext uri="{FF2B5EF4-FFF2-40B4-BE49-F238E27FC236}">
-                <a16:creationId xmlns:a16="http://schemas.microsoft.com/office/drawing/2014/main" id="{ACB7DEF3-36F2-B230-37BA-51622C3AA474}"/>
-              </a:ext>
-            </a:extLst>
-          </p:cNvPr>
-          <p:cNvSpPr txBox="1"/>
-          <p:nvPr/>
-        </p:nvSpPr>
-        <p:spPr>
-          <a:xfrm>
-            <a:off x="782073" y="232149"/>
-            <a:ext cx="2598762" cy="934888"/>
-          </a:xfrm>
-          <a:prstGeom prst="rect">
-            <a:avLst/>
-          </a:prstGeom>
-          <a:noFill/>
-        </p:spPr>
-        <p:txBody>
-          <a:bodyPr rot="0" spcFirstLastPara="0" vertOverflow="overflow" horzOverflow="overflow" vert="horz" wrap="square" lIns="91440" tIns="45720" rIns="91440" bIns="45720" numCol="1" spcCol="0" rtlCol="0" fromWordArt="0" anchor="t" anchorCtr="0" forceAA="0" compatLnSpc="1">
-            <a:prstTxWarp prst="textNoShape">
-              <a:avLst/>
-            </a:prstTxWarp>
-            <a:spAutoFit/>
-          </a:bodyPr>
-          <a:lstStyle/>
-          <a:p>
-            <a:r>
-              <a:rPr lang="en-US" b="1" dirty="0">
-                <a:latin typeface="Bierstadt"/>
-                <a:ea typeface="+mn-lt"/>
-                <a:cs typeface="+mn-lt"/>
-              </a:rPr>
-              <a:t>t-SNE Visualization of Top 100 Words from Word2Vec (bc5cdr)</a:t>
-            </a:r>
-            <a:endParaRPr lang="en-US" b="1" dirty="0">
-              <a:latin typeface="Bierstadt"/>
-            </a:endParaRPr>
-          </a:p>
-        </p:txBody>
-      </p:sp>
-    </p:spTree>
-    <p:extLst>
-      <p:ext uri="{BB962C8B-B14F-4D97-AF65-F5344CB8AC3E}">
-        <p14:creationId xmlns:p14="http://schemas.microsoft.com/office/powerpoint/2010/main" val="3448998823"/>
-      </p:ext>
-    </p:extLst>
-  </p:cSld>
-  <p:clrMapOvr>
-    <a:masterClrMapping/>
-  </p:clrMapOvr>
-</p:sld>
-</file>
-
-<file path=ppt/slides/slide18.xml><?xml version="1.0" encoding="utf-8"?>
-<p:sld xmlns:a="http://schemas.openxmlformats.org/drawingml/2006/main" xmlns:r="http://schemas.openxmlformats.org/officeDocument/2006/relationships" xmlns:p="http://schemas.openxmlformats.org/presentationml/2006/main">
-  <p:cSld>
-    <p:bg>
-      <p:bgPr>
-        <a:solidFill>
-          <a:schemeClr val="bg1"/>
-        </a:solidFill>
-        <a:effectLst/>
-      </p:bgPr>
-    </p:bg>
-    <p:spTree>
-      <p:nvGrpSpPr>
-        <p:cNvPr id="1" name="">
-          <a:extLst>
-            <a:ext uri="{FF2B5EF4-FFF2-40B4-BE49-F238E27FC236}">
-              <a16:creationId xmlns:a16="http://schemas.microsoft.com/office/drawing/2014/main" id="{2C998C14-DFC6-3251-EB2D-65CD470EC1F8}"/>
-            </a:ext>
-          </a:extLst>
-        </p:cNvPr>
-        <p:cNvGrpSpPr/>
-        <p:nvPr/>
-      </p:nvGrpSpPr>
-      <p:grpSpPr>
-        <a:xfrm>
-          <a:off x="0" y="0"/>
-          <a:ext cx="0" cy="0"/>
-          <a:chOff x="0" y="0"/>
-          <a:chExt cx="0" cy="0"/>
-        </a:xfrm>
-      </p:grpSpPr>
-      <p:sp useBgFill="1">
-        <p:nvSpPr>
-          <p:cNvPr id="27" name="Rectangle 26">
-            <a:extLst>
-              <a:ext uri="{FF2B5EF4-FFF2-40B4-BE49-F238E27FC236}">
-                <a16:creationId xmlns:a16="http://schemas.microsoft.com/office/drawing/2014/main" id="{D47AAAA7-1FF9-6F00-9412-3047CA044150}"/>
-              </a:ext>
-              <a:ext uri="{C183D7F6-B498-43B3-948B-1728B52AA6E4}">
-                <adec:decorative xmlns:adec="http://schemas.microsoft.com/office/drawing/2017/decorative" val="1"/>
-              </a:ext>
-            </a:extLst>
-          </p:cNvPr>
-          <p:cNvSpPr>
-            <a:spLocks noGrp="1" noRot="1" noChangeAspect="1" noMove="1" noResize="1" noEditPoints="1" noAdjustHandles="1" noChangeArrowheads="1" noChangeShapeType="1" noTextEdit="1"/>
-          </p:cNvSpPr>
-          <p:nvPr>
-            <p:extLst>
-              <p:ext uri="{386F3935-93C4-4BCD-93E2-E3B085C9AB24}">
-                <p16:designElem xmlns:p16="http://schemas.microsoft.com/office/powerpoint/2015/main" val="1"/>
-              </p:ext>
-            </p:extLst>
-          </p:nvPr>
-        </p:nvSpPr>
-        <p:spPr>
-          <a:xfrm>
-            <a:off x="0" y="0"/>
-            <a:ext cx="12192000" cy="6858000"/>
-          </a:xfrm>
-          <a:prstGeom prst="rect">
-            <a:avLst/>
-          </a:prstGeom>
-          <a:ln>
-            <a:noFill/>
-          </a:ln>
-        </p:spPr>
-        <p:style>
-          <a:lnRef idx="2">
-            <a:schemeClr val="accent1">
-              <a:shade val="50000"/>
-            </a:schemeClr>
-          </a:lnRef>
-          <a:fillRef idx="1">
-            <a:schemeClr val="accent1"/>
-          </a:fillRef>
-          <a:effectRef idx="0">
-            <a:schemeClr val="accent1"/>
-          </a:effectRef>
-          <a:fontRef idx="minor">
-            <a:schemeClr val="lt1"/>
-          </a:fontRef>
-        </p:style>
-        <p:txBody>
-          <a:bodyPr rtlCol="0" anchor="ctr"/>
-          <a:lstStyle/>
-          <a:p>
-            <a:pPr algn="ctr"/>
-            <a:endParaRPr lang="en-US"/>
-          </a:p>
-        </p:txBody>
-      </p:sp>
-      <p:sp>
-        <p:nvSpPr>
-          <p:cNvPr id="2" name="Title 1">
-            <a:extLst>
-              <a:ext uri="{FF2B5EF4-FFF2-40B4-BE49-F238E27FC236}">
-                <a16:creationId xmlns:a16="http://schemas.microsoft.com/office/drawing/2014/main" id="{CCF9829C-E10A-B384-F2F0-0B6AB9A786F0}"/>
-              </a:ext>
-            </a:extLst>
-          </p:cNvPr>
-          <p:cNvSpPr>
-            <a:spLocks noGrp="1"/>
-          </p:cNvSpPr>
-          <p:nvPr>
-            <p:ph type="title"/>
-          </p:nvPr>
-        </p:nvSpPr>
-        <p:spPr>
-          <a:xfrm>
-            <a:off x="558210" y="1365472"/>
-            <a:ext cx="10978470" cy="3564636"/>
-          </a:xfrm>
-        </p:spPr>
-        <p:txBody>
-          <a:bodyPr vert="horz" lIns="91440" tIns="45720" rIns="91440" bIns="45720" rtlCol="0" anchor="ctr">
-            <a:normAutofit/>
-          </a:bodyPr>
-          <a:lstStyle/>
-          <a:p>
-            <a:r>
-              <a:rPr lang="en-US" sz="4000" err="1">
-                <a:solidFill>
-                  <a:srgbClr val="000000"/>
-                </a:solidFill>
-                <a:latin typeface="Bierstadt"/>
-                <a:ea typeface="+mj-lt"/>
-                <a:cs typeface="+mj-lt"/>
-              </a:rPr>
-              <a:t>BlueBert</a:t>
-            </a:r>
-            <a:endParaRPr lang="en-US" err="1">
-              <a:latin typeface="Bierstadt"/>
-            </a:endParaRPr>
-          </a:p>
-          <a:p>
-            <a:endParaRPr lang="en-US" sz="4000" dirty="0"/>
-          </a:p>
-        </p:txBody>
-      </p:sp>
-      <p:sp>
-        <p:nvSpPr>
-          <p:cNvPr id="28" name="Rectangle 27">
-            <a:extLst>
-              <a:ext uri="{FF2B5EF4-FFF2-40B4-BE49-F238E27FC236}">
-                <a16:creationId xmlns:a16="http://schemas.microsoft.com/office/drawing/2014/main" id="{5D99C476-FD22-38F7-1498-0270BC1333B0}"/>
-              </a:ext>
-              <a:ext uri="{C183D7F6-B498-43B3-948B-1728B52AA6E4}">
-                <adec:decorative xmlns:adec="http://schemas.microsoft.com/office/drawing/2017/decorative" val="1"/>
-              </a:ext>
-            </a:extLst>
-          </p:cNvPr>
-          <p:cNvSpPr>
-            <a:spLocks noGrp="1" noRot="1" noChangeAspect="1" noMove="1" noResize="1" noEditPoints="1" noAdjustHandles="1" noChangeArrowheads="1" noChangeShapeType="1" noTextEdit="1"/>
-          </p:cNvSpPr>
-          <p:nvPr>
-            <p:extLst>
-              <p:ext uri="{386F3935-93C4-4BCD-93E2-E3B085C9AB24}">
-                <p16:designElem xmlns:p16="http://schemas.microsoft.com/office/powerpoint/2015/main" val="1"/>
-              </p:ext>
-            </p:extLst>
-          </p:nvPr>
-        </p:nvSpPr>
-        <p:spPr>
-          <a:xfrm>
-            <a:off x="0" y="1913350"/>
-            <a:ext cx="128016" cy="2468880"/>
-          </a:xfrm>
-          <a:prstGeom prst="rect">
-            <a:avLst/>
-          </a:prstGeom>
-          <a:solidFill>
-            <a:schemeClr val="accent2"/>
-          </a:solidFill>
-          <a:ln>
-            <a:noFill/>
-          </a:ln>
-        </p:spPr>
-        <p:style>
-          <a:lnRef idx="2">
-            <a:schemeClr val="accent1">
-              <a:shade val="50000"/>
-            </a:schemeClr>
-          </a:lnRef>
-          <a:fillRef idx="1">
-            <a:schemeClr val="accent1"/>
-          </a:fillRef>
-          <a:effectRef idx="0">
-            <a:schemeClr val="accent1"/>
-          </a:effectRef>
-          <a:fontRef idx="minor">
-            <a:schemeClr val="lt1"/>
-          </a:fontRef>
-        </p:style>
-        <p:txBody>
-          <a:bodyPr rtlCol="0" anchor="ctr"/>
-          <a:lstStyle/>
-          <a:p>
-            <a:pPr marL="0" marR="0" lvl="0" indent="0" algn="ctr" defTabSz="914400" rtl="0" eaLnBrk="1" fontAlgn="auto" latinLnBrk="0" hangingPunct="1">
-              <a:lnSpc>
-                <a:spcPct val="100000"/>
-              </a:lnSpc>
-              <a:spcBef>
-                <a:spcPts val="0"/>
-              </a:spcBef>
-              <a:spcAft>
-                <a:spcPts val="0"/>
-              </a:spcAft>
-              <a:buClrTx/>
-              <a:buSzTx/>
-              <a:buFontTx/>
-              <a:buNone/>
-              <a:tabLst/>
-              <a:defRPr/>
-            </a:pPr>
-            <a:endParaRPr kumimoji="0" lang="en-US" sz="1800" b="0" i="0" u="none" strike="noStrike" kern="1200" cap="none" spc="0" normalizeH="0" baseline="0" noProof="0" dirty="0">
-              <a:ln>
-                <a:noFill/>
-              </a:ln>
-              <a:solidFill>
-                <a:prstClr val="white"/>
-              </a:solidFill>
-              <a:effectLst/>
-              <a:uLnTx/>
-              <a:uFillTx/>
-              <a:latin typeface="Calibri" panose="020F0502020204030204"/>
-              <a:ea typeface="+mn-ea"/>
-              <a:cs typeface="+mn-cs"/>
-            </a:endParaRPr>
-          </a:p>
-        </p:txBody>
-      </p:sp>
-      <p:sp>
-        <p:nvSpPr>
-          <p:cNvPr id="29" name="Rectangle 28">
-            <a:extLst>
-              <a:ext uri="{FF2B5EF4-FFF2-40B4-BE49-F238E27FC236}">
-                <a16:creationId xmlns:a16="http://schemas.microsoft.com/office/drawing/2014/main" id="{779A8FC9-105B-8814-7823-973823C6C237}"/>
-              </a:ext>
-              <a:ext uri="{C183D7F6-B498-43B3-948B-1728B52AA6E4}">
-                <adec:decorative xmlns:adec="http://schemas.microsoft.com/office/drawing/2017/decorative" val="1"/>
-              </a:ext>
-            </a:extLst>
-          </p:cNvPr>
-          <p:cNvSpPr>
-            <a:spLocks noGrp="1" noRot="1" noChangeAspect="1" noMove="1" noResize="1" noEditPoints="1" noAdjustHandles="1" noChangeArrowheads="1" noChangeShapeType="1" noTextEdit="1"/>
-          </p:cNvSpPr>
-          <p:nvPr>
-            <p:extLst>
-              <p:ext uri="{386F3935-93C4-4BCD-93E2-E3B085C9AB24}">
-                <p16:designElem xmlns:p16="http://schemas.microsoft.com/office/powerpoint/2015/main" val="1"/>
-              </p:ext>
-            </p:extLst>
-          </p:nvPr>
-        </p:nvSpPr>
-        <p:spPr>
-          <a:xfrm>
-            <a:off x="650945" y="5831269"/>
-            <a:ext cx="10927080" cy="18288"/>
-          </a:xfrm>
-          <a:prstGeom prst="rect">
-            <a:avLst/>
-          </a:prstGeom>
-          <a:solidFill>
-            <a:srgbClr val="D5D5D5"/>
-          </a:solidFill>
-          <a:ln w="3175">
-            <a:noFill/>
-          </a:ln>
-          <a:effectLst/>
-        </p:spPr>
-        <p:style>
-          <a:lnRef idx="2">
-            <a:schemeClr val="accent1">
-              <a:shade val="50000"/>
-            </a:schemeClr>
-          </a:lnRef>
-          <a:fillRef idx="1">
-            <a:schemeClr val="accent1"/>
-          </a:fillRef>
-          <a:effectRef idx="0">
-            <a:schemeClr val="accent1"/>
-          </a:effectRef>
-          <a:fontRef idx="minor">
-            <a:schemeClr val="lt1"/>
-          </a:fontRef>
-        </p:style>
-        <p:txBody>
-          <a:bodyPr rtlCol="0" anchor="ctr"/>
-          <a:lstStyle/>
-          <a:p>
-            <a:pPr algn="ctr"/>
-            <a:endParaRPr lang="en-US">
-              <a:solidFill>
-                <a:prstClr val="white"/>
-              </a:solidFill>
-              <a:latin typeface="Calibri" panose="020F0502020204030204"/>
-            </a:endParaRPr>
-          </a:p>
-        </p:txBody>
-      </p:sp>
-    </p:spTree>
-    <p:extLst>
-      <p:ext uri="{BB962C8B-B14F-4D97-AF65-F5344CB8AC3E}">
-        <p14:creationId xmlns:p14="http://schemas.microsoft.com/office/powerpoint/2010/main" val="469010555"/>
-      </p:ext>
-    </p:extLst>
-  </p:cSld>
-  <p:clrMapOvr>
-    <a:masterClrMapping/>
-  </p:clrMapOvr>
-</p:sld>
-</file>
-
-<file path=ppt/slides/slide19.xml><?xml version="1.0" encoding="utf-8"?>
-<p:sld xmlns:a="http://schemas.openxmlformats.org/drawingml/2006/main" xmlns:r="http://schemas.openxmlformats.org/officeDocument/2006/relationships" xmlns:p="http://schemas.openxmlformats.org/presentationml/2006/main">
-  <p:cSld>
-    <p:spTree>
-      <p:nvGrpSpPr>
-        <p:cNvPr id="1" name="">
-          <a:extLst>
-            <a:ext uri="{FF2B5EF4-FFF2-40B4-BE49-F238E27FC236}">
-              <a16:creationId xmlns:a16="http://schemas.microsoft.com/office/drawing/2014/main" id="{C845437B-692D-BBBB-F33F-2D39A61DBE99}"/>
-            </a:ext>
-          </a:extLst>
-        </p:cNvPr>
-        <p:cNvGrpSpPr/>
-        <p:nvPr/>
-      </p:nvGrpSpPr>
-      <p:grpSpPr>
-        <a:xfrm>
-          <a:off x="0" y="0"/>
-          <a:ext cx="0" cy="0"/>
-          <a:chOff x="0" y="0"/>
-          <a:chExt cx="0" cy="0"/>
-        </a:xfrm>
-      </p:grpSpPr>
-      <p:sp>
-        <p:nvSpPr>
-          <p:cNvPr id="2" name="Title 1">
-            <a:extLst>
-              <a:ext uri="{FF2B5EF4-FFF2-40B4-BE49-F238E27FC236}">
-                <a16:creationId xmlns:a16="http://schemas.microsoft.com/office/drawing/2014/main" id="{87C2990A-C0C2-D52A-6609-B0B3B28CAD86}"/>
-              </a:ext>
-            </a:extLst>
-          </p:cNvPr>
-          <p:cNvSpPr>
-            <a:spLocks noGrp="1"/>
-          </p:cNvSpPr>
-          <p:nvPr>
-            <p:ph type="title"/>
-          </p:nvPr>
-        </p:nvSpPr>
-        <p:spPr>
-          <a:xfrm>
-            <a:off x="347420" y="352210"/>
-            <a:ext cx="10223327" cy="521810"/>
-          </a:xfrm>
-        </p:spPr>
-        <p:txBody>
-          <a:bodyPr>
-            <a:normAutofit/>
-          </a:bodyPr>
-          <a:lstStyle/>
-          <a:p>
-            <a:r>
-              <a:rPr lang="en-US" sz="2800" b="1" dirty="0">
-                <a:latin typeface="Bierstadt"/>
-              </a:rPr>
-              <a:t>t-SNE Visualization For </a:t>
-            </a:r>
-            <a:r>
-              <a:rPr lang="en-US" sz="2800" b="1" dirty="0" err="1">
-                <a:latin typeface="Bierstadt"/>
-              </a:rPr>
-              <a:t>BlueBert</a:t>
-            </a:r>
-            <a:endParaRPr lang="en-US" sz="2800" dirty="0" err="1">
-              <a:latin typeface="Bierstadt"/>
-            </a:endParaRPr>
-          </a:p>
-        </p:txBody>
-      </p:sp>
-      <p:pic>
-        <p:nvPicPr>
-          <p:cNvPr id="3" name="Picture 2" descr="A screenshot of a computer program&#10;&#10;AI-generated content may be incorrect.">
-            <a:extLst>
-              <a:ext uri="{FF2B5EF4-FFF2-40B4-BE49-F238E27FC236}">
-                <a16:creationId xmlns:a16="http://schemas.microsoft.com/office/drawing/2014/main" id="{B737D872-6C18-5FF3-6EB3-B809757B9316}"/>
-              </a:ext>
-            </a:extLst>
-          </p:cNvPr>
-          <p:cNvPicPr>
-            <a:picLocks noChangeAspect="1"/>
-          </p:cNvPicPr>
-          <p:nvPr/>
-        </p:nvPicPr>
-        <p:blipFill>
-          <a:blip r:embed="rId2"/>
-          <a:stretch>
-            <a:fillRect/>
-          </a:stretch>
-        </p:blipFill>
-        <p:spPr>
-          <a:xfrm>
-            <a:off x="348147" y="1094729"/>
-            <a:ext cx="5748419" cy="4681458"/>
-          </a:xfrm>
-          <a:prstGeom prst="rect">
-            <a:avLst/>
-          </a:prstGeom>
-        </p:spPr>
-      </p:pic>
-      <p:pic>
-        <p:nvPicPr>
-          <p:cNvPr id="4" name="Picture 3" descr="A screenshot of a computer code&#10;&#10;AI-generated content may be incorrect.">
-            <a:extLst>
-              <a:ext uri="{FF2B5EF4-FFF2-40B4-BE49-F238E27FC236}">
-                <a16:creationId xmlns:a16="http://schemas.microsoft.com/office/drawing/2014/main" id="{3825D955-5DE2-78F8-0C6A-FE95CFD327B8}"/>
-              </a:ext>
-            </a:extLst>
-          </p:cNvPr>
-          <p:cNvPicPr>
-            <a:picLocks noChangeAspect="1"/>
-          </p:cNvPicPr>
-          <p:nvPr/>
-        </p:nvPicPr>
-        <p:blipFill>
-          <a:blip r:embed="rId3"/>
-          <a:stretch>
-            <a:fillRect/>
-          </a:stretch>
-        </p:blipFill>
-        <p:spPr>
-          <a:xfrm>
-            <a:off x="6386431" y="4116575"/>
-            <a:ext cx="5695950" cy="2266950"/>
-          </a:xfrm>
-          <a:prstGeom prst="rect">
-            <a:avLst/>
-          </a:prstGeom>
-        </p:spPr>
-      </p:pic>
-      <p:sp>
-        <p:nvSpPr>
-          <p:cNvPr id="5" name="TextBox 4">
-            <a:extLst>
-              <a:ext uri="{FF2B5EF4-FFF2-40B4-BE49-F238E27FC236}">
-                <a16:creationId xmlns:a16="http://schemas.microsoft.com/office/drawing/2014/main" id="{3F6CB1A0-40C5-88A0-45FA-AF0EA14AA344}"/>
-              </a:ext>
-            </a:extLst>
-          </p:cNvPr>
-          <p:cNvSpPr txBox="1"/>
-          <p:nvPr/>
-        </p:nvSpPr>
-        <p:spPr>
-          <a:xfrm>
-            <a:off x="6391306" y="877913"/>
-            <a:ext cx="5713622" cy="3416320"/>
-          </a:xfrm>
-          <a:prstGeom prst="rect">
-            <a:avLst/>
-          </a:prstGeom>
-          <a:noFill/>
-        </p:spPr>
-        <p:txBody>
-          <a:bodyPr rot="0" spcFirstLastPara="0" vertOverflow="overflow" horzOverflow="overflow" vert="horz" wrap="square" lIns="91440" tIns="45720" rIns="91440" bIns="45720" numCol="1" spcCol="0" rtlCol="0" fromWordArt="0" anchor="t" anchorCtr="0" forceAA="0" compatLnSpc="1">
-            <a:prstTxWarp prst="textNoShape">
-              <a:avLst/>
-            </a:prstTxWarp>
-            <a:spAutoFit/>
-          </a:bodyPr>
-          <a:lstStyle/>
-          <a:p>
-            <a:pPr marL="285750" indent="-285750">
-              <a:buFont typeface="Arial"/>
-              <a:buChar char="•"/>
-            </a:pPr>
-            <a:r>
-              <a:rPr lang="en-US" dirty="0">
-                <a:latin typeface="Bierstadt"/>
-                <a:ea typeface="+mn-lt"/>
-                <a:cs typeface="+mn-lt"/>
-              </a:rPr>
-              <a:t>This script utilizes </a:t>
-            </a:r>
-            <a:r>
-              <a:rPr lang="en-US" b="1" err="1">
-                <a:latin typeface="Bierstadt"/>
-                <a:ea typeface="+mn-lt"/>
-                <a:cs typeface="+mn-lt"/>
-              </a:rPr>
-              <a:t>BlueBERT</a:t>
-            </a:r>
-            <a:r>
-              <a:rPr lang="en-US" b="1" dirty="0">
-                <a:latin typeface="Bierstadt"/>
-                <a:ea typeface="+mn-lt"/>
-                <a:cs typeface="+mn-lt"/>
-              </a:rPr>
-              <a:t> </a:t>
-            </a:r>
-            <a:r>
-              <a:rPr lang="en-US" dirty="0">
-                <a:latin typeface="Bierstadt"/>
-                <a:ea typeface="+mn-lt"/>
-                <a:cs typeface="+mn-lt"/>
-              </a:rPr>
-              <a:t>(</a:t>
-            </a:r>
-            <a:r>
-              <a:rPr lang="en-US" err="1">
-                <a:latin typeface="Bierstadt"/>
-              </a:rPr>
-              <a:t>bionlp</a:t>
-            </a:r>
-            <a:r>
-              <a:rPr lang="en-US" dirty="0">
-                <a:latin typeface="Bierstadt"/>
-              </a:rPr>
-              <a:t>/bluebert_pubmed_mimic_uncased_L-12_H-768_A-12</a:t>
-            </a:r>
-            <a:r>
-              <a:rPr lang="en-US" dirty="0">
-                <a:latin typeface="Bierstadt"/>
-                <a:ea typeface="+mn-lt"/>
-                <a:cs typeface="+mn-lt"/>
-              </a:rPr>
-              <a:t>) to extract word embeddings from clinical notes processed with </a:t>
-            </a:r>
-            <a:r>
-              <a:rPr lang="en-US" err="1">
-                <a:latin typeface="Bierstadt"/>
-                <a:ea typeface="+mn-lt"/>
-                <a:cs typeface="+mn-lt"/>
-              </a:rPr>
-              <a:t>SciSpaCy</a:t>
-            </a:r>
-            <a:r>
-              <a:rPr lang="en-US" dirty="0">
-                <a:latin typeface="Bierstadt"/>
-                <a:ea typeface="+mn-lt"/>
-                <a:cs typeface="+mn-lt"/>
-              </a:rPr>
-              <a:t>. </a:t>
-            </a:r>
-            <a:endParaRPr lang="en-US">
-              <a:latin typeface="Bierstadt"/>
-            </a:endParaRPr>
-          </a:p>
-          <a:p>
-            <a:pPr marL="285750" indent="-285750">
-              <a:buFont typeface="Arial"/>
-              <a:buChar char="•"/>
-            </a:pPr>
-            <a:r>
-              <a:rPr lang="en-US" dirty="0">
-                <a:latin typeface="Bierstadt"/>
-                <a:ea typeface="+mn-lt"/>
-                <a:cs typeface="+mn-lt"/>
-              </a:rPr>
-              <a:t>Named entities are identified and tokenized, then their embeddings are computed using </a:t>
-            </a:r>
-            <a:r>
-              <a:rPr lang="en-US" err="1">
-                <a:latin typeface="Bierstadt"/>
-                <a:ea typeface="+mn-lt"/>
-                <a:cs typeface="+mn-lt"/>
-              </a:rPr>
-              <a:t>BlueBERT</a:t>
-            </a:r>
-            <a:r>
-              <a:rPr lang="en-US" dirty="0">
-                <a:latin typeface="Bierstadt"/>
-                <a:ea typeface="+mn-lt"/>
-                <a:cs typeface="+mn-lt"/>
-              </a:rPr>
-              <a:t>. </a:t>
-            </a:r>
-          </a:p>
-          <a:p>
-            <a:pPr marL="285750" indent="-285750">
-              <a:buFont typeface="Arial"/>
-              <a:buChar char="•"/>
-            </a:pPr>
-            <a:r>
-              <a:rPr lang="en-US" b="1" dirty="0">
-                <a:latin typeface="Bierstadt"/>
-                <a:ea typeface="+mn-lt"/>
-                <a:cs typeface="+mn-lt"/>
-              </a:rPr>
-              <a:t>Only one note was used here because processing all notes with </a:t>
-            </a:r>
-            <a:r>
-              <a:rPr lang="en-US" b="1" err="1">
-                <a:latin typeface="Bierstadt"/>
-                <a:ea typeface="+mn-lt"/>
-                <a:cs typeface="+mn-lt"/>
-              </a:rPr>
-              <a:t>BlueBERT</a:t>
-            </a:r>
-            <a:r>
-              <a:rPr lang="en-US" b="1" dirty="0">
-                <a:latin typeface="Bierstadt"/>
-                <a:ea typeface="+mn-lt"/>
-                <a:cs typeface="+mn-lt"/>
-              </a:rPr>
-              <a:t> for embedding extraction requires significant time and memory.</a:t>
-            </a:r>
-          </a:p>
-          <a:p>
-            <a:pPr marL="285750" indent="-285750">
-              <a:buFont typeface="Arial"/>
-              <a:buChar char="•"/>
-            </a:pPr>
-            <a:r>
-              <a:rPr lang="en-US" dirty="0">
-                <a:latin typeface="Bierstadt"/>
-                <a:ea typeface="+mn-lt"/>
-                <a:cs typeface="+mn-lt"/>
-              </a:rPr>
-              <a:t>The embeddings are visualized in a 2D space using t-SNE, highlighting relationships among clinical terms.</a:t>
-            </a:r>
-          </a:p>
-          <a:p>
-            <a:pPr marL="285750" indent="-285750">
-              <a:buFont typeface="Arial"/>
-              <a:buChar char="•"/>
-            </a:pPr>
-            <a:endParaRPr lang="en-US" dirty="0"/>
-          </a:p>
-        </p:txBody>
-      </p:sp>
-    </p:spTree>
-    <p:extLst>
-      <p:ext uri="{BB962C8B-B14F-4D97-AF65-F5344CB8AC3E}">
-        <p14:creationId xmlns:p14="http://schemas.microsoft.com/office/powerpoint/2010/main" val="1011711327"/>
       </p:ext>
     </p:extLst>
   </p:cSld>
@@ -7926,7 +8464,7 @@
         <p:cNvPr id="1" name="">
           <a:extLst>
             <a:ext uri="{FF2B5EF4-FFF2-40B4-BE49-F238E27FC236}">
-              <a16:creationId xmlns:a16="http://schemas.microsoft.com/office/drawing/2014/main" id="{3B408980-FBBC-7A54-8C20-F557E6D815AD}"/>
+              <a16:creationId xmlns:a16="http://schemas.microsoft.com/office/drawing/2014/main" id="{3C8685B8-E134-D22B-4CB4-CFA355B70D1E}"/>
             </a:ext>
           </a:extLst>
         </p:cNvPr>
@@ -7941,12 +8479,117 @@
           <a:chExt cx="0" cy="0"/>
         </a:xfrm>
       </p:grpSpPr>
+      <p:sp>
+        <p:nvSpPr>
+          <p:cNvPr id="4" name="TextBox 3">
+            <a:extLst>
+              <a:ext uri="{FF2B5EF4-FFF2-40B4-BE49-F238E27FC236}">
+                <a16:creationId xmlns:a16="http://schemas.microsoft.com/office/drawing/2014/main" id="{E5D960CE-C49C-891D-2540-B3135263F9D9}"/>
+              </a:ext>
+            </a:extLst>
+          </p:cNvPr>
+          <p:cNvSpPr txBox="1"/>
+          <p:nvPr/>
+        </p:nvSpPr>
+        <p:spPr>
+          <a:xfrm>
+            <a:off x="1016738" y="5661757"/>
+            <a:ext cx="10087438" cy="923330"/>
+          </a:xfrm>
+          <a:prstGeom prst="rect">
+            <a:avLst/>
+          </a:prstGeom>
+          <a:noFill/>
+        </p:spPr>
+        <p:txBody>
+          <a:bodyPr rot="0" spcFirstLastPara="0" vertOverflow="overflow" horzOverflow="overflow" vert="horz" wrap="square" lIns="91440" tIns="45720" rIns="91440" bIns="45720" numCol="1" spcCol="0" rtlCol="0" fromWordArt="0" anchor="t" anchorCtr="0" forceAA="0" compatLnSpc="1">
+            <a:prstTxWarp prst="textNoShape">
+              <a:avLst/>
+            </a:prstTxWarp>
+            <a:spAutoFit/>
+          </a:bodyPr>
+          <a:lstStyle/>
+          <a:p>
+            <a:r>
+              <a:rPr lang="en-US" dirty="0">
+                <a:latin typeface="Bierstadt"/>
+                <a:ea typeface="+mn-lt"/>
+                <a:cs typeface="+mn-lt"/>
+              </a:rPr>
+              <a:t>Based on Word2Vec similarity and the above plot, BC5CDR appears to capture disease and medication entities well, with a good emphasis on hypertension-related terms (e.g., </a:t>
+            </a:r>
+            <a:r>
+              <a:rPr lang="en-US" dirty="0">
+                <a:ea typeface="+mn-lt"/>
+                <a:cs typeface="+mn-lt"/>
+              </a:rPr>
+              <a:t>"hypertension," "hypertensive," "lisinopril" , "metoprolol" </a:t>
+            </a:r>
+            <a:r>
+              <a:rPr lang="en-US" dirty="0">
+                <a:latin typeface="Bierstadt"/>
+                <a:ea typeface="+mn-lt"/>
+                <a:cs typeface="+mn-lt"/>
+              </a:rPr>
+              <a:t>).</a:t>
+            </a:r>
+            <a:endParaRPr lang="en-US" dirty="0">
+              <a:latin typeface="Bierstadt"/>
+            </a:endParaRPr>
+          </a:p>
+        </p:txBody>
+      </p:sp>
+      <p:sp>
+        <p:nvSpPr>
+          <p:cNvPr id="6" name="TextBox 5">
+            <a:extLst>
+              <a:ext uri="{FF2B5EF4-FFF2-40B4-BE49-F238E27FC236}">
+                <a16:creationId xmlns:a16="http://schemas.microsoft.com/office/drawing/2014/main" id="{ACB7DEF3-36F2-B230-37BA-51622C3AA474}"/>
+              </a:ext>
+            </a:extLst>
+          </p:cNvPr>
+          <p:cNvSpPr txBox="1"/>
+          <p:nvPr/>
+        </p:nvSpPr>
+        <p:spPr>
+          <a:xfrm>
+            <a:off x="782073" y="232149"/>
+            <a:ext cx="2598762" cy="1754326"/>
+          </a:xfrm>
+          <a:prstGeom prst="rect">
+            <a:avLst/>
+          </a:prstGeom>
+          <a:noFill/>
+        </p:spPr>
+        <p:txBody>
+          <a:bodyPr rot="0" spcFirstLastPara="0" vertOverflow="overflow" horzOverflow="overflow" vert="horz" wrap="square" lIns="91440" tIns="45720" rIns="91440" bIns="45720" numCol="1" spcCol="0" rtlCol="0" fromWordArt="0" anchor="t" anchorCtr="0" forceAA="0" compatLnSpc="1">
+            <a:prstTxWarp prst="textNoShape">
+              <a:avLst/>
+            </a:prstTxWarp>
+            <a:spAutoFit/>
+          </a:bodyPr>
+          <a:lstStyle/>
+          <a:p>
+            <a:r>
+              <a:rPr lang="en-US" b="1" dirty="0">
+                <a:latin typeface="Aptos"/>
+                <a:ea typeface="+mn-lt"/>
+                <a:cs typeface="+mn-lt"/>
+              </a:rPr>
+              <a:t>t-SNE visualization of the top 100 words from Word2Vec (bc5cdr), with a limited word count for better label clarity.</a:t>
+            </a:r>
+            <a:endParaRPr lang="en-US" b="1" dirty="0">
+              <a:latin typeface="Bierstadt"/>
+            </a:endParaRPr>
+          </a:p>
+        </p:txBody>
+      </p:sp>
       <p:pic>
         <p:nvPicPr>
-          <p:cNvPr id="3" name="Picture 2">
+          <p:cNvPr id="2" name="Picture 1">
             <a:extLst>
               <a:ext uri="{FF2B5EF4-FFF2-40B4-BE49-F238E27FC236}">
-                <a16:creationId xmlns:a16="http://schemas.microsoft.com/office/drawing/2014/main" id="{4DE2A480-073F-868F-7B8B-87CC59EF8D4D}"/>
+                <a16:creationId xmlns:a16="http://schemas.microsoft.com/office/drawing/2014/main" id="{EBA64F53-F2C7-2C25-2068-F1C0F106720A}"/>
               </a:ext>
             </a:extLst>
           </p:cNvPr>
@@ -7963,8 +8606,68 @@
         </p:blipFill>
         <p:spPr>
           <a:xfrm>
-            <a:off x="4044273" y="167897"/>
-            <a:ext cx="7022301" cy="5346916"/>
+            <a:off x="3384007" y="229644"/>
+            <a:ext cx="7459464" cy="5375755"/>
+          </a:xfrm>
+          <a:prstGeom prst="rect">
+            <a:avLst/>
+          </a:prstGeom>
+        </p:spPr>
+      </p:pic>
+    </p:spTree>
+    <p:extLst>
+      <p:ext uri="{BB962C8B-B14F-4D97-AF65-F5344CB8AC3E}">
+        <p14:creationId xmlns:p14="http://schemas.microsoft.com/office/powerpoint/2010/main" val="3448998823"/>
+      </p:ext>
+    </p:extLst>
+  </p:cSld>
+  <p:clrMapOvr>
+    <a:masterClrMapping/>
+  </p:clrMapOvr>
+</p:sld>
+</file>
+
+<file path=ppt/slides/slide21.xml><?xml version="1.0" encoding="utf-8"?>
+<p:sld xmlns:a="http://schemas.openxmlformats.org/drawingml/2006/main" xmlns:r="http://schemas.openxmlformats.org/officeDocument/2006/relationships" xmlns:p="http://schemas.openxmlformats.org/presentationml/2006/main">
+  <p:cSld>
+    <p:spTree>
+      <p:nvGrpSpPr>
+        <p:cNvPr id="1" name=""/>
+        <p:cNvGrpSpPr/>
+        <p:nvPr/>
+      </p:nvGrpSpPr>
+      <p:grpSpPr>
+        <a:xfrm>
+          <a:off x="0" y="0"/>
+          <a:ext cx="0" cy="0"/>
+          <a:chOff x="0" y="0"/>
+          <a:chExt cx="0" cy="0"/>
+        </a:xfrm>
+      </p:grpSpPr>
+      <p:pic>
+        <p:nvPicPr>
+          <p:cNvPr id="2" name="Picture 1" descr="A screen shot of a graph&#10;&#10;AI-generated content may be incorrect.">
+            <a:extLst>
+              <a:ext uri="{FF2B5EF4-FFF2-40B4-BE49-F238E27FC236}">
+                <a16:creationId xmlns:a16="http://schemas.microsoft.com/office/drawing/2014/main" id="{E1B8295E-F6CC-1AC9-2CEC-EE05CF50BD9F}"/>
+              </a:ext>
+            </a:extLst>
+          </p:cNvPr>
+          <p:cNvPicPr>
+            <a:picLocks noChangeAspect="1"/>
+          </p:cNvPicPr>
+          <p:nvPr/>
+        </p:nvPicPr>
+        <p:blipFill>
+          <a:blip r:embed="rId2"/>
+          <a:stretch>
+            <a:fillRect/>
+          </a:stretch>
+        </p:blipFill>
+        <p:spPr>
+          <a:xfrm>
+            <a:off x="3753701" y="407095"/>
+            <a:ext cx="7795231" cy="6137755"/>
           </a:xfrm>
           <a:prstGeom prst="rect">
             <a:avLst/>
@@ -7976,7 +8679,7 @@
           <p:cNvPr id="5" name="TextBox 4">
             <a:extLst>
               <a:ext uri="{FF2B5EF4-FFF2-40B4-BE49-F238E27FC236}">
-                <a16:creationId xmlns:a16="http://schemas.microsoft.com/office/drawing/2014/main" id="{DCA8D939-737F-0B31-0F8F-1BAB13A91E83}"/>
+                <a16:creationId xmlns:a16="http://schemas.microsoft.com/office/drawing/2014/main" id="{6C0DB8FB-DB2D-3D23-0054-7151C8DD169E}"/>
               </a:ext>
             </a:extLst>
           </p:cNvPr>
@@ -7985,8 +8688,8 @@
         </p:nvSpPr>
         <p:spPr>
           <a:xfrm>
-            <a:off x="820819" y="374217"/>
-            <a:ext cx="2598762" cy="934888"/>
+            <a:off x="698566" y="409601"/>
+            <a:ext cx="2598762" cy="1477328"/>
           </a:xfrm>
           <a:prstGeom prst="rect">
             <a:avLst/>
@@ -8008,86 +8711,9 @@
                 <a:ea typeface="+mn-lt"/>
                 <a:cs typeface="+mn-lt"/>
               </a:rPr>
-              <a:t>t-SNE Visualization of Top 100 Words from Word2Vec (</a:t>
-            </a:r>
-            <a:r>
-              <a:rPr lang="en-US" b="1" dirty="0" err="1">
-                <a:latin typeface="Bierstadt"/>
-                <a:ea typeface="+mn-lt"/>
-                <a:cs typeface="+mn-lt"/>
-              </a:rPr>
-              <a:t>BlueBert</a:t>
-            </a:r>
-            <a:r>
-              <a:rPr lang="en-US" b="1" dirty="0">
-                <a:latin typeface="Bierstadt"/>
-                <a:ea typeface="+mn-lt"/>
-                <a:cs typeface="+mn-lt"/>
-              </a:rPr>
-              <a:t>)</a:t>
+              <a:t>t-SNE Visualization with Distance-Based Coloring Of  All Words from Word2Vec (bc5cdr)</a:t>
             </a:r>
             <a:endParaRPr lang="en-US" b="1" dirty="0">
-              <a:latin typeface="Bierstadt"/>
-            </a:endParaRPr>
-          </a:p>
-        </p:txBody>
-      </p:sp>
-      <p:sp>
-        <p:nvSpPr>
-          <p:cNvPr id="6" name="TextBox 5">
-            <a:extLst>
-              <a:ext uri="{FF2B5EF4-FFF2-40B4-BE49-F238E27FC236}">
-                <a16:creationId xmlns:a16="http://schemas.microsoft.com/office/drawing/2014/main" id="{4C9C151D-039A-42C2-C56A-22A625617EA3}"/>
-              </a:ext>
-            </a:extLst>
-          </p:cNvPr>
-          <p:cNvSpPr txBox="1"/>
-          <p:nvPr/>
-        </p:nvSpPr>
-        <p:spPr>
-          <a:xfrm>
-            <a:off x="1162064" y="5535948"/>
-            <a:ext cx="9990531" cy="646331"/>
-          </a:xfrm>
-          <a:prstGeom prst="rect">
-            <a:avLst/>
-          </a:prstGeom>
-          <a:noFill/>
-        </p:spPr>
-        <p:txBody>
-          <a:bodyPr rot="0" spcFirstLastPara="0" vertOverflow="overflow" horzOverflow="overflow" vert="horz" wrap="square" lIns="91440" tIns="45720" rIns="91440" bIns="45720" numCol="1" spcCol="0" rtlCol="0" fromWordArt="0" anchor="t" anchorCtr="0" forceAA="0" compatLnSpc="1">
-            <a:prstTxWarp prst="textNoShape">
-              <a:avLst/>
-            </a:prstTxWarp>
-            <a:spAutoFit/>
-          </a:bodyPr>
-          <a:lstStyle/>
-          <a:p>
-            <a:r>
-              <a:rPr lang="en-US" dirty="0">
-                <a:latin typeface="Bierstadt"/>
-                <a:ea typeface="+mn-lt"/>
-                <a:cs typeface="+mn-lt"/>
-              </a:rPr>
-              <a:t>Based on Word2Vec similarity and the above plot, </a:t>
-            </a:r>
-            <a:r>
-              <a:rPr lang="en-US" err="1">
-                <a:latin typeface="Bierstadt"/>
-                <a:ea typeface="+mn-lt"/>
-                <a:cs typeface="+mn-lt"/>
-              </a:rPr>
-              <a:t>BlueBert</a:t>
-            </a:r>
-            <a:r>
-              <a:rPr lang="en-US" dirty="0">
-                <a:latin typeface="Bierstadt"/>
-                <a:ea typeface="+mn-lt"/>
-                <a:cs typeface="+mn-lt"/>
-              </a:rPr>
-              <a:t> appears to capture medical terms(e.g., Labetalol, hypertension, hemodialysis ).</a:t>
-            </a:r>
-            <a:endParaRPr lang="en-US" dirty="0">
               <a:latin typeface="Bierstadt"/>
             </a:endParaRPr>
           </a:p>
@@ -8096,7 +8722,7 @@
     </p:spTree>
     <p:extLst>
       <p:ext uri="{BB962C8B-B14F-4D97-AF65-F5344CB8AC3E}">
-        <p14:creationId xmlns:p14="http://schemas.microsoft.com/office/powerpoint/2010/main" val="4089274463"/>
+        <p14:creationId xmlns:p14="http://schemas.microsoft.com/office/powerpoint/2010/main" val="1651048556"/>
       </p:ext>
     </p:extLst>
   </p:cSld>
@@ -8106,7 +8732,7 @@
 </p:sld>
 </file>
 
-<file path=ppt/slides/slide21.xml><?xml version="1.0" encoding="utf-8"?>
+<file path=ppt/slides/slide22.xml><?xml version="1.0" encoding="utf-8"?>
 <p:sld xmlns:a="http://schemas.openxmlformats.org/drawingml/2006/main" xmlns:r="http://schemas.openxmlformats.org/officeDocument/2006/relationships" xmlns:p="http://schemas.openxmlformats.org/presentationml/2006/main">
   <p:cSld>
     <p:bg>
@@ -8421,7 +9047,7 @@
 </p:sld>
 </file>
 
-<file path=ppt/slides/slide22.xml><?xml version="1.0" encoding="utf-8"?>
+<file path=ppt/slides/slide23.xml><?xml version="1.0" encoding="utf-8"?>
 <p:sld xmlns:a="http://schemas.openxmlformats.org/drawingml/2006/main" xmlns:r="http://schemas.openxmlformats.org/officeDocument/2006/relationships" xmlns:p="http://schemas.openxmlformats.org/presentationml/2006/main">
   <p:cSld>
     <p:spTree>
@@ -8500,36 +9126,6 @@
           </a:p>
         </p:txBody>
       </p:sp>
-      <p:pic>
-        <p:nvPicPr>
-          <p:cNvPr id="3" name="Picture 2" descr="A screenshot of a computer program&#10;&#10;AI-generated content may be incorrect.">
-            <a:extLst>
-              <a:ext uri="{FF2B5EF4-FFF2-40B4-BE49-F238E27FC236}">
-                <a16:creationId xmlns:a16="http://schemas.microsoft.com/office/drawing/2014/main" id="{D23EE623-FF6D-98D8-3F69-157B2403DFF2}"/>
-              </a:ext>
-            </a:extLst>
-          </p:cNvPr>
-          <p:cNvPicPr>
-            <a:picLocks noChangeAspect="1"/>
-          </p:cNvPicPr>
-          <p:nvPr/>
-        </p:nvPicPr>
-        <p:blipFill>
-          <a:blip r:embed="rId2"/>
-          <a:stretch>
-            <a:fillRect/>
-          </a:stretch>
-        </p:blipFill>
-        <p:spPr>
-          <a:xfrm>
-            <a:off x="834648" y="1241237"/>
-            <a:ext cx="3961756" cy="5615391"/>
-          </a:xfrm>
-          <a:prstGeom prst="rect">
-            <a:avLst/>
-          </a:prstGeom>
-        </p:spPr>
-      </p:pic>
       <p:sp>
         <p:nvSpPr>
           <p:cNvPr id="7" name="TextBox 13">
@@ -8842,6 +9438,36 @@
           </a:p>
         </p:txBody>
       </p:sp>
+      <p:pic>
+        <p:nvPicPr>
+          <p:cNvPr id="4" name="Picture 3" descr="A screenshot of a computer program&#10;&#10;AI-generated content may be incorrect.">
+            <a:extLst>
+              <a:ext uri="{FF2B5EF4-FFF2-40B4-BE49-F238E27FC236}">
+                <a16:creationId xmlns:a16="http://schemas.microsoft.com/office/drawing/2014/main" id="{6CD83FFA-A9D3-D8AD-3DC4-B38298D689FA}"/>
+              </a:ext>
+            </a:extLst>
+          </p:cNvPr>
+          <p:cNvPicPr>
+            <a:picLocks noChangeAspect="1"/>
+          </p:cNvPicPr>
+          <p:nvPr/>
+        </p:nvPicPr>
+        <p:blipFill>
+          <a:blip r:embed="rId2"/>
+          <a:stretch>
+            <a:fillRect/>
+          </a:stretch>
+        </p:blipFill>
+        <p:spPr>
+          <a:xfrm>
+            <a:off x="547020" y="1242164"/>
+            <a:ext cx="4396537" cy="5584521"/>
+          </a:xfrm>
+          <a:prstGeom prst="rect">
+            <a:avLst/>
+          </a:prstGeom>
+        </p:spPr>
+      </p:pic>
     </p:spTree>
     <p:extLst>
       <p:ext uri="{BB962C8B-B14F-4D97-AF65-F5344CB8AC3E}">
@@ -8855,7 +9481,7 @@
 </p:sld>
 </file>
 
-<file path=ppt/slides/slide23.xml><?xml version="1.0" encoding="utf-8"?>
+<file path=ppt/slides/slide24.xml><?xml version="1.0" encoding="utf-8"?>
 <p:sld xmlns:a="http://schemas.openxmlformats.org/drawingml/2006/main" xmlns:r="http://schemas.openxmlformats.org/officeDocument/2006/relationships" xmlns:p="http://schemas.openxmlformats.org/presentationml/2006/main">
   <p:cSld>
     <p:spTree>
@@ -8878,36 +9504,6 @@
           <a:chExt cx="0" cy="0"/>
         </a:xfrm>
       </p:grpSpPr>
-      <p:pic>
-        <p:nvPicPr>
-          <p:cNvPr id="4" name="Picture 3" descr="A white background with black text&#10;&#10;AI-generated content may be incorrect.">
-            <a:extLst>
-              <a:ext uri="{FF2B5EF4-FFF2-40B4-BE49-F238E27FC236}">
-                <a16:creationId xmlns:a16="http://schemas.microsoft.com/office/drawing/2014/main" id="{56A155E0-0B4D-1044-092D-1B88C3FB4821}"/>
-              </a:ext>
-            </a:extLst>
-          </p:cNvPr>
-          <p:cNvPicPr>
-            <a:picLocks noChangeAspect="1"/>
-          </p:cNvPicPr>
-          <p:nvPr/>
-        </p:nvPicPr>
-        <p:blipFill>
-          <a:blip r:embed="rId2"/>
-          <a:stretch>
-            <a:fillRect/>
-          </a:stretch>
-        </p:blipFill>
-        <p:spPr>
-          <a:xfrm>
-            <a:off x="668284" y="1080764"/>
-            <a:ext cx="4371975" cy="847725"/>
-          </a:xfrm>
-          <a:prstGeom prst="rect">
-            <a:avLst/>
-          </a:prstGeom>
-        </p:spPr>
-      </p:pic>
       <p:sp>
         <p:nvSpPr>
           <p:cNvPr id="6" name="Title 1">
@@ -8968,10 +9564,40 @@
       </p:sp>
       <p:pic>
         <p:nvPicPr>
-          <p:cNvPr id="2" name="Picture 1" descr="A screenshot of a computer&#10;&#10;AI-generated content may be incorrect.">
+          <p:cNvPr id="3" name="Picture 2" descr="A screen shot of a computer&#10;&#10;AI-generated content may be incorrect.">
             <a:extLst>
               <a:ext uri="{FF2B5EF4-FFF2-40B4-BE49-F238E27FC236}">
-                <a16:creationId xmlns:a16="http://schemas.microsoft.com/office/drawing/2014/main" id="{7F55D85F-9108-8225-4814-44BECD537ABE}"/>
+                <a16:creationId xmlns:a16="http://schemas.microsoft.com/office/drawing/2014/main" id="{F5085DC3-17B8-AD50-4F4C-D1C3D549F90E}"/>
+              </a:ext>
+            </a:extLst>
+          </p:cNvPr>
+          <p:cNvPicPr>
+            <a:picLocks noChangeAspect="1"/>
+          </p:cNvPicPr>
+          <p:nvPr/>
+        </p:nvPicPr>
+        <p:blipFill>
+          <a:blip r:embed="rId2"/>
+          <a:stretch>
+            <a:fillRect/>
+          </a:stretch>
+        </p:blipFill>
+        <p:spPr>
+          <a:xfrm>
+            <a:off x="675362" y="937559"/>
+            <a:ext cx="4192044" cy="1131127"/>
+          </a:xfrm>
+          <a:prstGeom prst="rect">
+            <a:avLst/>
+          </a:prstGeom>
+        </p:spPr>
+      </p:pic>
+      <p:pic>
+        <p:nvPicPr>
+          <p:cNvPr id="5" name="Picture 4" descr="A screenshot of a computer&#10;&#10;AI-generated content may be incorrect.">
+            <a:extLst>
+              <a:ext uri="{FF2B5EF4-FFF2-40B4-BE49-F238E27FC236}">
+                <a16:creationId xmlns:a16="http://schemas.microsoft.com/office/drawing/2014/main" id="{CB4A5358-14ED-527D-F661-2CD7C800E862}"/>
               </a:ext>
             </a:extLst>
           </p:cNvPr>
@@ -8988,8 +9614,8 @@
         </p:blipFill>
         <p:spPr>
           <a:xfrm>
-            <a:off x="671593" y="2070168"/>
-            <a:ext cx="11378339" cy="4784106"/>
+            <a:off x="688932" y="2208632"/>
+            <a:ext cx="10814138" cy="4653666"/>
           </a:xfrm>
           <a:prstGeom prst="rect">
             <a:avLst/>
@@ -9009,7 +9635,7 @@
 </p:sld>
 </file>
 
-<file path=ppt/slides/slide24.xml><?xml version="1.0" encoding="utf-8"?>
+<file path=ppt/slides/slide25.xml><?xml version="1.0" encoding="utf-8"?>
 <p:sld xmlns:a="http://schemas.openxmlformats.org/drawingml/2006/main" xmlns:r="http://schemas.openxmlformats.org/officeDocument/2006/relationships" xmlns:p="http://schemas.openxmlformats.org/presentationml/2006/main">
   <p:cSld>
     <p:spTree>
@@ -9032,12 +9658,120 @@
           <a:chExt cx="0" cy="0"/>
         </a:xfrm>
       </p:grpSpPr>
+      <p:sp>
+        <p:nvSpPr>
+          <p:cNvPr id="7" name="TextBox 6">
+            <a:extLst>
+              <a:ext uri="{FF2B5EF4-FFF2-40B4-BE49-F238E27FC236}">
+                <a16:creationId xmlns:a16="http://schemas.microsoft.com/office/drawing/2014/main" id="{5A9EF556-D477-5E15-BF60-9A68238E173D}"/>
+              </a:ext>
+            </a:extLst>
+          </p:cNvPr>
+          <p:cNvSpPr txBox="1"/>
+          <p:nvPr/>
+        </p:nvSpPr>
+        <p:spPr>
+          <a:xfrm>
+            <a:off x="820819" y="219234"/>
+            <a:ext cx="3099803" cy="1477328"/>
+          </a:xfrm>
+          <a:prstGeom prst="rect">
+            <a:avLst/>
+          </a:prstGeom>
+          <a:noFill/>
+        </p:spPr>
+        <p:txBody>
+          <a:bodyPr rot="0" spcFirstLastPara="0" vertOverflow="overflow" horzOverflow="overflow" vert="horz" wrap="square" lIns="91440" tIns="45720" rIns="91440" bIns="45720" numCol="1" spcCol="0" rtlCol="0" fromWordArt="0" anchor="t" anchorCtr="0" forceAA="0" compatLnSpc="1">
+            <a:prstTxWarp prst="textNoShape">
+              <a:avLst/>
+            </a:prstTxWarp>
+            <a:spAutoFit/>
+          </a:bodyPr>
+          <a:lstStyle/>
+          <a:p>
+            <a:r>
+              <a:rPr lang="en-US" b="1" dirty="0">
+                <a:latin typeface="Aptos"/>
+              </a:rPr>
+              <a:t>t-SNE visualization of the top 100 words from Word2Vec (</a:t>
+            </a:r>
+            <a:r>
+              <a:rPr lang="en-US" b="1" dirty="0" err="1">
+                <a:latin typeface="Aptos"/>
+              </a:rPr>
+              <a:t>MedSpaCy</a:t>
+            </a:r>
+            <a:r>
+              <a:rPr lang="en-US" b="1" dirty="0">
+                <a:latin typeface="Aptos"/>
+              </a:rPr>
+              <a:t>), with a limited word count for better label clarity.</a:t>
+            </a:r>
+            <a:endParaRPr lang="en-US" dirty="0"/>
+          </a:p>
+        </p:txBody>
+      </p:sp>
+      <p:sp>
+        <p:nvSpPr>
+          <p:cNvPr id="8" name="TextBox 7">
+            <a:extLst>
+              <a:ext uri="{FF2B5EF4-FFF2-40B4-BE49-F238E27FC236}">
+                <a16:creationId xmlns:a16="http://schemas.microsoft.com/office/drawing/2014/main" id="{A8A4F6F9-7363-1DCA-93D8-DFF5A81B0A0D}"/>
+              </a:ext>
+            </a:extLst>
+          </p:cNvPr>
+          <p:cNvSpPr txBox="1"/>
+          <p:nvPr/>
+        </p:nvSpPr>
+        <p:spPr>
+          <a:xfrm>
+            <a:off x="6821092" y="4226720"/>
+            <a:ext cx="5338812" cy="2308324"/>
+          </a:xfrm>
+          <a:prstGeom prst="rect">
+            <a:avLst/>
+          </a:prstGeom>
+          <a:noFill/>
+        </p:spPr>
+        <p:txBody>
+          <a:bodyPr rot="0" spcFirstLastPara="0" vertOverflow="overflow" horzOverflow="overflow" vert="horz" wrap="square" lIns="91440" tIns="45720" rIns="91440" bIns="45720" numCol="1" spcCol="0" rtlCol="0" fromWordArt="0" anchor="t" anchorCtr="0" forceAA="0" compatLnSpc="1">
+            <a:prstTxWarp prst="textNoShape">
+              <a:avLst/>
+            </a:prstTxWarp>
+            <a:spAutoFit/>
+          </a:bodyPr>
+          <a:lstStyle/>
+          <a:p>
+            <a:r>
+              <a:rPr lang="en-US" dirty="0">
+                <a:ea typeface="+mn-lt"/>
+                <a:cs typeface="+mn-lt"/>
+              </a:rPr>
+              <a:t>Based on the plot, </a:t>
+            </a:r>
+            <a:r>
+              <a:rPr lang="en-US" dirty="0" err="1">
+                <a:ea typeface="+mn-lt"/>
+                <a:cs typeface="+mn-lt"/>
+              </a:rPr>
+              <a:t>MedSpaCy</a:t>
+            </a:r>
+            <a:r>
+              <a:rPr lang="en-US" dirty="0">
+                <a:ea typeface="+mn-lt"/>
+                <a:cs typeface="+mn-lt"/>
+              </a:rPr>
+              <a:t> effectively identifies and clusters terms associated with hypertension (e.g., Hypertension, Lisinopril, Labetalol, SBP, Clonidine, Headache, and Nausea). This suggests that the model is successfully recognizing and extracting a diverse range of hypertension-related entities, including medications, symptoms, and conditions, from the clinical text.</a:t>
+            </a:r>
+          </a:p>
+        </p:txBody>
+      </p:sp>
       <p:pic>
         <p:nvPicPr>
-          <p:cNvPr id="4" name="Picture 3">
+          <p:cNvPr id="2" name="Picture 1" descr="A screenshot of a computer program&#10;&#10;AI-generated content may be incorrect.">
             <a:extLst>
               <a:ext uri="{FF2B5EF4-FFF2-40B4-BE49-F238E27FC236}">
-                <a16:creationId xmlns:a16="http://schemas.microsoft.com/office/drawing/2014/main" id="{6915D7B8-94D5-E430-270F-5C0C0810A7C3}"/>
+                <a16:creationId xmlns:a16="http://schemas.microsoft.com/office/drawing/2014/main" id="{F3A9AF89-4DB1-7E9E-21A1-D04976810492}"/>
               </a:ext>
             </a:extLst>
           </p:cNvPr>
@@ -9054,8 +9788,8 @@
         </p:blipFill>
         <p:spPr>
           <a:xfrm>
-            <a:off x="736321" y="1575661"/>
-            <a:ext cx="6728545" cy="5127356"/>
+            <a:off x="6857674" y="214246"/>
+            <a:ext cx="5157201" cy="1471288"/>
           </a:xfrm>
           <a:prstGeom prst="rect">
             <a:avLst/>
@@ -9064,10 +9798,10 @@
       </p:pic>
       <p:pic>
         <p:nvPicPr>
-          <p:cNvPr id="5" name="Picture 4" descr="A screenshot of a computer code&#10;&#10;AI-generated content may be incorrect.">
+          <p:cNvPr id="3" name="Picture 2">
             <a:extLst>
               <a:ext uri="{FF2B5EF4-FFF2-40B4-BE49-F238E27FC236}">
-                <a16:creationId xmlns:a16="http://schemas.microsoft.com/office/drawing/2014/main" id="{DEC870B2-D6AD-5FA1-C568-D74FA75A367F}"/>
+                <a16:creationId xmlns:a16="http://schemas.microsoft.com/office/drawing/2014/main" id="{AD3A7F33-7869-4634-9491-0459A1F742C4}"/>
               </a:ext>
             </a:extLst>
           </p:cNvPr>
@@ -9084,8 +9818,68 @@
         </p:blipFill>
         <p:spPr>
           <a:xfrm>
-            <a:off x="5523369" y="217298"/>
-            <a:ext cx="5962651" cy="1115233"/>
+            <a:off x="-3666" y="1732765"/>
+            <a:ext cx="6834019" cy="4989536"/>
+          </a:xfrm>
+          <a:prstGeom prst="rect">
+            <a:avLst/>
+          </a:prstGeom>
+        </p:spPr>
+      </p:pic>
+    </p:spTree>
+    <p:extLst>
+      <p:ext uri="{BB962C8B-B14F-4D97-AF65-F5344CB8AC3E}">
+        <p14:creationId xmlns:p14="http://schemas.microsoft.com/office/powerpoint/2010/main" val="545229355"/>
+      </p:ext>
+    </p:extLst>
+  </p:cSld>
+  <p:clrMapOvr>
+    <a:masterClrMapping/>
+  </p:clrMapOvr>
+</p:sld>
+</file>
+
+<file path=ppt/slides/slide26.xml><?xml version="1.0" encoding="utf-8"?>
+<p:sld xmlns:a="http://schemas.openxmlformats.org/drawingml/2006/main" xmlns:r="http://schemas.openxmlformats.org/officeDocument/2006/relationships" xmlns:p="http://schemas.openxmlformats.org/presentationml/2006/main">
+  <p:cSld>
+    <p:spTree>
+      <p:nvGrpSpPr>
+        <p:cNvPr id="1" name=""/>
+        <p:cNvGrpSpPr/>
+        <p:nvPr/>
+      </p:nvGrpSpPr>
+      <p:grpSpPr>
+        <a:xfrm>
+          <a:off x="0" y="0"/>
+          <a:ext cx="0" cy="0"/>
+          <a:chOff x="0" y="0"/>
+          <a:chExt cx="0" cy="0"/>
+        </a:xfrm>
+      </p:grpSpPr>
+      <p:pic>
+        <p:nvPicPr>
+          <p:cNvPr id="3" name="Picture 2" descr="A screen shot of a graph&#10;&#10;AI-generated content may be incorrect.">
+            <a:extLst>
+              <a:ext uri="{FF2B5EF4-FFF2-40B4-BE49-F238E27FC236}">
+                <a16:creationId xmlns:a16="http://schemas.microsoft.com/office/drawing/2014/main" id="{F6EFB754-2A0F-8DF4-5B42-B4C7E09EC555}"/>
+              </a:ext>
+            </a:extLst>
+          </p:cNvPr>
+          <p:cNvPicPr>
+            <a:picLocks noChangeAspect="1"/>
+          </p:cNvPicPr>
+          <p:nvPr/>
+        </p:nvPicPr>
+        <p:blipFill>
+          <a:blip r:embed="rId2"/>
+          <a:stretch>
+            <a:fillRect/>
+          </a:stretch>
+        </p:blipFill>
+        <p:spPr>
+          <a:xfrm>
+            <a:off x="3856320" y="466985"/>
+            <a:ext cx="7506483" cy="5548247"/>
           </a:xfrm>
           <a:prstGeom prst="rect">
             <a:avLst/>
@@ -9094,10 +9888,10 @@
       </p:pic>
       <p:sp>
         <p:nvSpPr>
-          <p:cNvPr id="7" name="TextBox 6">
+          <p:cNvPr id="5" name="TextBox 4">
             <a:extLst>
               <a:ext uri="{FF2B5EF4-FFF2-40B4-BE49-F238E27FC236}">
-                <a16:creationId xmlns:a16="http://schemas.microsoft.com/office/drawing/2014/main" id="{5A9EF556-D477-5E15-BF60-9A68238E173D}"/>
+                <a16:creationId xmlns:a16="http://schemas.microsoft.com/office/drawing/2014/main" id="{173C785B-6646-7DC5-3998-57C06E85A6F3}"/>
               </a:ext>
             </a:extLst>
           </p:cNvPr>
@@ -9106,8 +9900,8 @@
         </p:nvSpPr>
         <p:spPr>
           <a:xfrm>
-            <a:off x="820819" y="219234"/>
-            <a:ext cx="2598762" cy="934888"/>
+            <a:off x="698566" y="409601"/>
+            <a:ext cx="2598762" cy="1754326"/>
           </a:xfrm>
           <a:prstGeom prst="rect">
             <a:avLst/>
@@ -9129,7 +9923,7 @@
                 <a:ea typeface="+mn-lt"/>
                 <a:cs typeface="+mn-lt"/>
               </a:rPr>
-              <a:t>t-SNE Visualization of Top 100 Words from Word2Vec (</a:t>
+              <a:t>t-SNE Visualization with Distance-Based Coloring Of  All Words from Word2Vec (</a:t>
             </a:r>
             <a:r>
               <a:rPr lang="en-US" b="1" dirty="0" err="1">
@@ -9137,7 +9931,7 @@
                 <a:ea typeface="+mn-lt"/>
                 <a:cs typeface="+mn-lt"/>
               </a:rPr>
-              <a:t>MedSpacy</a:t>
+              <a:t>MedSpaCy</a:t>
             </a:r>
             <a:r>
               <a:rPr lang="en-US" b="1" dirty="0">
@@ -9147,18 +9941,480 @@
               </a:rPr>
               <a:t>)</a:t>
             </a:r>
-            <a:endParaRPr lang="en-US" b="1" dirty="0">
+            <a:endParaRPr lang="en-US" dirty="0">
+              <a:latin typeface="Bierstadt"/>
+              <a:ea typeface="+mn-lt"/>
+              <a:cs typeface="+mn-lt"/>
+            </a:endParaRPr>
+          </a:p>
+          <a:p>
+            <a:endParaRPr lang="en-US" b="1">
               <a:latin typeface="Bierstadt"/>
             </a:endParaRPr>
+          </a:p>
+        </p:txBody>
+      </p:sp>
+    </p:spTree>
+    <p:extLst>
+      <p:ext uri="{BB962C8B-B14F-4D97-AF65-F5344CB8AC3E}">
+        <p14:creationId xmlns:p14="http://schemas.microsoft.com/office/powerpoint/2010/main" val="4049443693"/>
+      </p:ext>
+    </p:extLst>
+  </p:cSld>
+  <p:clrMapOvr>
+    <a:masterClrMapping/>
+  </p:clrMapOvr>
+</p:sld>
+</file>
+
+<file path=ppt/slides/slide27.xml><?xml version="1.0" encoding="utf-8"?>
+<p:sld xmlns:a="http://schemas.openxmlformats.org/drawingml/2006/main" xmlns:r="http://schemas.openxmlformats.org/officeDocument/2006/relationships" xmlns:p="http://schemas.openxmlformats.org/presentationml/2006/main">
+  <p:cSld>
+    <p:bg>
+      <p:bgPr>
+        <a:solidFill>
+          <a:schemeClr val="bg1"/>
+        </a:solidFill>
+        <a:effectLst/>
+      </p:bgPr>
+    </p:bg>
+    <p:spTree>
+      <p:nvGrpSpPr>
+        <p:cNvPr id="1" name="">
+          <a:extLst>
+            <a:ext uri="{FF2B5EF4-FFF2-40B4-BE49-F238E27FC236}">
+              <a16:creationId xmlns:a16="http://schemas.microsoft.com/office/drawing/2014/main" id="{2C998C14-DFC6-3251-EB2D-65CD470EC1F8}"/>
+            </a:ext>
+          </a:extLst>
+        </p:cNvPr>
+        <p:cNvGrpSpPr/>
+        <p:nvPr/>
+      </p:nvGrpSpPr>
+      <p:grpSpPr>
+        <a:xfrm>
+          <a:off x="0" y="0"/>
+          <a:ext cx="0" cy="0"/>
+          <a:chOff x="0" y="0"/>
+          <a:chExt cx="0" cy="0"/>
+        </a:xfrm>
+      </p:grpSpPr>
+      <p:sp useBgFill="1">
+        <p:nvSpPr>
+          <p:cNvPr id="27" name="Rectangle 26">
+            <a:extLst>
+              <a:ext uri="{FF2B5EF4-FFF2-40B4-BE49-F238E27FC236}">
+                <a16:creationId xmlns:a16="http://schemas.microsoft.com/office/drawing/2014/main" id="{D47AAAA7-1FF9-6F00-9412-3047CA044150}"/>
+              </a:ext>
+              <a:ext uri="{C183D7F6-B498-43B3-948B-1728B52AA6E4}">
+                <adec:decorative xmlns:adec="http://schemas.microsoft.com/office/drawing/2017/decorative" val="1"/>
+              </a:ext>
+            </a:extLst>
+          </p:cNvPr>
+          <p:cNvSpPr>
+            <a:spLocks noGrp="1" noRot="1" noChangeAspect="1" noMove="1" noResize="1" noEditPoints="1" noAdjustHandles="1" noChangeArrowheads="1" noChangeShapeType="1" noTextEdit="1"/>
+          </p:cNvSpPr>
+          <p:nvPr>
+            <p:extLst>
+              <p:ext uri="{386F3935-93C4-4BCD-93E2-E3B085C9AB24}">
+                <p16:designElem xmlns:p16="http://schemas.microsoft.com/office/powerpoint/2015/main" val="1"/>
+              </p:ext>
+            </p:extLst>
+          </p:nvPr>
+        </p:nvSpPr>
+        <p:spPr>
+          <a:xfrm>
+            <a:off x="0" y="0"/>
+            <a:ext cx="12192000" cy="6858000"/>
+          </a:xfrm>
+          <a:prstGeom prst="rect">
+            <a:avLst/>
+          </a:prstGeom>
+          <a:ln>
+            <a:noFill/>
+          </a:ln>
+        </p:spPr>
+        <p:style>
+          <a:lnRef idx="2">
+            <a:schemeClr val="accent1">
+              <a:shade val="50000"/>
+            </a:schemeClr>
+          </a:lnRef>
+          <a:fillRef idx="1">
+            <a:schemeClr val="accent1"/>
+          </a:fillRef>
+          <a:effectRef idx="0">
+            <a:schemeClr val="accent1"/>
+          </a:effectRef>
+          <a:fontRef idx="minor">
+            <a:schemeClr val="lt1"/>
+          </a:fontRef>
+        </p:style>
+        <p:txBody>
+          <a:bodyPr rtlCol="0" anchor="ctr"/>
+          <a:lstStyle/>
+          <a:p>
+            <a:pPr algn="ctr"/>
+            <a:endParaRPr lang="en-US"/>
           </a:p>
         </p:txBody>
       </p:sp>
       <p:sp>
         <p:nvSpPr>
-          <p:cNvPr id="8" name="TextBox 7">
+          <p:cNvPr id="2" name="Title 1">
             <a:extLst>
               <a:ext uri="{FF2B5EF4-FFF2-40B4-BE49-F238E27FC236}">
-                <a16:creationId xmlns:a16="http://schemas.microsoft.com/office/drawing/2014/main" id="{A8A4F6F9-7363-1DCA-93D8-DFF5A81B0A0D}"/>
+                <a16:creationId xmlns:a16="http://schemas.microsoft.com/office/drawing/2014/main" id="{CCF9829C-E10A-B384-F2F0-0B6AB9A786F0}"/>
+              </a:ext>
+            </a:extLst>
+          </p:cNvPr>
+          <p:cNvSpPr>
+            <a:spLocks noGrp="1"/>
+          </p:cNvSpPr>
+          <p:nvPr>
+            <p:ph type="title"/>
+          </p:nvPr>
+        </p:nvSpPr>
+        <p:spPr>
+          <a:xfrm>
+            <a:off x="558210" y="1365472"/>
+            <a:ext cx="10978470" cy="3564636"/>
+          </a:xfrm>
+        </p:spPr>
+        <p:txBody>
+          <a:bodyPr vert="horz" lIns="91440" tIns="45720" rIns="91440" bIns="45720" rtlCol="0" anchor="ctr">
+            <a:normAutofit/>
+          </a:bodyPr>
+          <a:lstStyle/>
+          <a:p>
+            <a:r>
+              <a:rPr lang="en-US" sz="4000" err="1">
+                <a:solidFill>
+                  <a:srgbClr val="000000"/>
+                </a:solidFill>
+                <a:latin typeface="Bierstadt"/>
+                <a:ea typeface="+mj-lt"/>
+                <a:cs typeface="+mj-lt"/>
+              </a:rPr>
+              <a:t>BlueBert</a:t>
+            </a:r>
+            <a:endParaRPr lang="en-US" err="1">
+              <a:latin typeface="Bierstadt"/>
+            </a:endParaRPr>
+          </a:p>
+          <a:p>
+            <a:endParaRPr lang="en-US" sz="4000" dirty="0"/>
+          </a:p>
+        </p:txBody>
+      </p:sp>
+      <p:sp>
+        <p:nvSpPr>
+          <p:cNvPr id="28" name="Rectangle 27">
+            <a:extLst>
+              <a:ext uri="{FF2B5EF4-FFF2-40B4-BE49-F238E27FC236}">
+                <a16:creationId xmlns:a16="http://schemas.microsoft.com/office/drawing/2014/main" id="{5D99C476-FD22-38F7-1498-0270BC1333B0}"/>
+              </a:ext>
+              <a:ext uri="{C183D7F6-B498-43B3-948B-1728B52AA6E4}">
+                <adec:decorative xmlns:adec="http://schemas.microsoft.com/office/drawing/2017/decorative" val="1"/>
+              </a:ext>
+            </a:extLst>
+          </p:cNvPr>
+          <p:cNvSpPr>
+            <a:spLocks noGrp="1" noRot="1" noChangeAspect="1" noMove="1" noResize="1" noEditPoints="1" noAdjustHandles="1" noChangeArrowheads="1" noChangeShapeType="1" noTextEdit="1"/>
+          </p:cNvSpPr>
+          <p:nvPr>
+            <p:extLst>
+              <p:ext uri="{386F3935-93C4-4BCD-93E2-E3B085C9AB24}">
+                <p16:designElem xmlns:p16="http://schemas.microsoft.com/office/powerpoint/2015/main" val="1"/>
+              </p:ext>
+            </p:extLst>
+          </p:nvPr>
+        </p:nvSpPr>
+        <p:spPr>
+          <a:xfrm>
+            <a:off x="0" y="1913350"/>
+            <a:ext cx="128016" cy="2468880"/>
+          </a:xfrm>
+          <a:prstGeom prst="rect">
+            <a:avLst/>
+          </a:prstGeom>
+          <a:solidFill>
+            <a:schemeClr val="accent2"/>
+          </a:solidFill>
+          <a:ln>
+            <a:noFill/>
+          </a:ln>
+        </p:spPr>
+        <p:style>
+          <a:lnRef idx="2">
+            <a:schemeClr val="accent1">
+              <a:shade val="50000"/>
+            </a:schemeClr>
+          </a:lnRef>
+          <a:fillRef idx="1">
+            <a:schemeClr val="accent1"/>
+          </a:fillRef>
+          <a:effectRef idx="0">
+            <a:schemeClr val="accent1"/>
+          </a:effectRef>
+          <a:fontRef idx="minor">
+            <a:schemeClr val="lt1"/>
+          </a:fontRef>
+        </p:style>
+        <p:txBody>
+          <a:bodyPr rtlCol="0" anchor="ctr"/>
+          <a:lstStyle/>
+          <a:p>
+            <a:pPr marL="0" marR="0" lvl="0" indent="0" algn="ctr" defTabSz="914400" rtl="0" eaLnBrk="1" fontAlgn="auto" latinLnBrk="0" hangingPunct="1">
+              <a:lnSpc>
+                <a:spcPct val="100000"/>
+              </a:lnSpc>
+              <a:spcBef>
+                <a:spcPts val="0"/>
+              </a:spcBef>
+              <a:spcAft>
+                <a:spcPts val="0"/>
+              </a:spcAft>
+              <a:buClrTx/>
+              <a:buSzTx/>
+              <a:buFontTx/>
+              <a:buNone/>
+              <a:tabLst/>
+              <a:defRPr/>
+            </a:pPr>
+            <a:endParaRPr kumimoji="0" lang="en-US" sz="1800" b="0" i="0" u="none" strike="noStrike" kern="1200" cap="none" spc="0" normalizeH="0" baseline="0" noProof="0" dirty="0">
+              <a:ln>
+                <a:noFill/>
+              </a:ln>
+              <a:solidFill>
+                <a:prstClr val="white"/>
+              </a:solidFill>
+              <a:effectLst/>
+              <a:uLnTx/>
+              <a:uFillTx/>
+              <a:latin typeface="Calibri" panose="020F0502020204030204"/>
+              <a:ea typeface="+mn-ea"/>
+              <a:cs typeface="+mn-cs"/>
+            </a:endParaRPr>
+          </a:p>
+        </p:txBody>
+      </p:sp>
+      <p:sp>
+        <p:nvSpPr>
+          <p:cNvPr id="29" name="Rectangle 28">
+            <a:extLst>
+              <a:ext uri="{FF2B5EF4-FFF2-40B4-BE49-F238E27FC236}">
+                <a16:creationId xmlns:a16="http://schemas.microsoft.com/office/drawing/2014/main" id="{779A8FC9-105B-8814-7823-973823C6C237}"/>
+              </a:ext>
+              <a:ext uri="{C183D7F6-B498-43B3-948B-1728B52AA6E4}">
+                <adec:decorative xmlns:adec="http://schemas.microsoft.com/office/drawing/2017/decorative" val="1"/>
+              </a:ext>
+            </a:extLst>
+          </p:cNvPr>
+          <p:cNvSpPr>
+            <a:spLocks noGrp="1" noRot="1" noChangeAspect="1" noMove="1" noResize="1" noEditPoints="1" noAdjustHandles="1" noChangeArrowheads="1" noChangeShapeType="1" noTextEdit="1"/>
+          </p:cNvSpPr>
+          <p:nvPr>
+            <p:extLst>
+              <p:ext uri="{386F3935-93C4-4BCD-93E2-E3B085C9AB24}">
+                <p16:designElem xmlns:p16="http://schemas.microsoft.com/office/powerpoint/2015/main" val="1"/>
+              </p:ext>
+            </p:extLst>
+          </p:nvPr>
+        </p:nvSpPr>
+        <p:spPr>
+          <a:xfrm>
+            <a:off x="650945" y="5831269"/>
+            <a:ext cx="10927080" cy="18288"/>
+          </a:xfrm>
+          <a:prstGeom prst="rect">
+            <a:avLst/>
+          </a:prstGeom>
+          <a:solidFill>
+            <a:srgbClr val="D5D5D5"/>
+          </a:solidFill>
+          <a:ln w="3175">
+            <a:noFill/>
+          </a:ln>
+          <a:effectLst/>
+        </p:spPr>
+        <p:style>
+          <a:lnRef idx="2">
+            <a:schemeClr val="accent1">
+              <a:shade val="50000"/>
+            </a:schemeClr>
+          </a:lnRef>
+          <a:fillRef idx="1">
+            <a:schemeClr val="accent1"/>
+          </a:fillRef>
+          <a:effectRef idx="0">
+            <a:schemeClr val="accent1"/>
+          </a:effectRef>
+          <a:fontRef idx="minor">
+            <a:schemeClr val="lt1"/>
+          </a:fontRef>
+        </p:style>
+        <p:txBody>
+          <a:bodyPr rtlCol="0" anchor="ctr"/>
+          <a:lstStyle/>
+          <a:p>
+            <a:pPr algn="ctr"/>
+            <a:endParaRPr lang="en-US">
+              <a:solidFill>
+                <a:prstClr val="white"/>
+              </a:solidFill>
+              <a:latin typeface="Calibri" panose="020F0502020204030204"/>
+            </a:endParaRPr>
+          </a:p>
+        </p:txBody>
+      </p:sp>
+    </p:spTree>
+    <p:extLst>
+      <p:ext uri="{BB962C8B-B14F-4D97-AF65-F5344CB8AC3E}">
+        <p14:creationId xmlns:p14="http://schemas.microsoft.com/office/powerpoint/2010/main" val="469010555"/>
+      </p:ext>
+    </p:extLst>
+  </p:cSld>
+  <p:clrMapOvr>
+    <a:masterClrMapping/>
+  </p:clrMapOvr>
+</p:sld>
+</file>
+
+<file path=ppt/slides/slide28.xml><?xml version="1.0" encoding="utf-8"?>
+<p:sld xmlns:a="http://schemas.openxmlformats.org/drawingml/2006/main" xmlns:r="http://schemas.openxmlformats.org/officeDocument/2006/relationships" xmlns:p="http://schemas.openxmlformats.org/presentationml/2006/main">
+  <p:cSld>
+    <p:spTree>
+      <p:nvGrpSpPr>
+        <p:cNvPr id="1" name="">
+          <a:extLst>
+            <a:ext uri="{FF2B5EF4-FFF2-40B4-BE49-F238E27FC236}">
+              <a16:creationId xmlns:a16="http://schemas.microsoft.com/office/drawing/2014/main" id="{C845437B-692D-BBBB-F33F-2D39A61DBE99}"/>
+            </a:ext>
+          </a:extLst>
+        </p:cNvPr>
+        <p:cNvGrpSpPr/>
+        <p:nvPr/>
+      </p:nvGrpSpPr>
+      <p:grpSpPr>
+        <a:xfrm>
+          <a:off x="0" y="0"/>
+          <a:ext cx="0" cy="0"/>
+          <a:chOff x="0" y="0"/>
+          <a:chExt cx="0" cy="0"/>
+        </a:xfrm>
+      </p:grpSpPr>
+      <p:sp>
+        <p:nvSpPr>
+          <p:cNvPr id="2" name="Title 1">
+            <a:extLst>
+              <a:ext uri="{FF2B5EF4-FFF2-40B4-BE49-F238E27FC236}">
+                <a16:creationId xmlns:a16="http://schemas.microsoft.com/office/drawing/2014/main" id="{87C2990A-C0C2-D52A-6609-B0B3B28CAD86}"/>
+              </a:ext>
+            </a:extLst>
+          </p:cNvPr>
+          <p:cNvSpPr>
+            <a:spLocks noGrp="1"/>
+          </p:cNvSpPr>
+          <p:nvPr>
+            <p:ph type="title"/>
+          </p:nvPr>
+        </p:nvSpPr>
+        <p:spPr>
+          <a:xfrm>
+            <a:off x="347420" y="352210"/>
+            <a:ext cx="10223327" cy="521810"/>
+          </a:xfrm>
+        </p:spPr>
+        <p:txBody>
+          <a:bodyPr>
+            <a:normAutofit/>
+          </a:bodyPr>
+          <a:lstStyle/>
+          <a:p>
+            <a:r>
+              <a:rPr lang="en-US" sz="2800" b="1" dirty="0">
+                <a:latin typeface="Bierstadt"/>
+              </a:rPr>
+              <a:t>t-SNE Visualization For </a:t>
+            </a:r>
+            <a:r>
+              <a:rPr lang="en-US" sz="2800" b="1" dirty="0" err="1">
+                <a:latin typeface="Bierstadt"/>
+              </a:rPr>
+              <a:t>BlueBert</a:t>
+            </a:r>
+            <a:endParaRPr lang="en-US" sz="2800" dirty="0" err="1">
+              <a:latin typeface="Bierstadt"/>
+            </a:endParaRPr>
+          </a:p>
+        </p:txBody>
+      </p:sp>
+      <p:pic>
+        <p:nvPicPr>
+          <p:cNvPr id="3" name="Picture 2" descr="A screenshot of a computer program&#10;&#10;AI-generated content may be incorrect.">
+            <a:extLst>
+              <a:ext uri="{FF2B5EF4-FFF2-40B4-BE49-F238E27FC236}">
+                <a16:creationId xmlns:a16="http://schemas.microsoft.com/office/drawing/2014/main" id="{B737D872-6C18-5FF3-6EB3-B809757B9316}"/>
+              </a:ext>
+            </a:extLst>
+          </p:cNvPr>
+          <p:cNvPicPr>
+            <a:picLocks noChangeAspect="1"/>
+          </p:cNvPicPr>
+          <p:nvPr/>
+        </p:nvPicPr>
+        <p:blipFill>
+          <a:blip r:embed="rId2"/>
+          <a:stretch>
+            <a:fillRect/>
+          </a:stretch>
+        </p:blipFill>
+        <p:spPr>
+          <a:xfrm>
+            <a:off x="348147" y="1094729"/>
+            <a:ext cx="5748419" cy="4681458"/>
+          </a:xfrm>
+          <a:prstGeom prst="rect">
+            <a:avLst/>
+          </a:prstGeom>
+        </p:spPr>
+      </p:pic>
+      <p:pic>
+        <p:nvPicPr>
+          <p:cNvPr id="4" name="Picture 3" descr="A screenshot of a computer code&#10;&#10;AI-generated content may be incorrect.">
+            <a:extLst>
+              <a:ext uri="{FF2B5EF4-FFF2-40B4-BE49-F238E27FC236}">
+                <a16:creationId xmlns:a16="http://schemas.microsoft.com/office/drawing/2014/main" id="{3825D955-5DE2-78F8-0C6A-FE95CFD327B8}"/>
+              </a:ext>
+            </a:extLst>
+          </p:cNvPr>
+          <p:cNvPicPr>
+            <a:picLocks noChangeAspect="1"/>
+          </p:cNvPicPr>
+          <p:nvPr/>
+        </p:nvPicPr>
+        <p:blipFill>
+          <a:blip r:embed="rId3"/>
+          <a:stretch>
+            <a:fillRect/>
+          </a:stretch>
+        </p:blipFill>
+        <p:spPr>
+          <a:xfrm>
+            <a:off x="6386431" y="4116575"/>
+            <a:ext cx="5695950" cy="2266950"/>
+          </a:xfrm>
+          <a:prstGeom prst="rect">
+            <a:avLst/>
+          </a:prstGeom>
+        </p:spPr>
+      </p:pic>
+      <p:sp>
+        <p:nvSpPr>
+          <p:cNvPr id="5" name="TextBox 4">
+            <a:extLst>
+              <a:ext uri="{FF2B5EF4-FFF2-40B4-BE49-F238E27FC236}">
+                <a16:creationId xmlns:a16="http://schemas.microsoft.com/office/drawing/2014/main" id="{3F6CB1A0-40C5-88A0-45FA-AF0EA14AA344}"/>
               </a:ext>
             </a:extLst>
           </p:cNvPr>
@@ -9167,8 +10423,8 @@
         </p:nvSpPr>
         <p:spPr>
           <a:xfrm>
-            <a:off x="7656162" y="4143213"/>
-            <a:ext cx="4357606" cy="2031325"/>
+            <a:off x="6391306" y="877913"/>
+            <a:ext cx="5713622" cy="3416320"/>
           </a:xfrm>
           <a:prstGeom prst="rect">
             <a:avLst/>
@@ -9184,13 +10440,61 @@
           </a:bodyPr>
           <a:lstStyle/>
           <a:p>
+            <a:pPr marL="285750" indent="-285750">
+              <a:buFont typeface="Arial"/>
+              <a:buChar char="•"/>
+            </a:pPr>
             <a:r>
               <a:rPr lang="en-US" dirty="0">
                 <a:latin typeface="Bierstadt"/>
                 <a:ea typeface="+mn-lt"/>
                 <a:cs typeface="+mn-lt"/>
               </a:rPr>
-              <a:t>Based on the plot, </a:t>
+              <a:t>This script utilizes </a:t>
+            </a:r>
+            <a:r>
+              <a:rPr lang="en-US" b="1" err="1">
+                <a:latin typeface="Bierstadt"/>
+                <a:ea typeface="+mn-lt"/>
+                <a:cs typeface="+mn-lt"/>
+              </a:rPr>
+              <a:t>BlueBERT</a:t>
+            </a:r>
+            <a:r>
+              <a:rPr lang="en-US" b="1" dirty="0">
+                <a:latin typeface="Bierstadt"/>
+                <a:ea typeface="+mn-lt"/>
+                <a:cs typeface="+mn-lt"/>
+              </a:rPr>
+              <a:t> </a:t>
+            </a:r>
+            <a:r>
+              <a:rPr lang="en-US" dirty="0">
+                <a:latin typeface="Bierstadt"/>
+                <a:ea typeface="+mn-lt"/>
+                <a:cs typeface="+mn-lt"/>
+              </a:rPr>
+              <a:t>(</a:t>
+            </a:r>
+            <a:r>
+              <a:rPr lang="en-US" err="1">
+                <a:latin typeface="Bierstadt"/>
+              </a:rPr>
+              <a:t>bionlp</a:t>
+            </a:r>
+            <a:r>
+              <a:rPr lang="en-US" dirty="0">
+                <a:latin typeface="Bierstadt"/>
+              </a:rPr>
+              <a:t>/bluebert_pubmed_mimic_uncased_L-12_H-768_A-12</a:t>
+            </a:r>
+            <a:r>
+              <a:rPr lang="en-US" dirty="0">
+                <a:latin typeface="Bierstadt"/>
+                <a:ea typeface="+mn-lt"/>
+                <a:cs typeface="+mn-lt"/>
+              </a:rPr>
+              <a:t>) to extract word embeddings from clinical notes processed with </a:t>
             </a:r>
             <a:r>
               <a:rPr lang="en-US" err="1">
@@ -9198,7 +10502,7 @@
                 <a:ea typeface="+mn-lt"/>
                 <a:cs typeface="+mn-lt"/>
               </a:rPr>
-              <a:t>MedspaCy</a:t>
+              <a:t>SciSpaCy</a:t>
             </a:r>
             <a:r>
               <a:rPr lang="en-US" dirty="0">
@@ -9206,15 +10510,99 @@
                 <a:ea typeface="+mn-lt"/>
                 <a:cs typeface="+mn-lt"/>
               </a:rPr>
-              <a:t> shows a higher frequency of terms associated with hypertension, indicating that the model is effectively recognizing and extracting a broader range of hypertension-related entities, such as medications, symptoms, and conditions, from the clinical text.</a:t>
-            </a:r>
+              <a:t>. </a:t>
+            </a:r>
+            <a:endParaRPr lang="en-US">
+              <a:latin typeface="Bierstadt"/>
+            </a:endParaRPr>
+          </a:p>
+          <a:p>
+            <a:pPr marL="285750" indent="-285750">
+              <a:buFont typeface="Arial"/>
+              <a:buChar char="•"/>
+            </a:pPr>
+            <a:r>
+              <a:rPr lang="en-US" dirty="0">
+                <a:latin typeface="Bierstadt"/>
+                <a:ea typeface="+mn-lt"/>
+                <a:cs typeface="+mn-lt"/>
+              </a:rPr>
+              <a:t>Named entities are identified and tokenized, then their embeddings are computed using </a:t>
+            </a:r>
+            <a:r>
+              <a:rPr lang="en-US" err="1">
+                <a:latin typeface="Bierstadt"/>
+                <a:ea typeface="+mn-lt"/>
+                <a:cs typeface="+mn-lt"/>
+              </a:rPr>
+              <a:t>BlueBERT</a:t>
+            </a:r>
+            <a:r>
+              <a:rPr lang="en-US" dirty="0">
+                <a:latin typeface="Bierstadt"/>
+                <a:ea typeface="+mn-lt"/>
+                <a:cs typeface="+mn-lt"/>
+              </a:rPr>
+              <a:t>. </a:t>
+            </a:r>
+          </a:p>
+          <a:p>
+            <a:pPr marL="285750" indent="-285750">
+              <a:buFont typeface="Arial"/>
+              <a:buChar char="•"/>
+            </a:pPr>
+            <a:r>
+              <a:rPr lang="en-US" b="1" dirty="0">
+                <a:latin typeface="Bierstadt"/>
+                <a:ea typeface="+mn-lt"/>
+                <a:cs typeface="+mn-lt"/>
+              </a:rPr>
+              <a:t>Only one note was used here because processing all notes with </a:t>
+            </a:r>
+            <a:r>
+              <a:rPr lang="en-US" b="1" err="1">
+                <a:latin typeface="Bierstadt"/>
+                <a:ea typeface="+mn-lt"/>
+                <a:cs typeface="+mn-lt"/>
+              </a:rPr>
+              <a:t>BlueBERT</a:t>
+            </a:r>
+            <a:r>
+              <a:rPr lang="en-US" b="1" dirty="0">
+                <a:latin typeface="Bierstadt"/>
+                <a:ea typeface="+mn-lt"/>
+                <a:cs typeface="+mn-lt"/>
+              </a:rPr>
+              <a:t> for embedding extraction requires significant time and memory.</a:t>
+            </a:r>
+          </a:p>
+          <a:p>
+            <a:pPr marL="285750" indent="-285750">
+              <a:buFont typeface="Arial"/>
+              <a:buChar char="•"/>
+            </a:pPr>
+            <a:r>
+              <a:rPr lang="en-US" dirty="0">
+                <a:latin typeface="Bierstadt"/>
+                <a:ea typeface="+mn-lt"/>
+                <a:cs typeface="+mn-lt"/>
+              </a:rPr>
+              <a:t>The embeddings are visualized in a 2D space using t-SNE, highlighting relationships among clinical terms.</a:t>
+            </a:r>
+          </a:p>
+          <a:p>
+            <a:pPr marL="285750" indent="-285750">
+              <a:buFont typeface="Arial"/>
+              <a:buChar char="•"/>
+            </a:pPr>
+            <a:endParaRPr lang="en-US" dirty="0"/>
           </a:p>
         </p:txBody>
       </p:sp>
     </p:spTree>
     <p:extLst>
       <p:ext uri="{BB962C8B-B14F-4D97-AF65-F5344CB8AC3E}">
-        <p14:creationId xmlns:p14="http://schemas.microsoft.com/office/powerpoint/2010/main" val="545229355"/>
+        <p14:creationId xmlns:p14="http://schemas.microsoft.com/office/powerpoint/2010/main" val="1011711327"/>
       </p:ext>
     </p:extLst>
   </p:cSld>
@@ -9224,7 +10612,7 @@
 </p:sld>
 </file>
 
-<file path=ppt/slides/slide25.xml><?xml version="1.0" encoding="utf-8"?>
+<file path=ppt/slides/slide29.xml><?xml version="1.0" encoding="utf-8"?>
 <p:sld xmlns:a="http://schemas.openxmlformats.org/drawingml/2006/main" xmlns:r="http://schemas.openxmlformats.org/officeDocument/2006/relationships" xmlns:p="http://schemas.openxmlformats.org/presentationml/2006/main">
   <p:cSld>
     <p:spTree>
@@ -9232,7 +10620,7 @@
         <p:cNvPr id="1" name="">
           <a:extLst>
             <a:ext uri="{FF2B5EF4-FFF2-40B4-BE49-F238E27FC236}">
-              <a16:creationId xmlns:a16="http://schemas.microsoft.com/office/drawing/2014/main" id="{87FC8B53-4E86-EAEC-DA2B-33B0BEB45833}"/>
+              <a16:creationId xmlns:a16="http://schemas.microsoft.com/office/drawing/2014/main" id="{3B408980-FBBC-7A54-8C20-F557E6D815AD}"/>
             </a:ext>
           </a:extLst>
         </p:cNvPr>
@@ -9252,7 +10640,7 @@
           <p:cNvPr id="5" name="TextBox 4">
             <a:extLst>
               <a:ext uri="{FF2B5EF4-FFF2-40B4-BE49-F238E27FC236}">
-                <a16:creationId xmlns:a16="http://schemas.microsoft.com/office/drawing/2014/main" id="{E9699252-43D8-A907-1FDC-22851C1EC315}"/>
+                <a16:creationId xmlns:a16="http://schemas.microsoft.com/office/drawing/2014/main" id="{DCA8D939-737F-0B31-0F8F-1BAB13A91E83}"/>
               </a:ext>
             </a:extLst>
           </p:cNvPr>
@@ -9261,8 +10649,8 @@
         </p:nvSpPr>
         <p:spPr>
           <a:xfrm>
-            <a:off x="696842" y="1720474"/>
-            <a:ext cx="10911199" cy="1908215"/>
+            <a:off x="820819" y="374217"/>
+            <a:ext cx="2598762" cy="1754326"/>
           </a:xfrm>
           <a:prstGeom prst="rect">
             <a:avLst/>
@@ -9278,110 +10666,236 @@
           </a:bodyPr>
           <a:lstStyle/>
           <a:p>
-            <a:pPr algn="ctr"/>
-            <a:r>
-              <a:rPr lang="en-US" sz="2800" b="1" dirty="0">
-                <a:latin typeface="Bierstadt"/>
+            <a:r>
+              <a:rPr lang="en-US" b="1" dirty="0">
+                <a:latin typeface="Aptos"/>
                 <a:ea typeface="+mn-lt"/>
                 <a:cs typeface="+mn-lt"/>
               </a:rPr>
-              <a:t>Conclusion</a:t>
-            </a:r>
-            <a:endParaRPr lang="en-US" sz="2800">
-              <a:latin typeface="Bierstadt"/>
-            </a:endParaRPr>
-          </a:p>
-          <a:p>
-            <a:pPr algn="ctr"/>
-            <a:endParaRPr lang="en-US" b="1" dirty="0">
-              <a:latin typeface="Bierstadt"/>
-              <a:ea typeface="+mn-lt"/>
-              <a:cs typeface="+mn-lt"/>
-            </a:endParaRPr>
-          </a:p>
-          <a:p>
-            <a:r>
-              <a:rPr lang="en-US" dirty="0">
-                <a:latin typeface="Bierstadt"/>
+              <a:t>t-SNE visualization of the top 100 words from Word2Vec (</a:t>
+            </a:r>
+            <a:r>
+              <a:rPr lang="en-US" b="1" dirty="0" err="1">
+                <a:latin typeface="Aptos"/>
                 <a:ea typeface="+mn-lt"/>
                 <a:cs typeface="+mn-lt"/>
               </a:rPr>
-              <a:t>The MIMIC data, especially the free-text notes, contains a lot of shorthand, misspellings, and extra details like dates and measurements that aren't useful for Named Entity Recognition (NER). Pre-trained models like </a:t>
-            </a:r>
-            <a:r>
-              <a:rPr lang="en-US" dirty="0" err="1">
-                <a:latin typeface="Bierstadt"/>
+              <a:t>BlueBert</a:t>
+            </a:r>
+            <a:r>
+              <a:rPr lang="en-US" b="1" dirty="0">
+                <a:latin typeface="Aptos"/>
                 <a:ea typeface="+mn-lt"/>
                 <a:cs typeface="+mn-lt"/>
               </a:rPr>
-              <a:t>BlueBERT</a:t>
-            </a:r>
+              <a:t>), with a limited word count for better label clarity.</a:t>
+            </a:r>
+            <a:endParaRPr lang="en-US" dirty="0"/>
+          </a:p>
+        </p:txBody>
+      </p:sp>
+      <p:sp>
+        <p:nvSpPr>
+          <p:cNvPr id="6" name="TextBox 5">
+            <a:extLst>
+              <a:ext uri="{FF2B5EF4-FFF2-40B4-BE49-F238E27FC236}">
+                <a16:creationId xmlns:a16="http://schemas.microsoft.com/office/drawing/2014/main" id="{4C9C151D-039A-42C2-C56A-22A625617EA3}"/>
+              </a:ext>
+            </a:extLst>
+          </p:cNvPr>
+          <p:cNvSpPr txBox="1"/>
+          <p:nvPr/>
+        </p:nvSpPr>
+        <p:spPr>
+          <a:xfrm>
+            <a:off x="1162064" y="5535948"/>
+            <a:ext cx="9990531" cy="1200329"/>
+          </a:xfrm>
+          <a:prstGeom prst="rect">
+            <a:avLst/>
+          </a:prstGeom>
+          <a:noFill/>
+        </p:spPr>
+        <p:txBody>
+          <a:bodyPr rot="0" spcFirstLastPara="0" vertOverflow="overflow" horzOverflow="overflow" vert="horz" wrap="square" lIns="91440" tIns="45720" rIns="91440" bIns="45720" numCol="1" spcCol="0" rtlCol="0" fromWordArt="0" anchor="t" anchorCtr="0" forceAA="0" compatLnSpc="1">
+            <a:prstTxWarp prst="textNoShape">
+              <a:avLst/>
+            </a:prstTxWarp>
+            <a:spAutoFit/>
+          </a:bodyPr>
+          <a:lstStyle/>
+          <a:p>
             <a:r>
               <a:rPr lang="en-US" dirty="0">
-                <a:latin typeface="Bierstadt"/>
                 <a:ea typeface="+mn-lt"/>
                 <a:cs typeface="+mn-lt"/>
               </a:rPr>
-              <a:t>, BC5CDR, and </a:t>
+              <a:t>Based on Word2Vec similarity and the plot, </a:t>
             </a:r>
             <a:r>
               <a:rPr lang="en-US" dirty="0" err="1">
-                <a:latin typeface="Bierstadt"/>
                 <a:ea typeface="+mn-lt"/>
                 <a:cs typeface="+mn-lt"/>
               </a:rPr>
-              <a:t>MedSpaCy</a:t>
+              <a:t>BlueBert</a:t>
             </a:r>
             <a:r>
               <a:rPr lang="en-US" dirty="0">
-                <a:latin typeface="Bierstadt"/>
                 <a:ea typeface="+mn-lt"/>
                 <a:cs typeface="+mn-lt"/>
               </a:rPr>
-              <a:t>, tailored for the medical field and charting terminology, tend to extract more relevant and accurate entities in NER than models like </a:t>
-            </a:r>
-            <a:r>
-              <a:rPr lang="en-US" dirty="0" err="1">
-                <a:latin typeface="Bierstadt"/>
+              <a:t> effectively captures key medical terms related to hypertension, such as </a:t>
+            </a:r>
+            <a:r>
+              <a:rPr lang="en-US" b="1" dirty="0">
                 <a:ea typeface="+mn-lt"/>
                 <a:cs typeface="+mn-lt"/>
               </a:rPr>
-              <a:t>SpaCy</a:t>
+              <a:t>Labetalol</a:t>
             </a:r>
             <a:r>
               <a:rPr lang="en-US" dirty="0">
-                <a:latin typeface="Bierstadt"/>
                 <a:ea typeface="+mn-lt"/>
                 <a:cs typeface="+mn-lt"/>
               </a:rPr>
-              <a:t> and </a:t>
-            </a:r>
-            <a:r>
-              <a:rPr lang="en-US" dirty="0" err="1">
-                <a:latin typeface="Bierstadt"/>
+              <a:t>, </a:t>
+            </a:r>
+            <a:r>
+              <a:rPr lang="en-US" b="1" dirty="0">
                 <a:ea typeface="+mn-lt"/>
                 <a:cs typeface="+mn-lt"/>
               </a:rPr>
-              <a:t>SciSpaCy</a:t>
+              <a:t>hypertension</a:t>
             </a:r>
             <a:r>
               <a:rPr lang="en-US" dirty="0">
-                <a:latin typeface="Bierstadt"/>
                 <a:ea typeface="+mn-lt"/>
                 <a:cs typeface="+mn-lt"/>
               </a:rPr>
-              <a:t>.</a:t>
-            </a:r>
-            <a:endParaRPr lang="en-US">
-              <a:latin typeface="Aptos" panose="020B0004020202020204"/>
-            </a:endParaRPr>
+              <a:t>, and </a:t>
+            </a:r>
+            <a:r>
+              <a:rPr lang="en-US" b="1" dirty="0">
+                <a:ea typeface="+mn-lt"/>
+                <a:cs typeface="+mn-lt"/>
+              </a:rPr>
+              <a:t>hemodialysis</a:t>
+            </a:r>
+            <a:r>
+              <a:rPr lang="en-US" dirty="0">
+                <a:ea typeface="+mn-lt"/>
+                <a:cs typeface="+mn-lt"/>
+              </a:rPr>
+              <a:t>. It groups related terms like </a:t>
+            </a:r>
+            <a:r>
+              <a:rPr lang="en-US" b="1" dirty="0">
+                <a:ea typeface="+mn-lt"/>
+                <a:cs typeface="+mn-lt"/>
+              </a:rPr>
+              <a:t>HTN</a:t>
+            </a:r>
+            <a:r>
+              <a:rPr lang="en-US" dirty="0">
+                <a:ea typeface="+mn-lt"/>
+                <a:cs typeface="+mn-lt"/>
+              </a:rPr>
+              <a:t>, </a:t>
+            </a:r>
+            <a:r>
+              <a:rPr lang="en-US" b="1" dirty="0">
+                <a:ea typeface="+mn-lt"/>
+                <a:cs typeface="+mn-lt"/>
+              </a:rPr>
+              <a:t>hypertensive</a:t>
+            </a:r>
+            <a:r>
+              <a:rPr lang="en-US" dirty="0">
+                <a:ea typeface="+mn-lt"/>
+                <a:cs typeface="+mn-lt"/>
+              </a:rPr>
+              <a:t>, </a:t>
+            </a:r>
+            <a:r>
+              <a:rPr lang="en-US" b="1" dirty="0">
+                <a:ea typeface="+mn-lt"/>
+                <a:cs typeface="+mn-lt"/>
+              </a:rPr>
+              <a:t>BP</a:t>
+            </a:r>
+            <a:r>
+              <a:rPr lang="en-US" dirty="0">
+                <a:ea typeface="+mn-lt"/>
+                <a:cs typeface="+mn-lt"/>
+              </a:rPr>
+              <a:t>, </a:t>
+            </a:r>
+            <a:r>
+              <a:rPr lang="en-US" b="1" dirty="0">
+                <a:ea typeface="+mn-lt"/>
+                <a:cs typeface="+mn-lt"/>
+              </a:rPr>
+              <a:t>SBPs</a:t>
+            </a:r>
+            <a:r>
+              <a:rPr lang="en-US" dirty="0">
+                <a:ea typeface="+mn-lt"/>
+                <a:cs typeface="+mn-lt"/>
+              </a:rPr>
+              <a:t>, and medications like </a:t>
+            </a:r>
+            <a:r>
+              <a:rPr lang="en-US" b="1" dirty="0">
+                <a:ea typeface="+mn-lt"/>
+                <a:cs typeface="+mn-lt"/>
+              </a:rPr>
+              <a:t>Labetalol</a:t>
+            </a:r>
+            <a:r>
+              <a:rPr lang="en-US" dirty="0">
+                <a:ea typeface="+mn-lt"/>
+                <a:cs typeface="+mn-lt"/>
+              </a:rPr>
+              <a:t>, indicating its ability to identify and understand hypertension-related concepts.</a:t>
+            </a:r>
+            <a:endParaRPr lang="en-US" dirty="0"/>
           </a:p>
         </p:txBody>
       </p:sp>
+      <p:pic>
+        <p:nvPicPr>
+          <p:cNvPr id="2" name="Picture 1">
+            <a:extLst>
+              <a:ext uri="{FF2B5EF4-FFF2-40B4-BE49-F238E27FC236}">
+                <a16:creationId xmlns:a16="http://schemas.microsoft.com/office/drawing/2014/main" id="{A539F0B4-409C-9318-02E1-E048B859F44A}"/>
+              </a:ext>
+            </a:extLst>
+          </p:cNvPr>
+          <p:cNvPicPr>
+            <a:picLocks noChangeAspect="1"/>
+          </p:cNvPicPr>
+          <p:nvPr/>
+        </p:nvPicPr>
+        <p:blipFill>
+          <a:blip r:embed="rId2"/>
+          <a:stretch>
+            <a:fillRect/>
+          </a:stretch>
+        </p:blipFill>
+        <p:spPr>
+          <a:xfrm>
+            <a:off x="3562468" y="0"/>
+            <a:ext cx="7582709" cy="5521891"/>
+          </a:xfrm>
+          <a:prstGeom prst="rect">
+            <a:avLst/>
+          </a:prstGeom>
+        </p:spPr>
+      </p:pic>
     </p:spTree>
     <p:extLst>
       <p:ext uri="{BB962C8B-B14F-4D97-AF65-F5344CB8AC3E}">
-        <p14:creationId xmlns:p14="http://schemas.microsoft.com/office/powerpoint/2010/main" val="498230792"/>
+        <p14:creationId xmlns:p14="http://schemas.microsoft.com/office/powerpoint/2010/main" val="4089274463"/>
       </p:ext>
     </p:extLst>
   </p:cSld>
@@ -9522,7 +11036,7 @@
         </p:blipFill>
         <p:spPr>
           <a:xfrm>
-            <a:off x="5212634" y="2427207"/>
+            <a:off x="5348705" y="2699350"/>
             <a:ext cx="3825919" cy="2014734"/>
           </a:xfrm>
           <a:prstGeom prst="rect">
@@ -9552,7 +11066,7 @@
         </p:blipFill>
         <p:spPr>
           <a:xfrm>
-            <a:off x="5211460" y="4699561"/>
+            <a:off x="5347531" y="4971704"/>
             <a:ext cx="3604287" cy="466896"/>
           </a:xfrm>
           <a:prstGeom prst="rect">
@@ -9575,7 +11089,7 @@
         <p:spPr>
           <a:xfrm>
             <a:off x="5209347" y="1079882"/>
-            <a:ext cx="6479458" cy="1169551"/>
+            <a:ext cx="6479458" cy="1384995"/>
           </a:xfrm>
           <a:prstGeom prst="rect">
             <a:avLst/>
@@ -9707,7 +11221,7 @@
               <a:t>Fetched rows from </a:t>
             </a:r>
             <a:r>
-              <a:rPr lang="en-US" sz="1400" err="1"/>
+              <a:rPr lang="en-US" sz="1400" dirty="0" err="1"/>
               <a:t>noteevents</a:t>
             </a:r>
             <a:r>
@@ -9731,13 +11245,22 @@
               <a:t> using the </a:t>
             </a:r>
             <a:r>
-              <a:rPr lang="en-US" sz="1400" err="1"/>
+              <a:rPr lang="en-US" sz="1400" dirty="0" err="1"/>
               <a:t>BigQuery</a:t>
             </a:r>
             <a:r>
               <a:rPr lang="en-US" sz="1400" dirty="0"/>
-              <a:t> client.</a:t>
-            </a:r>
+              <a:t> client.  Here selected records have  4010 (</a:t>
+            </a:r>
+            <a:r>
+              <a:rPr lang="en-US" sz="1400" dirty="0" err="1"/>
+              <a:t>Maligant</a:t>
+            </a:r>
+            <a:r>
+              <a:rPr lang="en-US" sz="1400" dirty="0"/>
+              <a:t> Hypertension) as primary diagnosis.</a:t>
+            </a:r>
+            <a:endParaRPr lang="en-US" dirty="0"/>
           </a:p>
           <a:p>
             <a:pPr marL="285750" indent="-285750">
@@ -9748,6 +11271,7 @@
               <a:rPr lang="en-US" sz="1400" dirty="0"/>
               <a:t>The query returned 162 rows.</a:t>
             </a:r>
+            <a:endParaRPr lang="en-US"/>
           </a:p>
           <a:p>
             <a:pPr marL="285750" indent="-285750">
@@ -9783,6 +11307,286 @@
     <p:extLst>
       <p:ext uri="{BB962C8B-B14F-4D97-AF65-F5344CB8AC3E}">
         <p14:creationId xmlns:p14="http://schemas.microsoft.com/office/powerpoint/2010/main" val="59720940"/>
+      </p:ext>
+    </p:extLst>
+  </p:cSld>
+  <p:clrMapOvr>
+    <a:masterClrMapping/>
+  </p:clrMapOvr>
+</p:sld>
+</file>
+
+<file path=ppt/slides/slide30.xml><?xml version="1.0" encoding="utf-8"?>
+<p:sld xmlns:a="http://schemas.openxmlformats.org/drawingml/2006/main" xmlns:r="http://schemas.openxmlformats.org/officeDocument/2006/relationships" xmlns:p="http://schemas.openxmlformats.org/presentationml/2006/main">
+  <p:cSld>
+    <p:spTree>
+      <p:nvGrpSpPr>
+        <p:cNvPr id="1" name=""/>
+        <p:cNvGrpSpPr/>
+        <p:nvPr/>
+      </p:nvGrpSpPr>
+      <p:grpSpPr>
+        <a:xfrm>
+          <a:off x="0" y="0"/>
+          <a:ext cx="0" cy="0"/>
+          <a:chOff x="0" y="0"/>
+          <a:chExt cx="0" cy="0"/>
+        </a:xfrm>
+      </p:grpSpPr>
+      <p:pic>
+        <p:nvPicPr>
+          <p:cNvPr id="2" name="Picture 1" descr="A screen shot of a computer screen&#10;&#10;AI-generated content may be incorrect.">
+            <a:extLst>
+              <a:ext uri="{FF2B5EF4-FFF2-40B4-BE49-F238E27FC236}">
+                <a16:creationId xmlns:a16="http://schemas.microsoft.com/office/drawing/2014/main" id="{B2324BBB-FEB3-BFBC-2595-5A2273F91E3A}"/>
+              </a:ext>
+            </a:extLst>
+          </p:cNvPr>
+          <p:cNvPicPr>
+            <a:picLocks noChangeAspect="1"/>
+          </p:cNvPicPr>
+          <p:nvPr/>
+        </p:nvPicPr>
+        <p:blipFill>
+          <a:blip r:embed="rId2"/>
+          <a:stretch>
+            <a:fillRect/>
+          </a:stretch>
+        </p:blipFill>
+        <p:spPr>
+          <a:xfrm>
+            <a:off x="4858141" y="158271"/>
+            <a:ext cx="6056074" cy="5716827"/>
+          </a:xfrm>
+          <a:prstGeom prst="rect">
+            <a:avLst/>
+          </a:prstGeom>
+        </p:spPr>
+      </p:pic>
+      <p:sp>
+        <p:nvSpPr>
+          <p:cNvPr id="4" name="TextBox 3">
+            <a:extLst>
+              <a:ext uri="{FF2B5EF4-FFF2-40B4-BE49-F238E27FC236}">
+                <a16:creationId xmlns:a16="http://schemas.microsoft.com/office/drawing/2014/main" id="{F8ECBF3E-990E-4412-69AE-050DFFB9290C}"/>
+              </a:ext>
+            </a:extLst>
+          </p:cNvPr>
+          <p:cNvSpPr txBox="1"/>
+          <p:nvPr/>
+        </p:nvSpPr>
+        <p:spPr>
+          <a:xfrm>
+            <a:off x="945715" y="246345"/>
+            <a:ext cx="2743200" cy="1477328"/>
+          </a:xfrm>
+          <a:prstGeom prst="rect">
+            <a:avLst/>
+          </a:prstGeom>
+          <a:noFill/>
+        </p:spPr>
+        <p:txBody>
+          <a:bodyPr rot="0" spcFirstLastPara="0" vertOverflow="overflow" horzOverflow="overflow" vert="horz" wrap="square" lIns="91440" tIns="45720" rIns="91440" bIns="45720" numCol="1" spcCol="0" rtlCol="0" fromWordArt="0" anchor="t" anchorCtr="0" forceAA="0" compatLnSpc="1">
+            <a:prstTxWarp prst="textNoShape">
+              <a:avLst/>
+            </a:prstTxWarp>
+            <a:spAutoFit/>
+          </a:bodyPr>
+          <a:lstStyle/>
+          <a:p>
+            <a:r>
+              <a:rPr lang="en-US" b="1" dirty="0">
+                <a:latin typeface="Bierstadt"/>
+              </a:rPr>
+              <a:t>t-SNE Visualization with Distance-Based Coloring Of  All Words from Word2Vec (</a:t>
+            </a:r>
+            <a:r>
+              <a:rPr lang="en-US" b="1" dirty="0" err="1">
+                <a:latin typeface="Bierstadt"/>
+              </a:rPr>
+              <a:t>BlueBert</a:t>
+            </a:r>
+            <a:r>
+              <a:rPr lang="en-US" b="1" dirty="0">
+                <a:latin typeface="Bierstadt"/>
+              </a:rPr>
+              <a:t>)</a:t>
+            </a:r>
+            <a:endParaRPr lang="en-US" dirty="0"/>
+          </a:p>
+        </p:txBody>
+      </p:sp>
+    </p:spTree>
+    <p:extLst>
+      <p:ext uri="{BB962C8B-B14F-4D97-AF65-F5344CB8AC3E}">
+        <p14:creationId xmlns:p14="http://schemas.microsoft.com/office/powerpoint/2010/main" val="3649066908"/>
+      </p:ext>
+    </p:extLst>
+  </p:cSld>
+  <p:clrMapOvr>
+    <a:masterClrMapping/>
+  </p:clrMapOvr>
+</p:sld>
+</file>
+
+<file path=ppt/slides/slide31.xml><?xml version="1.0" encoding="utf-8"?>
+<p:sld xmlns:a="http://schemas.openxmlformats.org/drawingml/2006/main" xmlns:r="http://schemas.openxmlformats.org/officeDocument/2006/relationships" xmlns:p="http://schemas.openxmlformats.org/presentationml/2006/main">
+  <p:cSld>
+    <p:spTree>
+      <p:nvGrpSpPr>
+        <p:cNvPr id="1" name="">
+          <a:extLst>
+            <a:ext uri="{FF2B5EF4-FFF2-40B4-BE49-F238E27FC236}">
+              <a16:creationId xmlns:a16="http://schemas.microsoft.com/office/drawing/2014/main" id="{87FC8B53-4E86-EAEC-DA2B-33B0BEB45833}"/>
+            </a:ext>
+          </a:extLst>
+        </p:cNvPr>
+        <p:cNvGrpSpPr/>
+        <p:nvPr/>
+      </p:nvGrpSpPr>
+      <p:grpSpPr>
+        <a:xfrm>
+          <a:off x="0" y="0"/>
+          <a:ext cx="0" cy="0"/>
+          <a:chOff x="0" y="0"/>
+          <a:chExt cx="0" cy="0"/>
+        </a:xfrm>
+      </p:grpSpPr>
+      <p:sp>
+        <p:nvSpPr>
+          <p:cNvPr id="5" name="TextBox 4">
+            <a:extLst>
+              <a:ext uri="{FF2B5EF4-FFF2-40B4-BE49-F238E27FC236}">
+                <a16:creationId xmlns:a16="http://schemas.microsoft.com/office/drawing/2014/main" id="{E9699252-43D8-A907-1FDC-22851C1EC315}"/>
+              </a:ext>
+            </a:extLst>
+          </p:cNvPr>
+          <p:cNvSpPr txBox="1"/>
+          <p:nvPr/>
+        </p:nvSpPr>
+        <p:spPr>
+          <a:xfrm>
+            <a:off x="696842" y="1720474"/>
+            <a:ext cx="10911199" cy="1908215"/>
+          </a:xfrm>
+          <a:prstGeom prst="rect">
+            <a:avLst/>
+          </a:prstGeom>
+          <a:noFill/>
+        </p:spPr>
+        <p:txBody>
+          <a:bodyPr rot="0" spcFirstLastPara="0" vertOverflow="overflow" horzOverflow="overflow" vert="horz" wrap="square" lIns="91440" tIns="45720" rIns="91440" bIns="45720" numCol="1" spcCol="0" rtlCol="0" fromWordArt="0" anchor="t" anchorCtr="0" forceAA="0" compatLnSpc="1">
+            <a:prstTxWarp prst="textNoShape">
+              <a:avLst/>
+            </a:prstTxWarp>
+            <a:spAutoFit/>
+          </a:bodyPr>
+          <a:lstStyle/>
+          <a:p>
+            <a:pPr algn="ctr"/>
+            <a:r>
+              <a:rPr lang="en-US" sz="2800" b="1" dirty="0">
+                <a:latin typeface="Bierstadt"/>
+                <a:ea typeface="+mn-lt"/>
+                <a:cs typeface="+mn-lt"/>
+              </a:rPr>
+              <a:t>Conclusion</a:t>
+            </a:r>
+            <a:endParaRPr lang="en-US" sz="2800">
+              <a:latin typeface="Bierstadt"/>
+            </a:endParaRPr>
+          </a:p>
+          <a:p>
+            <a:pPr algn="ctr"/>
+            <a:endParaRPr lang="en-US" b="1" dirty="0">
+              <a:latin typeface="Bierstadt"/>
+              <a:ea typeface="+mn-lt"/>
+              <a:cs typeface="+mn-lt"/>
+            </a:endParaRPr>
+          </a:p>
+          <a:p>
+            <a:r>
+              <a:rPr lang="en-US" dirty="0">
+                <a:latin typeface="Bierstadt"/>
+                <a:ea typeface="+mn-lt"/>
+                <a:cs typeface="+mn-lt"/>
+              </a:rPr>
+              <a:t>The MIMIC data, especially the free-text notes, contains a lot of shorthand, misspellings, and extra details like dates and measurements that aren't useful for Named Entity Recognition (NER). Pre-trained models like </a:t>
+            </a:r>
+            <a:r>
+              <a:rPr lang="en-US" dirty="0" err="1">
+                <a:latin typeface="Bierstadt"/>
+                <a:ea typeface="+mn-lt"/>
+                <a:cs typeface="+mn-lt"/>
+              </a:rPr>
+              <a:t>BlueBERT</a:t>
+            </a:r>
+            <a:r>
+              <a:rPr lang="en-US" dirty="0">
+                <a:latin typeface="Bierstadt"/>
+                <a:ea typeface="+mn-lt"/>
+                <a:cs typeface="+mn-lt"/>
+              </a:rPr>
+              <a:t>, BC5CDR, and </a:t>
+            </a:r>
+            <a:r>
+              <a:rPr lang="en-US" dirty="0" err="1">
+                <a:latin typeface="Bierstadt"/>
+                <a:ea typeface="+mn-lt"/>
+                <a:cs typeface="+mn-lt"/>
+              </a:rPr>
+              <a:t>MedSpaCy</a:t>
+            </a:r>
+            <a:r>
+              <a:rPr lang="en-US" dirty="0">
+                <a:latin typeface="Bierstadt"/>
+                <a:ea typeface="+mn-lt"/>
+                <a:cs typeface="+mn-lt"/>
+              </a:rPr>
+              <a:t>, tailored for the medical field and charting terminology, tend to extract more relevant and accurate entities in NER than models like </a:t>
+            </a:r>
+            <a:r>
+              <a:rPr lang="en-US" dirty="0" err="1">
+                <a:latin typeface="Bierstadt"/>
+                <a:ea typeface="+mn-lt"/>
+                <a:cs typeface="+mn-lt"/>
+              </a:rPr>
+              <a:t>SpaCy</a:t>
+            </a:r>
+            <a:r>
+              <a:rPr lang="en-US" dirty="0">
+                <a:latin typeface="Bierstadt"/>
+                <a:ea typeface="+mn-lt"/>
+                <a:cs typeface="+mn-lt"/>
+              </a:rPr>
+              <a:t> and </a:t>
+            </a:r>
+            <a:r>
+              <a:rPr lang="en-US" dirty="0" err="1">
+                <a:latin typeface="Bierstadt"/>
+                <a:ea typeface="+mn-lt"/>
+                <a:cs typeface="+mn-lt"/>
+              </a:rPr>
+              <a:t>SciSpaCy</a:t>
+            </a:r>
+            <a:r>
+              <a:rPr lang="en-US" dirty="0">
+                <a:latin typeface="Bierstadt"/>
+                <a:ea typeface="+mn-lt"/>
+                <a:cs typeface="+mn-lt"/>
+              </a:rPr>
+              <a:t>.</a:t>
+            </a:r>
+            <a:endParaRPr lang="en-US">
+              <a:latin typeface="Aptos" panose="020B0004020202020204"/>
+            </a:endParaRPr>
+          </a:p>
+        </p:txBody>
+      </p:sp>
+    </p:spTree>
+    <p:extLst>
+      <p:ext uri="{BB962C8B-B14F-4D97-AF65-F5344CB8AC3E}">
+        <p14:creationId xmlns:p14="http://schemas.microsoft.com/office/powerpoint/2010/main" val="498230792"/>
       </p:ext>
     </p:extLst>
   </p:cSld>
@@ -10198,10 +12002,10 @@
       </p:pic>
       <p:pic>
         <p:nvPicPr>
-          <p:cNvPr id="9" name="Picture 8" descr="A screenshot of a computer code&#10;&#10;AI-generated content may be incorrect.">
+          <p:cNvPr id="5" name="Picture 4" descr="A computer screen shot of a computer code&#10;&#10;AI-generated content may be incorrect.">
             <a:extLst>
               <a:ext uri="{FF2B5EF4-FFF2-40B4-BE49-F238E27FC236}">
-                <a16:creationId xmlns:a16="http://schemas.microsoft.com/office/drawing/2014/main" id="{4FA317E0-71AD-B49E-E098-9B753BEF5EAD}"/>
+                <a16:creationId xmlns:a16="http://schemas.microsoft.com/office/drawing/2014/main" id="{8C4B2373-BDE1-E5C0-A688-C0A84DD425A2}"/>
               </a:ext>
             </a:extLst>
           </p:cNvPr>
@@ -10218,8 +12022,8 @@
         </p:blipFill>
         <p:spPr>
           <a:xfrm>
-            <a:off x="1019821" y="4935403"/>
-            <a:ext cx="5657850" cy="1352550"/>
+            <a:off x="1020708" y="2967925"/>
+            <a:ext cx="9724379" cy="1684149"/>
           </a:xfrm>
           <a:prstGeom prst="rect">
             <a:avLst/>
@@ -10228,10 +12032,10 @@
       </p:pic>
       <p:pic>
         <p:nvPicPr>
-          <p:cNvPr id="5" name="Picture 4" descr="A computer screen shot of a computer code&#10;&#10;AI-generated content may be incorrect.">
+          <p:cNvPr id="6" name="Picture 5" descr="A close-up of a code&#10;&#10;AI-generated content may be incorrect.">
             <a:extLst>
               <a:ext uri="{FF2B5EF4-FFF2-40B4-BE49-F238E27FC236}">
-                <a16:creationId xmlns:a16="http://schemas.microsoft.com/office/drawing/2014/main" id="{8C4B2373-BDE1-E5C0-A688-C0A84DD425A2}"/>
+                <a16:creationId xmlns:a16="http://schemas.microsoft.com/office/drawing/2014/main" id="{33FC4ED7-F8DA-29C6-B5C4-8007D96C582C}"/>
               </a:ext>
             </a:extLst>
           </p:cNvPr>
@@ -10248,14 +12052,142 @@
         </p:blipFill>
         <p:spPr>
           <a:xfrm>
-            <a:off x="1020708" y="2967925"/>
-            <a:ext cx="9724379" cy="1684149"/>
+            <a:off x="1018980" y="4975770"/>
+            <a:ext cx="4861795" cy="820847"/>
           </a:xfrm>
           <a:prstGeom prst="rect">
             <a:avLst/>
           </a:prstGeom>
         </p:spPr>
       </p:pic>
+      <p:sp>
+        <p:nvSpPr>
+          <p:cNvPr id="7" name="TextBox 6">
+            <a:extLst>
+              <a:ext uri="{FF2B5EF4-FFF2-40B4-BE49-F238E27FC236}">
+                <a16:creationId xmlns:a16="http://schemas.microsoft.com/office/drawing/2014/main" id="{51259C90-DD50-CA7C-7DBE-207B601B1E4C}"/>
+              </a:ext>
+            </a:extLst>
+          </p:cNvPr>
+          <p:cNvSpPr txBox="1"/>
+          <p:nvPr/>
+        </p:nvSpPr>
+        <p:spPr>
+          <a:xfrm>
+            <a:off x="6281310" y="4898172"/>
+            <a:ext cx="5143079" cy="1323439"/>
+          </a:xfrm>
+          <a:prstGeom prst="rect">
+            <a:avLst/>
+          </a:prstGeom>
+          <a:noFill/>
+        </p:spPr>
+        <p:txBody>
+          <a:bodyPr rot="0" spcFirstLastPara="0" vertOverflow="overflow" horzOverflow="overflow" vert="horz" wrap="square" lIns="91440" tIns="45720" rIns="91440" bIns="45720" numCol="1" spcCol="0" rtlCol="0" fromWordArt="0" anchor="t" anchorCtr="0" forceAA="0" compatLnSpc="1">
+            <a:prstTxWarp prst="textNoShape">
+              <a:avLst/>
+            </a:prstTxWarp>
+            <a:spAutoFit/>
+          </a:bodyPr>
+          <a:lstStyle/>
+          <a:p>
+            <a:pPr marL="285750" indent="-285750">
+              <a:buFont typeface="Arial"/>
+              <a:buChar char="•"/>
+            </a:pPr>
+            <a:r>
+              <a:rPr lang="en-US" sz="1600" dirty="0">
+                <a:ea typeface="+mn-lt"/>
+                <a:cs typeface="+mn-lt"/>
+              </a:rPr>
+              <a:t>Created a common function to clean text for the given model.</a:t>
+            </a:r>
+          </a:p>
+          <a:p>
+            <a:pPr marL="285750" indent="-285750">
+              <a:buFont typeface="Arial"/>
+              <a:buChar char="•"/>
+            </a:pPr>
+            <a:r>
+              <a:rPr lang="en-US" sz="1600" dirty="0">
+                <a:ea typeface="+mn-lt"/>
+                <a:cs typeface="+mn-lt"/>
+              </a:rPr>
+              <a:t>Processed the </a:t>
+            </a:r>
+            <a:r>
+              <a:rPr lang="en-US" sz="1600" b="1" dirty="0">
+                <a:ea typeface="+mn-lt"/>
+                <a:cs typeface="+mn-lt"/>
+              </a:rPr>
+              <a:t>Discharge Summary</a:t>
+            </a:r>
+            <a:r>
+              <a:rPr lang="en-US" sz="1600" dirty="0">
+                <a:ea typeface="+mn-lt"/>
+                <a:cs typeface="+mn-lt"/>
+              </a:rPr>
+              <a:t> TEXT column using the </a:t>
+            </a:r>
+            <a:r>
+              <a:rPr lang="en-US" sz="1600" b="1" err="1">
+                <a:ea typeface="+mn-lt"/>
+                <a:cs typeface="+mn-lt"/>
+              </a:rPr>
+              <a:t>spaCy</a:t>
+            </a:r>
+            <a:r>
+              <a:rPr lang="en-US" sz="1600" dirty="0">
+                <a:ea typeface="+mn-lt"/>
+                <a:cs typeface="+mn-lt"/>
+              </a:rPr>
+              <a:t> model.</a:t>
+            </a:r>
+          </a:p>
+          <a:p>
+            <a:pPr marL="285750" indent="-285750">
+              <a:buFont typeface="Arial"/>
+              <a:buChar char="•"/>
+            </a:pPr>
+            <a:r>
+              <a:rPr lang="en-US" sz="1600" dirty="0">
+                <a:ea typeface="+mn-lt"/>
+                <a:cs typeface="+mn-lt"/>
+              </a:rPr>
+              <a:t>Displayed </a:t>
+            </a:r>
+            <a:r>
+              <a:rPr lang="en-US" sz="1600" b="1" err="1">
+                <a:ea typeface="+mn-lt"/>
+                <a:cs typeface="+mn-lt"/>
+              </a:rPr>
+              <a:t>spaCy</a:t>
+            </a:r>
+            <a:r>
+              <a:rPr lang="en-US" sz="1600" dirty="0">
+                <a:ea typeface="+mn-lt"/>
+                <a:cs typeface="+mn-lt"/>
+              </a:rPr>
+              <a:t> entities using </a:t>
+            </a:r>
+            <a:r>
+              <a:rPr lang="en-US" sz="1600" b="1" err="1">
+                <a:ea typeface="+mn-lt"/>
+                <a:cs typeface="+mn-lt"/>
+              </a:rPr>
+              <a:t>displaCy</a:t>
+            </a:r>
+            <a:r>
+              <a:rPr lang="en-US" sz="1600" b="1" dirty="0">
+                <a:ea typeface="+mn-lt"/>
+                <a:cs typeface="+mn-lt"/>
+              </a:rPr>
+              <a:t>.</a:t>
+            </a:r>
+            <a:endParaRPr lang="en-US" sz="1600" dirty="0"/>
+          </a:p>
+        </p:txBody>
+      </p:sp>
     </p:spTree>
     <p:extLst>
       <p:ext uri="{BB962C8B-B14F-4D97-AF65-F5344CB8AC3E}">
@@ -10294,10 +12226,10 @@
       </p:grpSpPr>
       <p:pic>
         <p:nvPicPr>
-          <p:cNvPr id="2" name="Picture 1" descr="A screenshot of a computer&#10;&#10;AI-generated content may be incorrect.">
+          <p:cNvPr id="6" name="Picture 5" descr="A screenshot of a computer&#10;&#10;AI-generated content may be incorrect.">
             <a:extLst>
               <a:ext uri="{FF2B5EF4-FFF2-40B4-BE49-F238E27FC236}">
-                <a16:creationId xmlns:a16="http://schemas.microsoft.com/office/drawing/2014/main" id="{89571B8B-9DE9-CF30-E185-93819B405560}"/>
+                <a16:creationId xmlns:a16="http://schemas.microsoft.com/office/drawing/2014/main" id="{F03D4E13-644A-E62D-F81B-E01FCA09A91D}"/>
               </a:ext>
             </a:extLst>
           </p:cNvPr>
@@ -10314,14 +12246,53 @@
         </p:blipFill>
         <p:spPr>
           <a:xfrm>
-            <a:off x="0" y="1208934"/>
-            <a:ext cx="12192000" cy="4440131"/>
+            <a:off x="0" y="310858"/>
+            <a:ext cx="12192000" cy="6236285"/>
           </a:xfrm>
           <a:prstGeom prst="rect">
             <a:avLst/>
           </a:prstGeom>
         </p:spPr>
       </p:pic>
+      <p:sp>
+        <p:nvSpPr>
+          <p:cNvPr id="15" name="TextBox 14">
+            <a:extLst>
+              <a:ext uri="{FF2B5EF4-FFF2-40B4-BE49-F238E27FC236}">
+                <a16:creationId xmlns:a16="http://schemas.microsoft.com/office/drawing/2014/main" id="{ECAC93BE-19AE-6DB7-8EDF-B2CBC81F0BB6}"/>
+              </a:ext>
+            </a:extLst>
+          </p:cNvPr>
+          <p:cNvSpPr txBox="1"/>
+          <p:nvPr/>
+        </p:nvSpPr>
+        <p:spPr>
+          <a:xfrm>
+            <a:off x="4829448" y="6484329"/>
+            <a:ext cx="2008126" cy="369332"/>
+          </a:xfrm>
+          <a:prstGeom prst="rect">
+            <a:avLst/>
+          </a:prstGeom>
+          <a:noFill/>
+        </p:spPr>
+        <p:txBody>
+          <a:bodyPr rot="0" spcFirstLastPara="0" vertOverflow="overflow" horzOverflow="overflow" vert="horz" wrap="square" lIns="91440" tIns="45720" rIns="91440" bIns="45720" numCol="1" spcCol="0" rtlCol="0" fromWordArt="0" anchor="t" anchorCtr="0" forceAA="0" compatLnSpc="1">
+            <a:prstTxWarp prst="textNoShape">
+              <a:avLst/>
+            </a:prstTxWarp>
+            <a:spAutoFit/>
+          </a:bodyPr>
+          <a:lstStyle/>
+          <a:p>
+            <a:pPr algn="ctr"/>
+            <a:r>
+              <a:rPr lang="en-US" b="1" dirty="0"/>
+              <a:t>Spacy Entities</a:t>
+            </a:r>
+          </a:p>
+        </p:txBody>
+      </p:sp>
     </p:spTree>
     <p:extLst>
       <p:ext uri="{BB962C8B-B14F-4D97-AF65-F5344CB8AC3E}">
@@ -10410,36 +12381,6 @@
       </p:sp>
       <p:pic>
         <p:nvPicPr>
-          <p:cNvPr id="3" name="Picture 2" descr="A screenshot of a computer program&#10;&#10;AI-generated content may be incorrect.">
-            <a:extLst>
-              <a:ext uri="{FF2B5EF4-FFF2-40B4-BE49-F238E27FC236}">
-                <a16:creationId xmlns:a16="http://schemas.microsoft.com/office/drawing/2014/main" id="{00176746-2248-7BEE-8695-2881AEF15642}"/>
-              </a:ext>
-            </a:extLst>
-          </p:cNvPr>
-          <p:cNvPicPr>
-            <a:picLocks noChangeAspect="1"/>
-          </p:cNvPicPr>
-          <p:nvPr/>
-        </p:nvPicPr>
-        <p:blipFill>
-          <a:blip r:embed="rId2"/>
-          <a:stretch>
-            <a:fillRect/>
-          </a:stretch>
-        </p:blipFill>
-        <p:spPr>
-          <a:xfrm>
-            <a:off x="6492982" y="850468"/>
-            <a:ext cx="5702408" cy="4240080"/>
-          </a:xfrm>
-          <a:prstGeom prst="rect">
-            <a:avLst/>
-          </a:prstGeom>
-        </p:spPr>
-      </p:pic>
-      <p:pic>
-        <p:nvPicPr>
           <p:cNvPr id="4" name="Picture 3" descr="A screenshot of a computer code&#10;&#10;AI-generated content may be incorrect.">
             <a:extLst>
               <a:ext uri="{FF2B5EF4-FFF2-40B4-BE49-F238E27FC236}">
@@ -10453,7 +12394,7 @@
           <p:nvPr/>
         </p:nvPicPr>
         <p:blipFill>
-          <a:blip r:embed="rId3"/>
+          <a:blip r:embed="rId2"/>
           <a:stretch>
             <a:fillRect/>
           </a:stretch>
@@ -10633,6 +12574,36 @@
           </a:p>
         </p:txBody>
       </p:sp>
+      <p:pic>
+        <p:nvPicPr>
+          <p:cNvPr id="6" name="Picture 5" descr="A screenshot of a computer program&#10;&#10;AI-generated content may be incorrect.">
+            <a:extLst>
+              <a:ext uri="{FF2B5EF4-FFF2-40B4-BE49-F238E27FC236}">
+                <a16:creationId xmlns:a16="http://schemas.microsoft.com/office/drawing/2014/main" id="{CC98ADBD-69CD-3850-EE51-3F286F571117}"/>
+              </a:ext>
+            </a:extLst>
+          </p:cNvPr>
+          <p:cNvPicPr>
+            <a:picLocks noChangeAspect="1"/>
+          </p:cNvPicPr>
+          <p:nvPr/>
+        </p:nvPicPr>
+        <p:blipFill>
+          <a:blip r:embed="rId3"/>
+          <a:stretch>
+            <a:fillRect/>
+          </a:stretch>
+        </p:blipFill>
+        <p:spPr>
+          <a:xfrm>
+            <a:off x="6477587" y="846746"/>
+            <a:ext cx="5719046" cy="4037166"/>
+          </a:xfrm>
+          <a:prstGeom prst="rect">
+            <a:avLst/>
+          </a:prstGeom>
+        </p:spPr>
+      </p:pic>
     </p:spTree>
     <p:extLst>
       <p:ext uri="{BB962C8B-B14F-4D97-AF65-F5344CB8AC3E}">
@@ -10868,36 +12839,6 @@
           <a:chExt cx="0" cy="0"/>
         </a:xfrm>
       </p:grpSpPr>
-      <p:pic>
-        <p:nvPicPr>
-          <p:cNvPr id="3" name="Picture 2" descr="A map of the islands&#10;&#10;AI-generated content may be incorrect.">
-            <a:extLst>
-              <a:ext uri="{FF2B5EF4-FFF2-40B4-BE49-F238E27FC236}">
-                <a16:creationId xmlns:a16="http://schemas.microsoft.com/office/drawing/2014/main" id="{0472BD60-BAD6-553C-620D-CAB0AF6C6172}"/>
-              </a:ext>
-            </a:extLst>
-          </p:cNvPr>
-          <p:cNvPicPr>
-            <a:picLocks noChangeAspect="1"/>
-          </p:cNvPicPr>
-          <p:nvPr/>
-        </p:nvPicPr>
-        <p:blipFill>
-          <a:blip r:embed="rId2"/>
-          <a:stretch>
-            <a:fillRect/>
-          </a:stretch>
-        </p:blipFill>
-        <p:spPr>
-          <a:xfrm>
-            <a:off x="3481906" y="-1"/>
-            <a:ext cx="7746662" cy="5811865"/>
-          </a:xfrm>
-          <a:prstGeom prst="rect">
-            <a:avLst/>
-          </a:prstGeom>
-        </p:spPr>
-      </p:pic>
       <p:sp>
         <p:nvSpPr>
           <p:cNvPr id="4" name="TextBox 3">
@@ -10977,7 +12918,7 @@
         <p:spPr>
           <a:xfrm>
             <a:off x="782073" y="232149"/>
-            <a:ext cx="2598762" cy="934888"/>
+            <a:ext cx="2598762" cy="1754326"/>
           </a:xfrm>
           <a:prstGeom prst="rect">
             <a:avLst/>
@@ -10995,15 +12936,13 @@
           <a:p>
             <a:r>
               <a:rPr lang="en-US" b="1" dirty="0">
-                <a:latin typeface="Bierstadt"/>
                 <a:ea typeface="+mn-lt"/>
                 <a:cs typeface="+mn-lt"/>
               </a:rPr>
-              <a:t>t-SNE Visualization of Top 100 Words from Word2Vec (</a:t>
+              <a:t>t-SNE visualization of the top 100 words from Word2Vec (</a:t>
             </a:r>
             <a:r>
               <a:rPr lang="en-US" b="1" err="1">
-                <a:latin typeface="Bierstadt"/>
                 <a:ea typeface="+mn-lt"/>
                 <a:cs typeface="+mn-lt"/>
               </a:rPr>
@@ -11011,18 +12950,44 @@
             </a:r>
             <a:r>
               <a:rPr lang="en-US" b="1" dirty="0">
-                <a:latin typeface="Bierstadt"/>
                 <a:ea typeface="+mn-lt"/>
                 <a:cs typeface="+mn-lt"/>
               </a:rPr>
-              <a:t>)</a:t>
-            </a:r>
-            <a:endParaRPr lang="en-US" b="1" dirty="0">
-              <a:latin typeface="Bierstadt"/>
-            </a:endParaRPr>
+              <a:t>), with a limited word count for better label clarity.</a:t>
+            </a:r>
           </a:p>
         </p:txBody>
       </p:sp>
+      <p:pic>
+        <p:nvPicPr>
+          <p:cNvPr id="2" name="Picture 1">
+            <a:extLst>
+              <a:ext uri="{FF2B5EF4-FFF2-40B4-BE49-F238E27FC236}">
+                <a16:creationId xmlns:a16="http://schemas.microsoft.com/office/drawing/2014/main" id="{557FD450-B763-D6DC-0387-C6C0E467D74E}"/>
+              </a:ext>
+            </a:extLst>
+          </p:cNvPr>
+          <p:cNvPicPr>
+            <a:picLocks noChangeAspect="1"/>
+          </p:cNvPicPr>
+          <p:nvPr/>
+        </p:nvPicPr>
+        <p:blipFill>
+          <a:blip r:embed="rId2"/>
+          <a:stretch>
+            <a:fillRect/>
+          </a:stretch>
+        </p:blipFill>
+        <p:spPr>
+          <a:xfrm>
+            <a:off x="3699043" y="229644"/>
+            <a:ext cx="7716653" cy="5553207"/>
+          </a:xfrm>
+          <a:prstGeom prst="rect">
+            <a:avLst/>
+          </a:prstGeom>
+        </p:spPr>
+      </p:pic>
     </p:spTree>
     <p:extLst>
       <p:ext uri="{BB962C8B-B14F-4D97-AF65-F5344CB8AC3E}">
